--- a/Slides.pptx
+++ b/Slides.pptx
@@ -5,11 +5,18 @@
     <p:sldMasterId id="2147483897" r:id="rId2"/>
   </p:sldMasterIdLst>
   <p:notesMasterIdLst>
-    <p:notesMasterId r:id="rId5"/>
+    <p:notesMasterId r:id="rId12"/>
   </p:notesMasterIdLst>
   <p:sldIdLst>
     <p:sldId id="256" r:id="rId3"/>
     <p:sldId id="265" r:id="rId4"/>
+    <p:sldId id="270" r:id="rId5"/>
+    <p:sldId id="271" r:id="rId6"/>
+    <p:sldId id="272" r:id="rId7"/>
+    <p:sldId id="274" r:id="rId8"/>
+    <p:sldId id="273" r:id="rId9"/>
+    <p:sldId id="275" r:id="rId10"/>
+    <p:sldId id="276" r:id="rId11"/>
   </p:sldIdLst>
   <p:sldSz cx="9144000" cy="5143500" type="screen16x9"/>
   <p:notesSz cx="6858000" cy="9144000"/>
@@ -134,23 +141,6 @@
 </p:cmAuthorLst>
 </file>
 
-<file path=ppt/comments/comment1.xml><?xml version="1.0" encoding="utf-8"?>
-<p:cmLst xmlns:a="http://schemas.openxmlformats.org/drawingml/2006/main" xmlns:r="http://schemas.openxmlformats.org/officeDocument/2006/relationships" xmlns:p="http://schemas.openxmlformats.org/presentationml/2006/main">
-  <p:cm authorId="2" dt="2016-10-09T03:15:48.112" idx="1">
-    <p:pos x="10" y="10"/>
-    <p:text>- Confrontar fog vs cloud
-- Falar em concreto de cada um dos pontos das figuras
-- Falar dos que faltam: heterogeneidade e interoperabilidade
-- Introduzir slide seguinte (importancia na IoT)</p:text>
-    <p:extLst>
-      <p:ext uri="{C676402C-5697-4E1C-873F-D02D1690AC5C}">
-        <p15:threadingInfo xmlns:p15="http://schemas.microsoft.com/office/powerpoint/2012/main" timeZoneBias="-60"/>
-      </p:ext>
-    </p:extLst>
-  </p:cm>
-</p:cmLst>
-</file>
-
 <file path=ppt/notesMasters/notesMaster1.xml><?xml version="1.0" encoding="utf-8"?>
 <p:notesMaster xmlns:a="http://schemas.openxmlformats.org/drawingml/2006/main" xmlns:r="http://schemas.openxmlformats.org/officeDocument/2006/relationships" xmlns:p="http://schemas.openxmlformats.org/presentationml/2006/main">
   <p:cSld>
@@ -236,7 +226,7 @@
             <a:fld id="{A8ADFD5B-A66C-449C-B6E8-FB716D07777D}" type="datetimeFigureOut">
               <a:rPr lang="pt-PT"/>
               <a:pPr/>
-              <a:t>seg, 16 jan 2017</a:t>
+              <a:t>16/01/2017</a:t>
             </a:fld>
             <a:endParaRPr lang="pt-PT"/>
           </a:p>
@@ -594,6 +584,686 @@
 </p:notes>
 </file>
 
+<file path=ppt/notesSlides/notesSlide2.xml><?xml version="1.0" encoding="utf-8"?>
+<p:notes xmlns:a="http://schemas.openxmlformats.org/drawingml/2006/main" xmlns:r="http://schemas.openxmlformats.org/officeDocument/2006/relationships" xmlns:p="http://schemas.openxmlformats.org/presentationml/2006/main">
+  <p:cSld>
+    <p:spTree>
+      <p:nvGrpSpPr>
+        <p:cNvPr id="1" name=""/>
+        <p:cNvGrpSpPr/>
+        <p:nvPr/>
+      </p:nvGrpSpPr>
+      <p:grpSpPr>
+        <a:xfrm>
+          <a:off x="0" y="0"/>
+          <a:ext cx="0" cy="0"/>
+          <a:chOff x="0" y="0"/>
+          <a:chExt cx="0" cy="0"/>
+        </a:xfrm>
+      </p:grpSpPr>
+      <p:sp>
+        <p:nvSpPr>
+          <p:cNvPr id="2" name="Marcador de Posição da Imagem do Diapositivo 1"/>
+          <p:cNvSpPr>
+            <a:spLocks noGrp="1" noRot="1" noChangeAspect="1"/>
+          </p:cNvSpPr>
+          <p:nvPr>
+            <p:ph type="sldImg"/>
+          </p:nvPr>
+        </p:nvSpPr>
+        <p:spPr/>
+      </p:sp>
+      <p:sp>
+        <p:nvSpPr>
+          <p:cNvPr id="3" name="Marcador de Posição de Notas 2"/>
+          <p:cNvSpPr>
+            <a:spLocks noGrp="1"/>
+          </p:cNvSpPr>
+          <p:nvPr>
+            <p:ph type="body" idx="1"/>
+          </p:nvPr>
+        </p:nvSpPr>
+        <p:spPr/>
+        <p:txBody>
+          <a:bodyPr/>
+          <a:lstStyle/>
+          <a:p>
+            <a:endParaRPr lang="pt-PT" dirty="0"/>
+          </a:p>
+        </p:txBody>
+      </p:sp>
+      <p:sp>
+        <p:nvSpPr>
+          <p:cNvPr id="4" name="Marcador de Posição do Número do Diapositivo 3"/>
+          <p:cNvSpPr>
+            <a:spLocks noGrp="1"/>
+          </p:cNvSpPr>
+          <p:nvPr>
+            <p:ph type="sldNum" sz="quarter" idx="10"/>
+          </p:nvPr>
+        </p:nvSpPr>
+        <p:spPr/>
+        <p:txBody>
+          <a:bodyPr/>
+          <a:lstStyle/>
+          <a:p>
+            <a:fld id="{CA5D3BF3-D352-46FC-8343-31F56E6730EA}" type="slidenum">
+              <a:rPr lang="pt-PT" smtClean="0"/>
+              <a:pPr/>
+              <a:t>2</a:t>
+            </a:fld>
+            <a:endParaRPr lang="pt-PT"/>
+          </a:p>
+        </p:txBody>
+      </p:sp>
+    </p:spTree>
+    <p:extLst>
+      <p:ext uri="{BB962C8B-B14F-4D97-AF65-F5344CB8AC3E}">
+        <p14:creationId xmlns:p14="http://schemas.microsoft.com/office/powerpoint/2010/main" val="1717364788"/>
+      </p:ext>
+    </p:extLst>
+  </p:cSld>
+  <p:clrMapOvr>
+    <a:masterClrMapping/>
+  </p:clrMapOvr>
+</p:notes>
+</file>
+
+<file path=ppt/notesSlides/notesSlide3.xml><?xml version="1.0" encoding="utf-8"?>
+<p:notes xmlns:a="http://schemas.openxmlformats.org/drawingml/2006/main" xmlns:r="http://schemas.openxmlformats.org/officeDocument/2006/relationships" xmlns:p="http://schemas.openxmlformats.org/presentationml/2006/main">
+  <p:cSld>
+    <p:spTree>
+      <p:nvGrpSpPr>
+        <p:cNvPr id="1" name=""/>
+        <p:cNvGrpSpPr/>
+        <p:nvPr/>
+      </p:nvGrpSpPr>
+      <p:grpSpPr>
+        <a:xfrm>
+          <a:off x="0" y="0"/>
+          <a:ext cx="0" cy="0"/>
+          <a:chOff x="0" y="0"/>
+          <a:chExt cx="0" cy="0"/>
+        </a:xfrm>
+      </p:grpSpPr>
+      <p:sp>
+        <p:nvSpPr>
+          <p:cNvPr id="2" name="Marcador de Posição da Imagem do Diapositivo 1"/>
+          <p:cNvSpPr>
+            <a:spLocks noGrp="1" noRot="1" noChangeAspect="1"/>
+          </p:cNvSpPr>
+          <p:nvPr>
+            <p:ph type="sldImg"/>
+          </p:nvPr>
+        </p:nvSpPr>
+        <p:spPr/>
+      </p:sp>
+      <p:sp>
+        <p:nvSpPr>
+          <p:cNvPr id="3" name="Marcador de Posição de Notas 2"/>
+          <p:cNvSpPr>
+            <a:spLocks noGrp="1"/>
+          </p:cNvSpPr>
+          <p:nvPr>
+            <p:ph type="body" idx="1"/>
+          </p:nvPr>
+        </p:nvSpPr>
+        <p:spPr/>
+        <p:txBody>
+          <a:bodyPr/>
+          <a:lstStyle/>
+          <a:p>
+            <a:endParaRPr lang="pt-PT" dirty="0"/>
+          </a:p>
+        </p:txBody>
+      </p:sp>
+      <p:sp>
+        <p:nvSpPr>
+          <p:cNvPr id="4" name="Marcador de Posição do Número do Diapositivo 3"/>
+          <p:cNvSpPr>
+            <a:spLocks noGrp="1"/>
+          </p:cNvSpPr>
+          <p:nvPr>
+            <p:ph type="sldNum" sz="quarter" idx="10"/>
+          </p:nvPr>
+        </p:nvSpPr>
+        <p:spPr/>
+        <p:txBody>
+          <a:bodyPr/>
+          <a:lstStyle/>
+          <a:p>
+            <a:fld id="{CA5D3BF3-D352-46FC-8343-31F56E6730EA}" type="slidenum">
+              <a:rPr lang="pt-PT" smtClean="0"/>
+              <a:pPr/>
+              <a:t>3</a:t>
+            </a:fld>
+            <a:endParaRPr lang="pt-PT"/>
+          </a:p>
+        </p:txBody>
+      </p:sp>
+    </p:spTree>
+    <p:extLst>
+      <p:ext uri="{BB962C8B-B14F-4D97-AF65-F5344CB8AC3E}">
+        <p14:creationId xmlns:p14="http://schemas.microsoft.com/office/powerpoint/2010/main" val="1011667743"/>
+      </p:ext>
+    </p:extLst>
+  </p:cSld>
+  <p:clrMapOvr>
+    <a:masterClrMapping/>
+  </p:clrMapOvr>
+</p:notes>
+</file>
+
+<file path=ppt/notesSlides/notesSlide4.xml><?xml version="1.0" encoding="utf-8"?>
+<p:notes xmlns:a="http://schemas.openxmlformats.org/drawingml/2006/main" xmlns:r="http://schemas.openxmlformats.org/officeDocument/2006/relationships" xmlns:p="http://schemas.openxmlformats.org/presentationml/2006/main">
+  <p:cSld>
+    <p:spTree>
+      <p:nvGrpSpPr>
+        <p:cNvPr id="1" name=""/>
+        <p:cNvGrpSpPr/>
+        <p:nvPr/>
+      </p:nvGrpSpPr>
+      <p:grpSpPr>
+        <a:xfrm>
+          <a:off x="0" y="0"/>
+          <a:ext cx="0" cy="0"/>
+          <a:chOff x="0" y="0"/>
+          <a:chExt cx="0" cy="0"/>
+        </a:xfrm>
+      </p:grpSpPr>
+      <p:sp>
+        <p:nvSpPr>
+          <p:cNvPr id="2" name="Marcador de Posição da Imagem do Diapositivo 1"/>
+          <p:cNvSpPr>
+            <a:spLocks noGrp="1" noRot="1" noChangeAspect="1"/>
+          </p:cNvSpPr>
+          <p:nvPr>
+            <p:ph type="sldImg"/>
+          </p:nvPr>
+        </p:nvSpPr>
+        <p:spPr/>
+      </p:sp>
+      <p:sp>
+        <p:nvSpPr>
+          <p:cNvPr id="3" name="Marcador de Posição de Notas 2"/>
+          <p:cNvSpPr>
+            <a:spLocks noGrp="1"/>
+          </p:cNvSpPr>
+          <p:nvPr>
+            <p:ph type="body" idx="1"/>
+          </p:nvPr>
+        </p:nvSpPr>
+        <p:spPr/>
+        <p:txBody>
+          <a:bodyPr/>
+          <a:lstStyle/>
+          <a:p>
+            <a:endParaRPr lang="pt-PT" dirty="0"/>
+          </a:p>
+        </p:txBody>
+      </p:sp>
+      <p:sp>
+        <p:nvSpPr>
+          <p:cNvPr id="4" name="Marcador de Posição do Número do Diapositivo 3"/>
+          <p:cNvSpPr>
+            <a:spLocks noGrp="1"/>
+          </p:cNvSpPr>
+          <p:nvPr>
+            <p:ph type="sldNum" sz="quarter" idx="10"/>
+          </p:nvPr>
+        </p:nvSpPr>
+        <p:spPr/>
+        <p:txBody>
+          <a:bodyPr/>
+          <a:lstStyle/>
+          <a:p>
+            <a:fld id="{CA5D3BF3-D352-46FC-8343-31F56E6730EA}" type="slidenum">
+              <a:rPr lang="pt-PT" smtClean="0"/>
+              <a:pPr/>
+              <a:t>4</a:t>
+            </a:fld>
+            <a:endParaRPr lang="pt-PT"/>
+          </a:p>
+        </p:txBody>
+      </p:sp>
+    </p:spTree>
+    <p:extLst>
+      <p:ext uri="{BB962C8B-B14F-4D97-AF65-F5344CB8AC3E}">
+        <p14:creationId xmlns:p14="http://schemas.microsoft.com/office/powerpoint/2010/main" val="2493795192"/>
+      </p:ext>
+    </p:extLst>
+  </p:cSld>
+  <p:clrMapOvr>
+    <a:masterClrMapping/>
+  </p:clrMapOvr>
+</p:notes>
+</file>
+
+<file path=ppt/notesSlides/notesSlide5.xml><?xml version="1.0" encoding="utf-8"?>
+<p:notes xmlns:a="http://schemas.openxmlformats.org/drawingml/2006/main" xmlns:r="http://schemas.openxmlformats.org/officeDocument/2006/relationships" xmlns:p="http://schemas.openxmlformats.org/presentationml/2006/main">
+  <p:cSld>
+    <p:spTree>
+      <p:nvGrpSpPr>
+        <p:cNvPr id="1" name=""/>
+        <p:cNvGrpSpPr/>
+        <p:nvPr/>
+      </p:nvGrpSpPr>
+      <p:grpSpPr>
+        <a:xfrm>
+          <a:off x="0" y="0"/>
+          <a:ext cx="0" cy="0"/>
+          <a:chOff x="0" y="0"/>
+          <a:chExt cx="0" cy="0"/>
+        </a:xfrm>
+      </p:grpSpPr>
+      <p:sp>
+        <p:nvSpPr>
+          <p:cNvPr id="2" name="Marcador de Posição da Imagem do Diapositivo 1"/>
+          <p:cNvSpPr>
+            <a:spLocks noGrp="1" noRot="1" noChangeAspect="1"/>
+          </p:cNvSpPr>
+          <p:nvPr>
+            <p:ph type="sldImg"/>
+          </p:nvPr>
+        </p:nvSpPr>
+        <p:spPr/>
+      </p:sp>
+      <p:sp>
+        <p:nvSpPr>
+          <p:cNvPr id="3" name="Marcador de Posição de Notas 2"/>
+          <p:cNvSpPr>
+            <a:spLocks noGrp="1"/>
+          </p:cNvSpPr>
+          <p:nvPr>
+            <p:ph type="body" idx="1"/>
+          </p:nvPr>
+        </p:nvSpPr>
+        <p:spPr/>
+        <p:txBody>
+          <a:bodyPr/>
+          <a:lstStyle/>
+          <a:p>
+            <a:endParaRPr lang="pt-PT" dirty="0"/>
+          </a:p>
+        </p:txBody>
+      </p:sp>
+      <p:sp>
+        <p:nvSpPr>
+          <p:cNvPr id="4" name="Marcador de Posição do Número do Diapositivo 3"/>
+          <p:cNvSpPr>
+            <a:spLocks noGrp="1"/>
+          </p:cNvSpPr>
+          <p:nvPr>
+            <p:ph type="sldNum" sz="quarter" idx="10"/>
+          </p:nvPr>
+        </p:nvSpPr>
+        <p:spPr/>
+        <p:txBody>
+          <a:bodyPr/>
+          <a:lstStyle/>
+          <a:p>
+            <a:fld id="{CA5D3BF3-D352-46FC-8343-31F56E6730EA}" type="slidenum">
+              <a:rPr lang="pt-PT" smtClean="0"/>
+              <a:pPr/>
+              <a:t>5</a:t>
+            </a:fld>
+            <a:endParaRPr lang="pt-PT"/>
+          </a:p>
+        </p:txBody>
+      </p:sp>
+    </p:spTree>
+    <p:extLst>
+      <p:ext uri="{BB962C8B-B14F-4D97-AF65-F5344CB8AC3E}">
+        <p14:creationId xmlns:p14="http://schemas.microsoft.com/office/powerpoint/2010/main" val="4068224205"/>
+      </p:ext>
+    </p:extLst>
+  </p:cSld>
+  <p:clrMapOvr>
+    <a:masterClrMapping/>
+  </p:clrMapOvr>
+</p:notes>
+</file>
+
+<file path=ppt/notesSlides/notesSlide6.xml><?xml version="1.0" encoding="utf-8"?>
+<p:notes xmlns:a="http://schemas.openxmlformats.org/drawingml/2006/main" xmlns:r="http://schemas.openxmlformats.org/officeDocument/2006/relationships" xmlns:p="http://schemas.openxmlformats.org/presentationml/2006/main">
+  <p:cSld>
+    <p:spTree>
+      <p:nvGrpSpPr>
+        <p:cNvPr id="1" name=""/>
+        <p:cNvGrpSpPr/>
+        <p:nvPr/>
+      </p:nvGrpSpPr>
+      <p:grpSpPr>
+        <a:xfrm>
+          <a:off x="0" y="0"/>
+          <a:ext cx="0" cy="0"/>
+          <a:chOff x="0" y="0"/>
+          <a:chExt cx="0" cy="0"/>
+        </a:xfrm>
+      </p:grpSpPr>
+      <p:sp>
+        <p:nvSpPr>
+          <p:cNvPr id="2" name="Marcador de Posição da Imagem do Diapositivo 1"/>
+          <p:cNvSpPr>
+            <a:spLocks noGrp="1" noRot="1" noChangeAspect="1"/>
+          </p:cNvSpPr>
+          <p:nvPr>
+            <p:ph type="sldImg"/>
+          </p:nvPr>
+        </p:nvSpPr>
+        <p:spPr/>
+      </p:sp>
+      <p:sp>
+        <p:nvSpPr>
+          <p:cNvPr id="3" name="Marcador de Posição de Notas 2"/>
+          <p:cNvSpPr>
+            <a:spLocks noGrp="1"/>
+          </p:cNvSpPr>
+          <p:nvPr>
+            <p:ph type="body" idx="1"/>
+          </p:nvPr>
+        </p:nvSpPr>
+        <p:spPr/>
+        <p:txBody>
+          <a:bodyPr/>
+          <a:lstStyle/>
+          <a:p>
+            <a:endParaRPr lang="pt-PT" dirty="0"/>
+          </a:p>
+        </p:txBody>
+      </p:sp>
+      <p:sp>
+        <p:nvSpPr>
+          <p:cNvPr id="4" name="Marcador de Posição do Número do Diapositivo 3"/>
+          <p:cNvSpPr>
+            <a:spLocks noGrp="1"/>
+          </p:cNvSpPr>
+          <p:nvPr>
+            <p:ph type="sldNum" sz="quarter" idx="10"/>
+          </p:nvPr>
+        </p:nvSpPr>
+        <p:spPr/>
+        <p:txBody>
+          <a:bodyPr/>
+          <a:lstStyle/>
+          <a:p>
+            <a:fld id="{CA5D3BF3-D352-46FC-8343-31F56E6730EA}" type="slidenum">
+              <a:rPr lang="pt-PT" smtClean="0"/>
+              <a:pPr/>
+              <a:t>6</a:t>
+            </a:fld>
+            <a:endParaRPr lang="pt-PT"/>
+          </a:p>
+        </p:txBody>
+      </p:sp>
+    </p:spTree>
+    <p:extLst>
+      <p:ext uri="{BB962C8B-B14F-4D97-AF65-F5344CB8AC3E}">
+        <p14:creationId xmlns:p14="http://schemas.microsoft.com/office/powerpoint/2010/main" val="3379194177"/>
+      </p:ext>
+    </p:extLst>
+  </p:cSld>
+  <p:clrMapOvr>
+    <a:masterClrMapping/>
+  </p:clrMapOvr>
+</p:notes>
+</file>
+
+<file path=ppt/notesSlides/notesSlide7.xml><?xml version="1.0" encoding="utf-8"?>
+<p:notes xmlns:a="http://schemas.openxmlformats.org/drawingml/2006/main" xmlns:r="http://schemas.openxmlformats.org/officeDocument/2006/relationships" xmlns:p="http://schemas.openxmlformats.org/presentationml/2006/main">
+  <p:cSld>
+    <p:spTree>
+      <p:nvGrpSpPr>
+        <p:cNvPr id="1" name=""/>
+        <p:cNvGrpSpPr/>
+        <p:nvPr/>
+      </p:nvGrpSpPr>
+      <p:grpSpPr>
+        <a:xfrm>
+          <a:off x="0" y="0"/>
+          <a:ext cx="0" cy="0"/>
+          <a:chOff x="0" y="0"/>
+          <a:chExt cx="0" cy="0"/>
+        </a:xfrm>
+      </p:grpSpPr>
+      <p:sp>
+        <p:nvSpPr>
+          <p:cNvPr id="2" name="Marcador de Posição da Imagem do Diapositivo 1"/>
+          <p:cNvSpPr>
+            <a:spLocks noGrp="1" noRot="1" noChangeAspect="1"/>
+          </p:cNvSpPr>
+          <p:nvPr>
+            <p:ph type="sldImg"/>
+          </p:nvPr>
+        </p:nvSpPr>
+        <p:spPr/>
+      </p:sp>
+      <p:sp>
+        <p:nvSpPr>
+          <p:cNvPr id="3" name="Marcador de Posição de Notas 2"/>
+          <p:cNvSpPr>
+            <a:spLocks noGrp="1"/>
+          </p:cNvSpPr>
+          <p:nvPr>
+            <p:ph type="body" idx="1"/>
+          </p:nvPr>
+        </p:nvSpPr>
+        <p:spPr/>
+        <p:txBody>
+          <a:bodyPr/>
+          <a:lstStyle/>
+          <a:p>
+            <a:endParaRPr lang="pt-PT" dirty="0"/>
+          </a:p>
+        </p:txBody>
+      </p:sp>
+      <p:sp>
+        <p:nvSpPr>
+          <p:cNvPr id="4" name="Marcador de Posição do Número do Diapositivo 3"/>
+          <p:cNvSpPr>
+            <a:spLocks noGrp="1"/>
+          </p:cNvSpPr>
+          <p:nvPr>
+            <p:ph type="sldNum" sz="quarter" idx="10"/>
+          </p:nvPr>
+        </p:nvSpPr>
+        <p:spPr/>
+        <p:txBody>
+          <a:bodyPr/>
+          <a:lstStyle/>
+          <a:p>
+            <a:fld id="{CA5D3BF3-D352-46FC-8343-31F56E6730EA}" type="slidenum">
+              <a:rPr lang="pt-PT" smtClean="0"/>
+              <a:pPr/>
+              <a:t>7</a:t>
+            </a:fld>
+            <a:endParaRPr lang="pt-PT"/>
+          </a:p>
+        </p:txBody>
+      </p:sp>
+    </p:spTree>
+    <p:extLst>
+      <p:ext uri="{BB962C8B-B14F-4D97-AF65-F5344CB8AC3E}">
+        <p14:creationId xmlns:p14="http://schemas.microsoft.com/office/powerpoint/2010/main" val="2089262971"/>
+      </p:ext>
+    </p:extLst>
+  </p:cSld>
+  <p:clrMapOvr>
+    <a:masterClrMapping/>
+  </p:clrMapOvr>
+</p:notes>
+</file>
+
+<file path=ppt/notesSlides/notesSlide8.xml><?xml version="1.0" encoding="utf-8"?>
+<p:notes xmlns:a="http://schemas.openxmlformats.org/drawingml/2006/main" xmlns:r="http://schemas.openxmlformats.org/officeDocument/2006/relationships" xmlns:p="http://schemas.openxmlformats.org/presentationml/2006/main">
+  <p:cSld>
+    <p:spTree>
+      <p:nvGrpSpPr>
+        <p:cNvPr id="1" name=""/>
+        <p:cNvGrpSpPr/>
+        <p:nvPr/>
+      </p:nvGrpSpPr>
+      <p:grpSpPr>
+        <a:xfrm>
+          <a:off x="0" y="0"/>
+          <a:ext cx="0" cy="0"/>
+          <a:chOff x="0" y="0"/>
+          <a:chExt cx="0" cy="0"/>
+        </a:xfrm>
+      </p:grpSpPr>
+      <p:sp>
+        <p:nvSpPr>
+          <p:cNvPr id="2" name="Marcador de Posição da Imagem do Diapositivo 1"/>
+          <p:cNvSpPr>
+            <a:spLocks noGrp="1" noRot="1" noChangeAspect="1"/>
+          </p:cNvSpPr>
+          <p:nvPr>
+            <p:ph type="sldImg"/>
+          </p:nvPr>
+        </p:nvSpPr>
+        <p:spPr/>
+      </p:sp>
+      <p:sp>
+        <p:nvSpPr>
+          <p:cNvPr id="3" name="Marcador de Posição de Notas 2"/>
+          <p:cNvSpPr>
+            <a:spLocks noGrp="1"/>
+          </p:cNvSpPr>
+          <p:nvPr>
+            <p:ph type="body" idx="1"/>
+          </p:nvPr>
+        </p:nvSpPr>
+        <p:spPr/>
+        <p:txBody>
+          <a:bodyPr/>
+          <a:lstStyle/>
+          <a:p>
+            <a:endParaRPr lang="pt-PT" dirty="0"/>
+          </a:p>
+        </p:txBody>
+      </p:sp>
+      <p:sp>
+        <p:nvSpPr>
+          <p:cNvPr id="4" name="Marcador de Posição do Número do Diapositivo 3"/>
+          <p:cNvSpPr>
+            <a:spLocks noGrp="1"/>
+          </p:cNvSpPr>
+          <p:nvPr>
+            <p:ph type="sldNum" sz="quarter" idx="10"/>
+          </p:nvPr>
+        </p:nvSpPr>
+        <p:spPr/>
+        <p:txBody>
+          <a:bodyPr/>
+          <a:lstStyle/>
+          <a:p>
+            <a:fld id="{CA5D3BF3-D352-46FC-8343-31F56E6730EA}" type="slidenum">
+              <a:rPr lang="pt-PT" smtClean="0"/>
+              <a:pPr/>
+              <a:t>8</a:t>
+            </a:fld>
+            <a:endParaRPr lang="pt-PT"/>
+          </a:p>
+        </p:txBody>
+      </p:sp>
+    </p:spTree>
+    <p:extLst>
+      <p:ext uri="{BB962C8B-B14F-4D97-AF65-F5344CB8AC3E}">
+        <p14:creationId xmlns:p14="http://schemas.microsoft.com/office/powerpoint/2010/main" val="904019331"/>
+      </p:ext>
+    </p:extLst>
+  </p:cSld>
+  <p:clrMapOvr>
+    <a:masterClrMapping/>
+  </p:clrMapOvr>
+</p:notes>
+</file>
+
+<file path=ppt/notesSlides/notesSlide9.xml><?xml version="1.0" encoding="utf-8"?>
+<p:notes xmlns:a="http://schemas.openxmlformats.org/drawingml/2006/main" xmlns:r="http://schemas.openxmlformats.org/officeDocument/2006/relationships" xmlns:p="http://schemas.openxmlformats.org/presentationml/2006/main">
+  <p:cSld>
+    <p:spTree>
+      <p:nvGrpSpPr>
+        <p:cNvPr id="1" name=""/>
+        <p:cNvGrpSpPr/>
+        <p:nvPr/>
+      </p:nvGrpSpPr>
+      <p:grpSpPr>
+        <a:xfrm>
+          <a:off x="0" y="0"/>
+          <a:ext cx="0" cy="0"/>
+          <a:chOff x="0" y="0"/>
+          <a:chExt cx="0" cy="0"/>
+        </a:xfrm>
+      </p:grpSpPr>
+      <p:sp>
+        <p:nvSpPr>
+          <p:cNvPr id="2" name="Marcador de Posição da Imagem do Diapositivo 1"/>
+          <p:cNvSpPr>
+            <a:spLocks noGrp="1" noRot="1" noChangeAspect="1"/>
+          </p:cNvSpPr>
+          <p:nvPr>
+            <p:ph type="sldImg"/>
+          </p:nvPr>
+        </p:nvSpPr>
+        <p:spPr/>
+      </p:sp>
+      <p:sp>
+        <p:nvSpPr>
+          <p:cNvPr id="3" name="Marcador de Posição de Notas 2"/>
+          <p:cNvSpPr>
+            <a:spLocks noGrp="1"/>
+          </p:cNvSpPr>
+          <p:nvPr>
+            <p:ph type="body" idx="1"/>
+          </p:nvPr>
+        </p:nvSpPr>
+        <p:spPr/>
+        <p:txBody>
+          <a:bodyPr/>
+          <a:lstStyle/>
+          <a:p>
+            <a:endParaRPr lang="pt-PT" dirty="0"/>
+          </a:p>
+        </p:txBody>
+      </p:sp>
+      <p:sp>
+        <p:nvSpPr>
+          <p:cNvPr id="4" name="Marcador de Posição do Número do Diapositivo 3"/>
+          <p:cNvSpPr>
+            <a:spLocks noGrp="1"/>
+          </p:cNvSpPr>
+          <p:nvPr>
+            <p:ph type="sldNum" sz="quarter" idx="10"/>
+          </p:nvPr>
+        </p:nvSpPr>
+        <p:spPr/>
+        <p:txBody>
+          <a:bodyPr/>
+          <a:lstStyle/>
+          <a:p>
+            <a:fld id="{CA5D3BF3-D352-46FC-8343-31F56E6730EA}" type="slidenum">
+              <a:rPr lang="pt-PT" smtClean="0"/>
+              <a:pPr/>
+              <a:t>9</a:t>
+            </a:fld>
+            <a:endParaRPr lang="pt-PT"/>
+          </a:p>
+        </p:txBody>
+      </p:sp>
+    </p:spTree>
+    <p:extLst>
+      <p:ext uri="{BB962C8B-B14F-4D97-AF65-F5344CB8AC3E}">
+        <p14:creationId xmlns:p14="http://schemas.microsoft.com/office/powerpoint/2010/main" val="423311255"/>
+      </p:ext>
+    </p:extLst>
+  </p:cSld>
+  <p:clrMapOvr>
+    <a:masterClrMapping/>
+  </p:clrMapOvr>
+</p:notes>
+</file>
+
 <file path=ppt/slideLayouts/slideLayout1.xml><?xml version="1.0" encoding="utf-8"?>
 <p:sldLayout xmlns:a="http://schemas.openxmlformats.org/drawingml/2006/main" xmlns:r="http://schemas.openxmlformats.org/officeDocument/2006/relationships" xmlns:p="http://schemas.openxmlformats.org/presentationml/2006/main" type="title" preserve="1">
   <p:cSld name="Diapositivo de título">
@@ -821,7 +1491,7 @@
             <a:fld id="{E4606EA6-EFEA-4C30-9264-4F9291A5780D}" type="datetime1">
               <a:rPr lang="pt-PT" smtClean="0"/>
               <a:pPr/>
-              <a:t>seg, 16 jan 2017</a:t>
+              <a:t>16/01/2017</a:t>
             </a:fld>
             <a:endParaRPr kumimoji="0" lang="pt-PT" sz="1400">
               <a:solidFill>
@@ -1049,7 +1719,7 @@
             <a:fld id="{E4606EA6-EFEA-4C30-9264-4F9291A5780D}" type="datetime1">
               <a:rPr lang="pt-PT" smtClean="0"/>
               <a:pPr/>
-              <a:t>seg, 16 jan 2017</a:t>
+              <a:t>16/01/2017</a:t>
             </a:fld>
             <a:endParaRPr kumimoji="0" lang="pt-PT" sz="1400">
               <a:solidFill>
@@ -1325,7 +1995,7 @@
             <a:fld id="{E4606EA6-EFEA-4C30-9264-4F9291A5780D}" type="datetime1">
               <a:rPr lang="pt-PT" smtClean="0"/>
               <a:pPr/>
-              <a:t>seg, 16 jan 2017</a:t>
+              <a:t>16/01/2017</a:t>
             </a:fld>
             <a:endParaRPr kumimoji="0" lang="pt-PT" sz="1400">
               <a:solidFill>
@@ -1519,7 +2189,7 @@
             <a:fld id="{E4606EA6-EFEA-4C30-9264-4F9291A5780D}" type="datetime1">
               <a:rPr lang="pt-PT" smtClean="0"/>
               <a:pPr/>
-              <a:t>seg, 16 jan 2017</a:t>
+              <a:t>16/01/2017</a:t>
             </a:fld>
             <a:endParaRPr kumimoji="0" lang="pt-PT" sz="1400">
               <a:solidFill>
@@ -1874,7 +2544,7 @@
             <a:fld id="{6FCF9F07-3BC7-4570-B054-79111B0A380C}" type="datetime1">
               <a:rPr lang="pt-PT" smtClean="0"/>
               <a:pPr/>
-              <a:t>seg, 16 jan 2017</a:t>
+              <a:t>16/01/2017</a:t>
             </a:fld>
             <a:endParaRPr kumimoji="0" lang="pt-PT"/>
           </a:p>
@@ -2160,7 +2830,7 @@
             <a:fld id="{E4606EA6-EFEA-4C30-9264-4F9291A5780D}" type="datetime1">
               <a:rPr lang="pt-PT" smtClean="0"/>
               <a:pPr/>
-              <a:t>seg, 16 jan 2017</a:t>
+              <a:t>16/01/2017</a:t>
             </a:fld>
             <a:endParaRPr kumimoji="0" lang="pt-PT"/>
           </a:p>
@@ -2546,7 +3216,7 @@
             <a:fld id="{E4606EA6-EFEA-4C30-9264-4F9291A5780D}" type="datetime1">
               <a:rPr lang="pt-PT" smtClean="0"/>
               <a:pPr/>
-              <a:t>seg, 16 jan 2017</a:t>
+              <a:t>16/01/2017</a:t>
             </a:fld>
             <a:endParaRPr kumimoji="0" lang="pt-PT"/>
           </a:p>
@@ -2671,7 +3341,7 @@
             <a:fld id="{E4606EA6-EFEA-4C30-9264-4F9291A5780D}" type="datetime1">
               <a:rPr lang="pt-PT" smtClean="0"/>
               <a:pPr/>
-              <a:t>seg, 16 jan 2017</a:t>
+              <a:t>16/01/2017</a:t>
             </a:fld>
             <a:endParaRPr kumimoji="0" lang="pt-PT" sz="1400">
               <a:solidFill>
@@ -2862,7 +3532,7 @@
             <a:fld id="{E4606EA6-EFEA-4C30-9264-4F9291A5780D}" type="datetime1">
               <a:rPr lang="pt-PT" smtClean="0"/>
               <a:pPr/>
-              <a:t>seg, 16 jan 2017</a:t>
+              <a:t>16/01/2017</a:t>
             </a:fld>
             <a:endParaRPr kumimoji="0" lang="pt-PT" sz="1400">
               <a:solidFill>
@@ -3236,7 +3906,7 @@
             <a:fld id="{F49A8198-4617-485E-9585-4840B69DBBA6}" type="datetime1">
               <a:rPr lang="pt-PT" smtClean="0"/>
               <a:pPr/>
-              <a:t>seg, 16 jan 2017</a:t>
+              <a:t>16/01/2017</a:t>
             </a:fld>
             <a:endParaRPr kumimoji="0" lang="pt-PT"/>
           </a:p>
@@ -3628,7 +4298,7 @@
             <a:fld id="{E4606EA6-EFEA-4C30-9264-4F9291A5780D}" type="datetime1">
               <a:rPr lang="pt-PT" smtClean="0"/>
               <a:pPr/>
-              <a:t>seg, 16 jan 2017</a:t>
+              <a:t>16/01/2017</a:t>
             </a:fld>
             <a:endParaRPr kumimoji="0" lang="pt-PT"/>
           </a:p>
@@ -3927,7 +4597,7 @@
             <a:fld id="{E4606EA6-EFEA-4C30-9264-4F9291A5780D}" type="datetime1">
               <a:rPr lang="pt-PT" smtClean="0"/>
               <a:pPr/>
-              <a:t>seg, 16 jan 2017</a:t>
+              <a:t>16/01/2017</a:t>
             </a:fld>
             <a:endParaRPr kumimoji="0" lang="pt-PT" sz="1400">
               <a:solidFill>
@@ -4626,12 +5296,13 @@
           <a:bodyPr/>
           <a:lstStyle/>
           <a:p>
+            <a:pPr algn="ctr"/>
             <a:r>
               <a:rPr lang="pt-PT" b="1" dirty="0">
                 <a:latin typeface="MS UI Gothic" panose="020B0600070205080204" pitchFamily="34" charset="-128"/>
                 <a:ea typeface="MS UI Gothic" panose="020B0600070205080204" pitchFamily="34" charset="-128"/>
               </a:rPr>
-              <a:t>Introdução – O que é o Fog Computing?</a:t>
+              <a:t>Caso de estudo</a:t>
             </a:r>
           </a:p>
         </p:txBody>
@@ -4645,7 +5316,7 @@
         <p:spPr>
           <a:xfrm>
             <a:off x="0" y="4786444"/>
-            <a:ext cx="4968552" cy="323165"/>
+            <a:ext cx="4968552" cy="307777"/>
           </a:xfrm>
           <a:prstGeom prst="rect">
             <a:avLst/>
@@ -4659,57 +5330,43 @@
           <a:lstStyle/>
           <a:p>
             <a:r>
+              <a:rPr lang="pt-PT" sz="1400" dirty="0">
+                <a:latin typeface="MS UI Gothic" panose="020B0600070205080204" pitchFamily="34" charset="-128"/>
+                <a:ea typeface="MS UI Gothic" panose="020B0600070205080204" pitchFamily="34" charset="-128"/>
+              </a:rPr>
+              <a:t>Carlos Pereira, João Barreira, Tiago Bouças e Tiago Duarte</a:t>
+            </a:r>
+          </a:p>
+        </p:txBody>
+      </p:sp>
+      <p:sp>
+        <p:nvSpPr>
+          <p:cNvPr id="6" name="CaixaDeTexto 5"/>
+          <p:cNvSpPr txBox="1"/>
+          <p:nvPr/>
+        </p:nvSpPr>
+        <p:spPr>
+          <a:xfrm>
+            <a:off x="5076056" y="4786443"/>
+            <a:ext cx="4248472" cy="323165"/>
+          </a:xfrm>
+          <a:prstGeom prst="rect">
+            <a:avLst/>
+          </a:prstGeom>
+          <a:noFill/>
+        </p:spPr>
+        <p:txBody>
+          <a:bodyPr wrap="square" rtlCol="0">
+            <a:spAutoFit/>
+          </a:bodyPr>
+          <a:lstStyle/>
+          <a:p>
+            <a:r>
               <a:rPr lang="pt-PT" sz="1500" dirty="0">
                 <a:latin typeface="MS UI Gothic" panose="020B0600070205080204" pitchFamily="34" charset="-128"/>
                 <a:ea typeface="MS UI Gothic" panose="020B0600070205080204" pitchFamily="34" charset="-128"/>
               </a:rPr>
-              <a:t>Carlos Pereira, </a:t>
-            </a:r>
-            <a:r>
-              <a:rPr lang="pt-PT" sz="1500" u="sng" dirty="0">
-                <a:latin typeface="MS UI Gothic" panose="020B0600070205080204" pitchFamily="34" charset="-128"/>
-                <a:ea typeface="MS UI Gothic" panose="020B0600070205080204" pitchFamily="34" charset="-128"/>
-              </a:rPr>
-              <a:t>João Pires Barreira</a:t>
-            </a:r>
-            <a:r>
-              <a:rPr lang="pt-PT" sz="1500" dirty="0">
-                <a:latin typeface="MS UI Gothic" panose="020B0600070205080204" pitchFamily="34" charset="-128"/>
-                <a:ea typeface="MS UI Gothic" panose="020B0600070205080204" pitchFamily="34" charset="-128"/>
-              </a:rPr>
-              <a:t> e Miguel Silva</a:t>
-            </a:r>
-          </a:p>
-        </p:txBody>
-      </p:sp>
-      <p:sp>
-        <p:nvSpPr>
-          <p:cNvPr id="6" name="CaixaDeTexto 5"/>
-          <p:cNvSpPr txBox="1"/>
-          <p:nvPr/>
-        </p:nvSpPr>
-        <p:spPr>
-          <a:xfrm>
-            <a:off x="4427984" y="4786443"/>
-            <a:ext cx="4896544" cy="323165"/>
-          </a:xfrm>
-          <a:prstGeom prst="rect">
-            <a:avLst/>
-          </a:prstGeom>
-          <a:noFill/>
-        </p:spPr>
-        <p:txBody>
-          <a:bodyPr wrap="square" rtlCol="0">
-            <a:spAutoFit/>
-          </a:bodyPr>
-          <a:lstStyle/>
-          <a:p>
-            <a:r>
-              <a:rPr lang="pt-PT" sz="1500" dirty="0">
-                <a:latin typeface="MS UI Gothic" panose="020B0600070205080204" pitchFamily="34" charset="-128"/>
-                <a:ea typeface="MS UI Gothic" panose="020B0600070205080204" pitchFamily="34" charset="-128"/>
-              </a:rPr>
-              <a:t>Redes de Computadores – MIEI – Universidade do Minho</a:t>
+              <a:t>Bases de Dados – MIEI – Universidade do Minho</a:t>
             </a:r>
           </a:p>
         </p:txBody>
@@ -4723,7 +5380,7 @@
           <p:nvPr/>
         </p:nvPicPr>
         <p:blipFill>
-          <a:blip r:embed="rId2" cstate="print">
+          <a:blip r:embed="rId3" cstate="print">
             <a:extLst>
               <a:ext uri="{28A0092B-C50C-407E-A947-70E740481C1C}">
                 <a14:useLocalDpi xmlns:a14="http://schemas.microsoft.com/office/drawing/2010/main" val="0"/>
@@ -4736,7 +5393,7 @@
         </p:blipFill>
         <p:spPr>
           <a:xfrm>
-            <a:off x="4106762" y="4803998"/>
+            <a:off x="4753724" y="4811294"/>
             <a:ext cx="322332" cy="332206"/>
           </a:xfrm>
           <a:prstGeom prst="rect">
@@ -4753,7 +5410,7 @@
         <p:spPr>
           <a:xfrm>
             <a:off x="230790" y="1419622"/>
-            <a:ext cx="8737387" cy="646331"/>
+            <a:ext cx="8737387" cy="2631490"/>
           </a:xfrm>
           <a:prstGeom prst="rect">
             <a:avLst/>
@@ -4766,884 +5423,35 @@
           </a:bodyPr>
           <a:lstStyle/>
           <a:p>
-            <a:r>
-              <a:rPr lang="pt-PT" dirty="0">
-                <a:latin typeface="MS UI Gothic" panose="020B0600070205080204" pitchFamily="34" charset="-128"/>
-                <a:ea typeface="MS UI Gothic" panose="020B0600070205080204" pitchFamily="34" charset="-128"/>
-              </a:rPr>
-              <a:t>O </a:t>
-            </a:r>
-            <a:r>
-              <a:rPr lang="pt-PT" b="1" i="1" dirty="0">
-                <a:latin typeface="MS UI Gothic" panose="020B0600070205080204" pitchFamily="34" charset="-128"/>
-                <a:ea typeface="MS UI Gothic" panose="020B0600070205080204" pitchFamily="34" charset="-128"/>
-              </a:rPr>
-              <a:t>Fog Computing</a:t>
-            </a:r>
-            <a:r>
-              <a:rPr lang="pt-PT" dirty="0">
-                <a:latin typeface="MS UI Gothic" panose="020B0600070205080204" pitchFamily="34" charset="-128"/>
-                <a:ea typeface="MS UI Gothic" panose="020B0600070205080204" pitchFamily="34" charset="-128"/>
-              </a:rPr>
-              <a:t> é uma arquitetura que descentraliza e deslocaliza os serviços de </a:t>
-            </a:r>
-            <a:r>
-              <a:rPr lang="pt-PT" i="1" dirty="0" err="1">
-                <a:latin typeface="MS UI Gothic" panose="020B0600070205080204" pitchFamily="34" charset="-128"/>
-                <a:ea typeface="MS UI Gothic" panose="020B0600070205080204" pitchFamily="34" charset="-128"/>
-              </a:rPr>
-              <a:t>cloud</a:t>
-            </a:r>
-            <a:r>
-              <a:rPr lang="pt-PT" dirty="0">
-                <a:latin typeface="MS UI Gothic" panose="020B0600070205080204" pitchFamily="34" charset="-128"/>
-                <a:ea typeface="MS UI Gothic" panose="020B0600070205080204" pitchFamily="34" charset="-128"/>
-              </a:rPr>
-              <a:t> dos servidores distantes para dispositivos no limite da rede local ao utilizador.</a:t>
-            </a:r>
-          </a:p>
-        </p:txBody>
-      </p:sp>
-      <p:sp>
-        <p:nvSpPr>
-          <p:cNvPr id="5" name="Nuvem 4"/>
-          <p:cNvSpPr/>
-          <p:nvPr/>
-        </p:nvSpPr>
-        <p:spPr>
-          <a:xfrm>
-            <a:off x="1259632" y="2427734"/>
-            <a:ext cx="1944216" cy="1152128"/>
-          </a:xfrm>
-          <a:prstGeom prst="cloud">
-            <a:avLst/>
-          </a:prstGeom>
-          <a:solidFill>
-            <a:schemeClr val="bg2">
-              <a:lumMod val="75000"/>
-            </a:schemeClr>
-          </a:solidFill>
-          <a:ln>
-            <a:solidFill>
-              <a:schemeClr val="bg2">
-                <a:lumMod val="50000"/>
-              </a:schemeClr>
-            </a:solidFill>
-          </a:ln>
-        </p:spPr>
-        <p:style>
-          <a:lnRef idx="2">
-            <a:schemeClr val="accent1">
-              <a:shade val="50000"/>
-            </a:schemeClr>
-          </a:lnRef>
-          <a:fillRef idx="1">
-            <a:schemeClr val="accent1"/>
-          </a:fillRef>
-          <a:effectRef idx="0">
-            <a:schemeClr val="accent1"/>
-          </a:effectRef>
-          <a:fontRef idx="minor">
-            <a:schemeClr val="lt1"/>
-          </a:fontRef>
-        </p:style>
-        <p:txBody>
-          <a:bodyPr rtlCol="0" anchor="ctr"/>
-          <a:lstStyle/>
-          <a:p>
-            <a:pPr algn="ctr"/>
-            <a:endParaRPr lang="pt-PT"/>
-          </a:p>
-        </p:txBody>
-      </p:sp>
-      <p:sp>
-        <p:nvSpPr>
-          <p:cNvPr id="20" name="CaixaDeTexto 19"/>
-          <p:cNvSpPr txBox="1"/>
-          <p:nvPr/>
-        </p:nvSpPr>
-        <p:spPr>
-          <a:xfrm>
-            <a:off x="-72008" y="4082941"/>
-            <a:ext cx="1008112" cy="307777"/>
-          </a:xfrm>
-          <a:prstGeom prst="rect">
-            <a:avLst/>
-          </a:prstGeom>
-          <a:noFill/>
-        </p:spPr>
-        <p:txBody>
-          <a:bodyPr wrap="square" rtlCol="0">
-            <a:spAutoFit/>
-          </a:bodyPr>
-          <a:lstStyle/>
-          <a:p>
-            <a:pPr algn="ctr"/>
-            <a:r>
-              <a:rPr lang="pt-PT" sz="1400" dirty="0">
-                <a:latin typeface="MS UI Gothic" panose="020B0600070205080204" pitchFamily="34" charset="-128"/>
-                <a:ea typeface="MS UI Gothic" panose="020B0600070205080204" pitchFamily="34" charset="-128"/>
-              </a:rPr>
-              <a:t>Latência</a:t>
-            </a:r>
-          </a:p>
-        </p:txBody>
-      </p:sp>
-      <p:sp>
-        <p:nvSpPr>
-          <p:cNvPr id="21" name="CaixaDeTexto 20"/>
-          <p:cNvSpPr txBox="1"/>
-          <p:nvPr/>
-        </p:nvSpPr>
-        <p:spPr>
-          <a:xfrm>
-            <a:off x="827584" y="4038615"/>
-            <a:ext cx="1512168" cy="523220"/>
-          </a:xfrm>
-          <a:prstGeom prst="rect">
-            <a:avLst/>
-          </a:prstGeom>
-          <a:noFill/>
-        </p:spPr>
-        <p:txBody>
-          <a:bodyPr wrap="square" rtlCol="0">
-            <a:spAutoFit/>
-          </a:bodyPr>
-          <a:lstStyle/>
-          <a:p>
-            <a:pPr algn="ctr"/>
-            <a:r>
-              <a:rPr lang="pt-PT" sz="1400" dirty="0">
-                <a:latin typeface="MS UI Gothic" panose="020B0600070205080204" pitchFamily="34" charset="-128"/>
-                <a:ea typeface="MS UI Gothic" panose="020B0600070205080204" pitchFamily="34" charset="-128"/>
-              </a:rPr>
-              <a:t>Limite de largura de banda</a:t>
-            </a:r>
-          </a:p>
-        </p:txBody>
-      </p:sp>
-      <p:sp>
-        <p:nvSpPr>
-          <p:cNvPr id="22" name="CaixaDeTexto 21"/>
-          <p:cNvSpPr txBox="1"/>
-          <p:nvPr/>
-        </p:nvSpPr>
-        <p:spPr>
-          <a:xfrm>
-            <a:off x="3347864" y="4029079"/>
-            <a:ext cx="1008112" cy="307777"/>
-          </a:xfrm>
-          <a:prstGeom prst="rect">
-            <a:avLst/>
-          </a:prstGeom>
-          <a:noFill/>
-        </p:spPr>
-        <p:txBody>
-          <a:bodyPr wrap="square" rtlCol="0">
-            <a:spAutoFit/>
-          </a:bodyPr>
-          <a:lstStyle/>
-          <a:p>
-            <a:pPr algn="ctr"/>
-            <a:r>
-              <a:rPr lang="pt-PT" sz="1400" dirty="0">
-                <a:latin typeface="MS UI Gothic" panose="020B0600070205080204" pitchFamily="34" charset="-128"/>
-                <a:ea typeface="MS UI Gothic" panose="020B0600070205080204" pitchFamily="34" charset="-128"/>
-              </a:rPr>
-              <a:t>Segurança</a:t>
-            </a:r>
-          </a:p>
-        </p:txBody>
-      </p:sp>
-      <p:sp>
-        <p:nvSpPr>
-          <p:cNvPr id="23" name="CaixaDeTexto 22"/>
-          <p:cNvSpPr txBox="1"/>
-          <p:nvPr/>
-        </p:nvSpPr>
-        <p:spPr>
-          <a:xfrm>
-            <a:off x="2267744" y="4038332"/>
-            <a:ext cx="1008112" cy="523220"/>
-          </a:xfrm>
-          <a:prstGeom prst="rect">
-            <a:avLst/>
-          </a:prstGeom>
-          <a:noFill/>
-        </p:spPr>
-        <p:txBody>
-          <a:bodyPr wrap="square" rtlCol="0">
-            <a:spAutoFit/>
-          </a:bodyPr>
-          <a:lstStyle/>
-          <a:p>
-            <a:pPr algn="ctr"/>
-            <a:r>
-              <a:rPr lang="pt-PT" sz="1400" dirty="0">
-                <a:latin typeface="MS UI Gothic" panose="020B0600070205080204" pitchFamily="34" charset="-128"/>
-                <a:ea typeface="MS UI Gothic" panose="020B0600070205080204" pitchFamily="34" charset="-128"/>
-              </a:rPr>
-              <a:t>Conexão à internet</a:t>
-            </a:r>
-          </a:p>
-        </p:txBody>
-      </p:sp>
-      <p:sp>
-        <p:nvSpPr>
-          <p:cNvPr id="26" name="CaixaDeTexto 25"/>
-          <p:cNvSpPr txBox="1"/>
-          <p:nvPr/>
-        </p:nvSpPr>
-        <p:spPr>
-          <a:xfrm>
-            <a:off x="1727684" y="2743397"/>
-            <a:ext cx="1008112" cy="461665"/>
-          </a:xfrm>
-          <a:prstGeom prst="rect">
-            <a:avLst/>
-          </a:prstGeom>
-          <a:noFill/>
-        </p:spPr>
-        <p:txBody>
-          <a:bodyPr wrap="square" rtlCol="0">
-            <a:spAutoFit/>
-          </a:bodyPr>
-          <a:lstStyle/>
-          <a:p>
-            <a:pPr algn="ctr"/>
-            <a:r>
-              <a:rPr lang="pt-PT" sz="2400" b="1" dirty="0">
-                <a:latin typeface="MS UI Gothic" panose="020B0600070205080204" pitchFamily="34" charset="-128"/>
-                <a:ea typeface="MS UI Gothic" panose="020B0600070205080204" pitchFamily="34" charset="-128"/>
-              </a:rPr>
-              <a:t>Cloud</a:t>
-            </a:r>
-          </a:p>
-        </p:txBody>
-      </p:sp>
-      <p:sp>
-        <p:nvSpPr>
-          <p:cNvPr id="39" name="Nuvem 38"/>
-          <p:cNvSpPr/>
-          <p:nvPr/>
-        </p:nvSpPr>
-        <p:spPr>
-          <a:xfrm>
-            <a:off x="5819923" y="2426507"/>
-            <a:ext cx="1944216" cy="1152128"/>
-          </a:xfrm>
-          <a:prstGeom prst="cloud">
-            <a:avLst/>
-          </a:prstGeom>
-          <a:solidFill>
-            <a:schemeClr val="bg1">
-              <a:lumMod val="85000"/>
-            </a:schemeClr>
-          </a:solidFill>
-          <a:ln>
-            <a:solidFill>
-              <a:schemeClr val="bg1">
-                <a:lumMod val="75000"/>
-              </a:schemeClr>
-            </a:solidFill>
-          </a:ln>
-        </p:spPr>
-        <p:style>
-          <a:lnRef idx="2">
-            <a:schemeClr val="accent1">
-              <a:shade val="50000"/>
-            </a:schemeClr>
-          </a:lnRef>
-          <a:fillRef idx="1">
-            <a:schemeClr val="accent1"/>
-          </a:fillRef>
-          <a:effectRef idx="0">
-            <a:schemeClr val="accent1"/>
-          </a:effectRef>
-          <a:fontRef idx="minor">
-            <a:schemeClr val="lt1"/>
-          </a:fontRef>
-        </p:style>
-        <p:txBody>
-          <a:bodyPr rtlCol="0" anchor="ctr"/>
-          <a:lstStyle/>
-          <a:p>
-            <a:pPr algn="ctr"/>
-            <a:endParaRPr lang="pt-PT"/>
-          </a:p>
-        </p:txBody>
-      </p:sp>
-      <p:sp>
-        <p:nvSpPr>
-          <p:cNvPr id="46" name="CaixaDeTexto 45"/>
-          <p:cNvSpPr txBox="1"/>
-          <p:nvPr/>
-        </p:nvSpPr>
-        <p:spPr>
-          <a:xfrm>
-            <a:off x="4410763" y="4027852"/>
-            <a:ext cx="1239205" cy="523220"/>
-          </a:xfrm>
-          <a:prstGeom prst="rect">
-            <a:avLst/>
-          </a:prstGeom>
-          <a:noFill/>
-        </p:spPr>
-        <p:txBody>
-          <a:bodyPr wrap="square" rtlCol="0">
-            <a:spAutoFit/>
-          </a:bodyPr>
-          <a:lstStyle/>
-          <a:p>
-            <a:pPr algn="ctr"/>
-            <a:r>
-              <a:rPr lang="pt-PT" sz="1400" dirty="0">
-                <a:latin typeface="MS UI Gothic" panose="020B0600070205080204" pitchFamily="34" charset="-128"/>
-                <a:ea typeface="MS UI Gothic" panose="020B0600070205080204" pitchFamily="34" charset="-128"/>
-              </a:rPr>
-              <a:t>Interações em tempo real</a:t>
-            </a:r>
-          </a:p>
-        </p:txBody>
-      </p:sp>
-      <p:sp>
-        <p:nvSpPr>
-          <p:cNvPr id="47" name="CaixaDeTexto 46"/>
-          <p:cNvSpPr txBox="1"/>
-          <p:nvPr/>
-        </p:nvSpPr>
-        <p:spPr>
-          <a:xfrm>
-            <a:off x="5390068" y="4037105"/>
-            <a:ext cx="1512168" cy="523220"/>
-          </a:xfrm>
-          <a:prstGeom prst="rect">
-            <a:avLst/>
-          </a:prstGeom>
-          <a:noFill/>
-        </p:spPr>
-        <p:txBody>
-          <a:bodyPr wrap="square" rtlCol="0">
-            <a:spAutoFit/>
-          </a:bodyPr>
-          <a:lstStyle/>
-          <a:p>
-            <a:pPr algn="ctr"/>
-            <a:r>
-              <a:rPr lang="pt-PT" sz="1400" dirty="0">
-                <a:latin typeface="MS UI Gothic" panose="020B0600070205080204" pitchFamily="34" charset="-128"/>
-                <a:ea typeface="MS UI Gothic" panose="020B0600070205080204" pitchFamily="34" charset="-128"/>
-              </a:rPr>
-              <a:t>Suporta mobilidade</a:t>
-            </a:r>
-          </a:p>
-        </p:txBody>
-      </p:sp>
-      <p:sp>
-        <p:nvSpPr>
-          <p:cNvPr id="48" name="CaixaDeTexto 47"/>
-          <p:cNvSpPr txBox="1"/>
-          <p:nvPr/>
-        </p:nvSpPr>
-        <p:spPr>
-          <a:xfrm>
-            <a:off x="7849295" y="4037105"/>
-            <a:ext cx="1103248" cy="523220"/>
-          </a:xfrm>
-          <a:prstGeom prst="rect">
-            <a:avLst/>
-          </a:prstGeom>
-          <a:noFill/>
-        </p:spPr>
-        <p:txBody>
-          <a:bodyPr wrap="square" rtlCol="0">
-            <a:spAutoFit/>
-          </a:bodyPr>
-          <a:lstStyle/>
-          <a:p>
-            <a:pPr algn="ctr"/>
-            <a:r>
-              <a:rPr lang="pt-PT" sz="1400" i="1" dirty="0" err="1">
-                <a:latin typeface="MS UI Gothic" panose="020B0600070205080204" pitchFamily="34" charset="-128"/>
-                <a:ea typeface="MS UI Gothic" panose="020B0600070205080204" pitchFamily="34" charset="-128"/>
-              </a:rPr>
-              <a:t>Geo-distribution</a:t>
-            </a:r>
-            <a:endParaRPr lang="pt-PT" sz="1400" i="1" dirty="0">
-              <a:latin typeface="MS UI Gothic" panose="020B0600070205080204" pitchFamily="34" charset="-128"/>
-              <a:ea typeface="MS UI Gothic" panose="020B0600070205080204" pitchFamily="34" charset="-128"/>
-            </a:endParaRPr>
-          </a:p>
-        </p:txBody>
-      </p:sp>
-      <p:sp>
-        <p:nvSpPr>
-          <p:cNvPr id="49" name="CaixaDeTexto 48"/>
-          <p:cNvSpPr txBox="1"/>
-          <p:nvPr/>
-        </p:nvSpPr>
-        <p:spPr>
-          <a:xfrm>
-            <a:off x="6828035" y="4037105"/>
-            <a:ext cx="1008112" cy="523220"/>
-          </a:xfrm>
-          <a:prstGeom prst="rect">
-            <a:avLst/>
-          </a:prstGeom>
-          <a:noFill/>
-        </p:spPr>
-        <p:txBody>
-          <a:bodyPr wrap="square" rtlCol="0">
-            <a:spAutoFit/>
-          </a:bodyPr>
-          <a:lstStyle/>
-          <a:p>
-            <a:pPr algn="ctr"/>
-            <a:r>
-              <a:rPr lang="pt-PT" sz="1400" i="1" dirty="0" err="1">
-                <a:latin typeface="MS UI Gothic" panose="020B0600070205080204" pitchFamily="34" charset="-128"/>
-                <a:ea typeface="MS UI Gothic" panose="020B0600070205080204" pitchFamily="34" charset="-128"/>
-              </a:rPr>
-              <a:t>Location</a:t>
-            </a:r>
-            <a:r>
-              <a:rPr lang="pt-PT" sz="1400" i="1" dirty="0">
-                <a:latin typeface="MS UI Gothic" panose="020B0600070205080204" pitchFamily="34" charset="-128"/>
-                <a:ea typeface="MS UI Gothic" panose="020B0600070205080204" pitchFamily="34" charset="-128"/>
-              </a:rPr>
-              <a:t> </a:t>
-            </a:r>
-            <a:r>
-              <a:rPr lang="pt-PT" sz="1400" i="1" dirty="0" err="1">
-                <a:latin typeface="MS UI Gothic" panose="020B0600070205080204" pitchFamily="34" charset="-128"/>
-                <a:ea typeface="MS UI Gothic" panose="020B0600070205080204" pitchFamily="34" charset="-128"/>
-              </a:rPr>
-              <a:t>awareness</a:t>
-            </a:r>
-            <a:endParaRPr lang="pt-PT" sz="1400" i="1" dirty="0">
-              <a:latin typeface="MS UI Gothic" panose="020B0600070205080204" pitchFamily="34" charset="-128"/>
-              <a:ea typeface="MS UI Gothic" panose="020B0600070205080204" pitchFamily="34" charset="-128"/>
-            </a:endParaRPr>
-          </a:p>
-        </p:txBody>
-      </p:sp>
-      <p:sp>
-        <p:nvSpPr>
-          <p:cNvPr id="50" name="CaixaDeTexto 49"/>
-          <p:cNvSpPr txBox="1"/>
-          <p:nvPr/>
-        </p:nvSpPr>
-        <p:spPr>
-          <a:xfrm>
-            <a:off x="6287975" y="2742170"/>
-            <a:ext cx="1008112" cy="461665"/>
-          </a:xfrm>
-          <a:prstGeom prst="rect">
-            <a:avLst/>
-          </a:prstGeom>
-          <a:noFill/>
-        </p:spPr>
-        <p:txBody>
-          <a:bodyPr wrap="square" rtlCol="0">
-            <a:spAutoFit/>
-          </a:bodyPr>
-          <a:lstStyle/>
-          <a:p>
-            <a:pPr algn="ctr"/>
-            <a:r>
-              <a:rPr lang="pt-PT" sz="2400" b="1" dirty="0">
-                <a:latin typeface="MS UI Gothic" panose="020B0600070205080204" pitchFamily="34" charset="-128"/>
-                <a:ea typeface="MS UI Gothic" panose="020B0600070205080204" pitchFamily="34" charset="-128"/>
-              </a:rPr>
-              <a:t>Fog</a:t>
-            </a:r>
-          </a:p>
-        </p:txBody>
-      </p:sp>
-      <p:cxnSp>
-        <p:nvCxnSpPr>
-          <p:cNvPr id="89" name="Conexão reta 88"/>
-          <p:cNvCxnSpPr/>
-          <p:nvPr/>
-        </p:nvCxnSpPr>
-        <p:spPr>
-          <a:xfrm>
-            <a:off x="2255527" y="3577158"/>
-            <a:ext cx="0" cy="217251"/>
-          </a:xfrm>
-          <a:prstGeom prst="line">
-            <a:avLst/>
-          </a:prstGeom>
-        </p:spPr>
-        <p:style>
-          <a:lnRef idx="1">
-            <a:schemeClr val="accent1"/>
-          </a:lnRef>
-          <a:fillRef idx="0">
-            <a:schemeClr val="accent1"/>
-          </a:fillRef>
-          <a:effectRef idx="0">
-            <a:schemeClr val="accent1"/>
-          </a:effectRef>
-          <a:fontRef idx="minor">
-            <a:schemeClr val="tx1"/>
-          </a:fontRef>
-        </p:style>
-      </p:cxnSp>
-      <p:cxnSp>
-        <p:nvCxnSpPr>
-          <p:cNvPr id="90" name="Conexão reta unidirecional 89"/>
-          <p:cNvCxnSpPr/>
-          <p:nvPr/>
-        </p:nvCxnSpPr>
-        <p:spPr>
-          <a:xfrm>
-            <a:off x="2795587" y="3794409"/>
-            <a:ext cx="0" cy="279448"/>
-          </a:xfrm>
-          <a:prstGeom prst="straightConnector1">
-            <a:avLst/>
-          </a:prstGeom>
-          <a:ln>
-            <a:tailEnd type="triangle"/>
-          </a:ln>
-        </p:spPr>
-        <p:style>
-          <a:lnRef idx="1">
-            <a:schemeClr val="accent1"/>
-          </a:lnRef>
-          <a:fillRef idx="0">
-            <a:schemeClr val="accent1"/>
-          </a:fillRef>
-          <a:effectRef idx="0">
-            <a:schemeClr val="accent1"/>
-          </a:effectRef>
-          <a:fontRef idx="minor">
-            <a:schemeClr val="tx1"/>
-          </a:fontRef>
-        </p:style>
-      </p:cxnSp>
-      <p:cxnSp>
-        <p:nvCxnSpPr>
-          <p:cNvPr id="91" name="Conexão reta unidirecional 90"/>
-          <p:cNvCxnSpPr/>
-          <p:nvPr/>
-        </p:nvCxnSpPr>
-        <p:spPr>
-          <a:xfrm>
-            <a:off x="3875707" y="3794409"/>
-            <a:ext cx="0" cy="279448"/>
-          </a:xfrm>
-          <a:prstGeom prst="straightConnector1">
-            <a:avLst/>
-          </a:prstGeom>
-          <a:ln>
-            <a:tailEnd type="triangle"/>
-          </a:ln>
-        </p:spPr>
-        <p:style>
-          <a:lnRef idx="1">
-            <a:schemeClr val="accent1"/>
-          </a:lnRef>
-          <a:fillRef idx="0">
-            <a:schemeClr val="accent1"/>
-          </a:fillRef>
-          <a:effectRef idx="0">
-            <a:schemeClr val="accent1"/>
-          </a:effectRef>
-          <a:fontRef idx="minor">
-            <a:schemeClr val="tx1"/>
-          </a:fontRef>
-        </p:style>
-      </p:cxnSp>
-      <p:cxnSp>
-        <p:nvCxnSpPr>
-          <p:cNvPr id="92" name="Conexão reta 91"/>
-          <p:cNvCxnSpPr/>
-          <p:nvPr/>
-        </p:nvCxnSpPr>
-        <p:spPr>
-          <a:xfrm>
-            <a:off x="467544" y="3803243"/>
-            <a:ext cx="3419872" cy="0"/>
-          </a:xfrm>
-          <a:prstGeom prst="line">
-            <a:avLst/>
-          </a:prstGeom>
-        </p:spPr>
-        <p:style>
-          <a:lnRef idx="1">
-            <a:schemeClr val="accent1"/>
-          </a:lnRef>
-          <a:fillRef idx="0">
-            <a:schemeClr val="accent1"/>
-          </a:fillRef>
-          <a:effectRef idx="0">
-            <a:schemeClr val="accent1"/>
-          </a:effectRef>
-          <a:fontRef idx="minor">
-            <a:schemeClr val="tx1"/>
-          </a:fontRef>
-        </p:style>
-      </p:cxnSp>
-      <p:cxnSp>
-        <p:nvCxnSpPr>
-          <p:cNvPr id="93" name="Conexão reta unidirecional 92"/>
-          <p:cNvCxnSpPr/>
-          <p:nvPr/>
-        </p:nvCxnSpPr>
-        <p:spPr>
-          <a:xfrm>
-            <a:off x="467544" y="3803243"/>
-            <a:ext cx="0" cy="279448"/>
-          </a:xfrm>
-          <a:prstGeom prst="straightConnector1">
-            <a:avLst/>
-          </a:prstGeom>
-          <a:ln>
-            <a:tailEnd type="triangle"/>
-          </a:ln>
-        </p:spPr>
-        <p:style>
-          <a:lnRef idx="1">
-            <a:schemeClr val="accent1"/>
-          </a:lnRef>
-          <a:fillRef idx="0">
-            <a:schemeClr val="accent1"/>
-          </a:fillRef>
-          <a:effectRef idx="0">
-            <a:schemeClr val="accent1"/>
-          </a:effectRef>
-          <a:fontRef idx="minor">
-            <a:schemeClr val="tx1"/>
-          </a:fontRef>
-        </p:style>
-      </p:cxnSp>
-      <p:cxnSp>
-        <p:nvCxnSpPr>
-          <p:cNvPr id="94" name="Conexão reta unidirecional 93"/>
-          <p:cNvCxnSpPr/>
-          <p:nvPr/>
-        </p:nvCxnSpPr>
-        <p:spPr>
-          <a:xfrm>
-            <a:off x="1621357" y="3803243"/>
-            <a:ext cx="0" cy="279448"/>
-          </a:xfrm>
-          <a:prstGeom prst="straightConnector1">
-            <a:avLst/>
-          </a:prstGeom>
-          <a:ln>
-            <a:tailEnd type="triangle"/>
-          </a:ln>
-        </p:spPr>
-        <p:style>
-          <a:lnRef idx="1">
-            <a:schemeClr val="accent1"/>
-          </a:lnRef>
-          <a:fillRef idx="0">
-            <a:schemeClr val="accent1"/>
-          </a:fillRef>
-          <a:effectRef idx="0">
-            <a:schemeClr val="accent1"/>
-          </a:effectRef>
-          <a:fontRef idx="minor">
-            <a:schemeClr val="tx1"/>
-          </a:fontRef>
-        </p:style>
-      </p:cxnSp>
-      <p:cxnSp>
-        <p:nvCxnSpPr>
-          <p:cNvPr id="95" name="Conexão reta 94"/>
-          <p:cNvCxnSpPr/>
-          <p:nvPr/>
-        </p:nvCxnSpPr>
-        <p:spPr>
-          <a:xfrm>
-            <a:off x="6792031" y="3577158"/>
-            <a:ext cx="0" cy="217251"/>
-          </a:xfrm>
-          <a:prstGeom prst="line">
-            <a:avLst/>
-          </a:prstGeom>
-        </p:spPr>
-        <p:style>
-          <a:lnRef idx="1">
-            <a:schemeClr val="accent1"/>
-          </a:lnRef>
-          <a:fillRef idx="0">
-            <a:schemeClr val="accent1"/>
-          </a:fillRef>
-          <a:effectRef idx="0">
-            <a:schemeClr val="accent1"/>
-          </a:effectRef>
-          <a:fontRef idx="minor">
-            <a:schemeClr val="tx1"/>
-          </a:fontRef>
-        </p:style>
-      </p:cxnSp>
-      <p:cxnSp>
-        <p:nvCxnSpPr>
-          <p:cNvPr id="96" name="Conexão reta unidirecional 95"/>
-          <p:cNvCxnSpPr/>
-          <p:nvPr/>
-        </p:nvCxnSpPr>
-        <p:spPr>
-          <a:xfrm>
-            <a:off x="7332091" y="3794409"/>
-            <a:ext cx="0" cy="279448"/>
-          </a:xfrm>
-          <a:prstGeom prst="straightConnector1">
-            <a:avLst/>
-          </a:prstGeom>
-          <a:ln>
-            <a:tailEnd type="triangle"/>
-          </a:ln>
-        </p:spPr>
-        <p:style>
-          <a:lnRef idx="1">
-            <a:schemeClr val="accent1"/>
-          </a:lnRef>
-          <a:fillRef idx="0">
-            <a:schemeClr val="accent1"/>
-          </a:fillRef>
-          <a:effectRef idx="0">
-            <a:schemeClr val="accent1"/>
-          </a:effectRef>
-          <a:fontRef idx="minor">
-            <a:schemeClr val="tx1"/>
-          </a:fontRef>
-        </p:style>
-      </p:cxnSp>
-      <p:cxnSp>
-        <p:nvCxnSpPr>
-          <p:cNvPr id="97" name="Conexão reta unidirecional 96"/>
-          <p:cNvCxnSpPr/>
-          <p:nvPr/>
-        </p:nvCxnSpPr>
-        <p:spPr>
-          <a:xfrm>
-            <a:off x="8412211" y="3794409"/>
-            <a:ext cx="0" cy="279448"/>
-          </a:xfrm>
-          <a:prstGeom prst="straightConnector1">
-            <a:avLst/>
-          </a:prstGeom>
-          <a:ln>
-            <a:tailEnd type="triangle"/>
-          </a:ln>
-        </p:spPr>
-        <p:style>
-          <a:lnRef idx="1">
-            <a:schemeClr val="accent1"/>
-          </a:lnRef>
-          <a:fillRef idx="0">
-            <a:schemeClr val="accent1"/>
-          </a:fillRef>
-          <a:effectRef idx="0">
-            <a:schemeClr val="accent1"/>
-          </a:effectRef>
-          <a:fontRef idx="minor">
-            <a:schemeClr val="tx1"/>
-          </a:fontRef>
-        </p:style>
-      </p:cxnSp>
-      <p:cxnSp>
-        <p:nvCxnSpPr>
-          <p:cNvPr id="98" name="Conexão reta 97"/>
-          <p:cNvCxnSpPr/>
-          <p:nvPr/>
-        </p:nvCxnSpPr>
-        <p:spPr>
-          <a:xfrm>
-            <a:off x="5004048" y="3803243"/>
-            <a:ext cx="3419872" cy="0"/>
-          </a:xfrm>
-          <a:prstGeom prst="line">
-            <a:avLst/>
-          </a:prstGeom>
-        </p:spPr>
-        <p:style>
-          <a:lnRef idx="1">
-            <a:schemeClr val="accent1"/>
-          </a:lnRef>
-          <a:fillRef idx="0">
-            <a:schemeClr val="accent1"/>
-          </a:fillRef>
-          <a:effectRef idx="0">
-            <a:schemeClr val="accent1"/>
-          </a:effectRef>
-          <a:fontRef idx="minor">
-            <a:schemeClr val="tx1"/>
-          </a:fontRef>
-        </p:style>
-      </p:cxnSp>
-      <p:cxnSp>
-        <p:nvCxnSpPr>
-          <p:cNvPr id="99" name="Conexão reta unidirecional 98"/>
-          <p:cNvCxnSpPr/>
-          <p:nvPr/>
-        </p:nvCxnSpPr>
-        <p:spPr>
-          <a:xfrm>
-            <a:off x="5004048" y="3803243"/>
-            <a:ext cx="0" cy="279448"/>
-          </a:xfrm>
-          <a:prstGeom prst="straightConnector1">
-            <a:avLst/>
-          </a:prstGeom>
-          <a:ln>
-            <a:tailEnd type="triangle"/>
-          </a:ln>
-        </p:spPr>
-        <p:style>
-          <a:lnRef idx="1">
-            <a:schemeClr val="accent1"/>
-          </a:lnRef>
-          <a:fillRef idx="0">
-            <a:schemeClr val="accent1"/>
-          </a:fillRef>
-          <a:effectRef idx="0">
-            <a:schemeClr val="accent1"/>
-          </a:effectRef>
-          <a:fontRef idx="minor">
-            <a:schemeClr val="tx1"/>
-          </a:fontRef>
-        </p:style>
-      </p:cxnSp>
-      <p:cxnSp>
-        <p:nvCxnSpPr>
-          <p:cNvPr id="100" name="Conexão reta unidirecional 99"/>
-          <p:cNvCxnSpPr/>
-          <p:nvPr/>
-        </p:nvCxnSpPr>
-        <p:spPr>
-          <a:xfrm>
-            <a:off x="6157861" y="3803243"/>
-            <a:ext cx="0" cy="279448"/>
-          </a:xfrm>
-          <a:prstGeom prst="straightConnector1">
-            <a:avLst/>
-          </a:prstGeom>
-          <a:ln>
-            <a:tailEnd type="triangle"/>
-          </a:ln>
-        </p:spPr>
-        <p:style>
-          <a:lnRef idx="1">
-            <a:schemeClr val="accent1"/>
-          </a:lnRef>
-          <a:fillRef idx="0">
-            <a:schemeClr val="accent1"/>
-          </a:fillRef>
-          <a:effectRef idx="0">
-            <a:schemeClr val="accent1"/>
-          </a:effectRef>
-          <a:fontRef idx="minor">
-            <a:schemeClr val="tx1"/>
-          </a:fontRef>
-        </p:style>
-      </p:cxnSp>
+            <a:pPr algn="just"/>
+            <a:r>
+              <a:rPr lang="pt-PT" sz="1500" dirty="0"/>
+              <a:t>	A administração da companhia de comboios X decidiu implementar um sistema de base de dados para gerir reservas.</a:t>
+            </a:r>
+          </a:p>
+          <a:p>
+            <a:pPr algn="just"/>
+            <a:r>
+              <a:rPr lang="pt-PT" sz="1500" dirty="0"/>
+              <a:t>	A empresa organiza viagens nacionais e internacionais, onde cada viagem tem uma capacidade máxima de passageiros, dependente do comboio onde vai ser realizada, e uma duração conforme a sua origem e destino.</a:t>
+            </a:r>
+          </a:p>
+          <a:p>
+            <a:pPr algn="just"/>
+            <a:r>
+              <a:rPr lang="pt-PT" sz="1500" dirty="0"/>
+              <a:t>	Para poder viajar, o passageiro deve adquirir um bilhete. Os bilhetes estão divididos em diferentes classes, conforme a faixa etária do passageiro: Júnior Estudante, Sénior ou Normal. Mediante a classe existem diferentes descontos.</a:t>
+            </a:r>
+          </a:p>
+          <a:p>
+            <a:pPr algn="just"/>
+            <a:r>
+              <a:rPr lang="pt-PT" sz="1500" dirty="0"/>
+              <a:t>	Para efetuar uma reserva, o cliente deve efetuar um registo, deixando o seu nome e o seu e-mail para eventual contacto, caso já não o tenha anteriormente. Para fins estatísticos, deverá ser guardada a data em que cada reserva foi efetuada.</a:t>
+            </a:r>
+          </a:p>
+        </p:txBody>
+      </p:sp>
     </p:spTree>
     <p:extLst>
       <p:ext uri="{BB962C8B-B14F-4D97-AF65-F5344CB8AC3E}">
@@ -5654,842 +5462,1491 @@
   <p:clrMapOvr>
     <a:masterClrMapping/>
   </p:clrMapOvr>
-  <p:timing>
-    <p:tnLst>
-      <p:par>
-        <p:cTn id="1" dur="indefinite" restart="never" nodeType="tmRoot">
-          <p:childTnLst>
-            <p:seq concurrent="1" nextAc="seek">
-              <p:cTn id="2" dur="indefinite" nodeType="mainSeq">
-                <p:childTnLst>
-                  <p:par>
-                    <p:cTn id="3" fill="hold">
-                      <p:stCondLst>
-                        <p:cond delay="indefinite"/>
-                      </p:stCondLst>
-                      <p:childTnLst>
-                        <p:par>
-                          <p:cTn id="4" fill="hold">
-                            <p:stCondLst>
-                              <p:cond delay="0"/>
-                            </p:stCondLst>
-                            <p:childTnLst>
-                              <p:par>
-                                <p:cTn id="5" presetID="1" presetClass="entr" presetSubtype="0" fill="hold" grpId="0" nodeType="clickEffect">
-                                  <p:stCondLst>
-                                    <p:cond delay="0"/>
-                                  </p:stCondLst>
-                                  <p:childTnLst>
-                                    <p:set>
-                                      <p:cBhvr>
-                                        <p:cTn id="6" dur="1" fill="hold">
-                                          <p:stCondLst>
-                                            <p:cond delay="0"/>
-                                          </p:stCondLst>
-                                        </p:cTn>
-                                        <p:tgtEl>
-                                          <p:spTgt spid="26"/>
-                                        </p:tgtEl>
-                                        <p:attrNameLst>
-                                          <p:attrName>style.visibility</p:attrName>
-                                        </p:attrNameLst>
-                                      </p:cBhvr>
-                                      <p:to>
-                                        <p:strVal val="visible"/>
-                                      </p:to>
-                                    </p:set>
-                                  </p:childTnLst>
-                                </p:cTn>
-                              </p:par>
-                              <p:par>
-                                <p:cTn id="7" presetID="1" presetClass="entr" presetSubtype="0" fill="hold" grpId="0" nodeType="withEffect">
-                                  <p:stCondLst>
-                                    <p:cond delay="0"/>
-                                  </p:stCondLst>
-                                  <p:childTnLst>
-                                    <p:set>
-                                      <p:cBhvr>
-                                        <p:cTn id="8" dur="1" fill="hold">
-                                          <p:stCondLst>
-                                            <p:cond delay="0"/>
-                                          </p:stCondLst>
-                                        </p:cTn>
-                                        <p:tgtEl>
-                                          <p:spTgt spid="5"/>
-                                        </p:tgtEl>
-                                        <p:attrNameLst>
-                                          <p:attrName>style.visibility</p:attrName>
-                                        </p:attrNameLst>
-                                      </p:cBhvr>
-                                      <p:to>
-                                        <p:strVal val="visible"/>
-                                      </p:to>
-                                    </p:set>
-                                  </p:childTnLst>
-                                </p:cTn>
-                              </p:par>
-                              <p:par>
-                                <p:cTn id="9" presetID="1" presetClass="entr" presetSubtype="0" fill="hold" grpId="0" nodeType="withEffect">
-                                  <p:stCondLst>
-                                    <p:cond delay="0"/>
-                                  </p:stCondLst>
-                                  <p:childTnLst>
-                                    <p:set>
-                                      <p:cBhvr>
-                                        <p:cTn id="10" dur="1" fill="hold">
-                                          <p:stCondLst>
-                                            <p:cond delay="0"/>
-                                          </p:stCondLst>
-                                        </p:cTn>
-                                        <p:tgtEl>
-                                          <p:spTgt spid="39"/>
-                                        </p:tgtEl>
-                                        <p:attrNameLst>
-                                          <p:attrName>style.visibility</p:attrName>
-                                        </p:attrNameLst>
-                                      </p:cBhvr>
-                                      <p:to>
-                                        <p:strVal val="visible"/>
-                                      </p:to>
-                                    </p:set>
-                                  </p:childTnLst>
-                                </p:cTn>
-                              </p:par>
-                              <p:par>
-                                <p:cTn id="11" presetID="1" presetClass="entr" presetSubtype="0" fill="hold" grpId="0" nodeType="withEffect">
-                                  <p:stCondLst>
-                                    <p:cond delay="0"/>
-                                  </p:stCondLst>
-                                  <p:childTnLst>
-                                    <p:set>
-                                      <p:cBhvr>
-                                        <p:cTn id="12" dur="1" fill="hold">
-                                          <p:stCondLst>
-                                            <p:cond delay="0"/>
-                                          </p:stCondLst>
-                                        </p:cTn>
-                                        <p:tgtEl>
-                                          <p:spTgt spid="50"/>
-                                        </p:tgtEl>
-                                        <p:attrNameLst>
-                                          <p:attrName>style.visibility</p:attrName>
-                                        </p:attrNameLst>
-                                      </p:cBhvr>
-                                      <p:to>
-                                        <p:strVal val="visible"/>
-                                      </p:to>
-                                    </p:set>
-                                  </p:childTnLst>
-                                </p:cTn>
-                              </p:par>
-                            </p:childTnLst>
-                          </p:cTn>
-                        </p:par>
-                      </p:childTnLst>
-                    </p:cTn>
-                  </p:par>
-                  <p:par>
-                    <p:cTn id="13" fill="hold">
-                      <p:stCondLst>
-                        <p:cond delay="indefinite"/>
-                      </p:stCondLst>
-                      <p:childTnLst>
-                        <p:par>
-                          <p:cTn id="14" fill="hold">
-                            <p:stCondLst>
-                              <p:cond delay="0"/>
-                            </p:stCondLst>
-                            <p:childTnLst>
-                              <p:par>
-                                <p:cTn id="15" presetID="1" presetClass="entr" presetSubtype="0" fill="hold" nodeType="clickEffect">
-                                  <p:stCondLst>
-                                    <p:cond delay="0"/>
-                                  </p:stCondLst>
-                                  <p:childTnLst>
-                                    <p:set>
-                                      <p:cBhvr>
-                                        <p:cTn id="16" dur="1" fill="hold">
-                                          <p:stCondLst>
-                                            <p:cond delay="0"/>
-                                          </p:stCondLst>
-                                        </p:cTn>
-                                        <p:tgtEl>
-                                          <p:spTgt spid="89"/>
-                                        </p:tgtEl>
-                                        <p:attrNameLst>
-                                          <p:attrName>style.visibility</p:attrName>
-                                        </p:attrNameLst>
-                                      </p:cBhvr>
-                                      <p:to>
-                                        <p:strVal val="visible"/>
-                                      </p:to>
-                                    </p:set>
-                                  </p:childTnLst>
-                                </p:cTn>
-                              </p:par>
-                              <p:par>
-                                <p:cTn id="17" presetID="1" presetClass="entr" presetSubtype="0" fill="hold" nodeType="withEffect">
-                                  <p:stCondLst>
-                                    <p:cond delay="0"/>
-                                  </p:stCondLst>
-                                  <p:childTnLst>
-                                    <p:set>
-                                      <p:cBhvr>
-                                        <p:cTn id="18" dur="1" fill="hold">
-                                          <p:stCondLst>
-                                            <p:cond delay="0"/>
-                                          </p:stCondLst>
-                                        </p:cTn>
-                                        <p:tgtEl>
-                                          <p:spTgt spid="92"/>
-                                        </p:tgtEl>
-                                        <p:attrNameLst>
-                                          <p:attrName>style.visibility</p:attrName>
-                                        </p:attrNameLst>
-                                      </p:cBhvr>
-                                      <p:to>
-                                        <p:strVal val="visible"/>
-                                      </p:to>
-                                    </p:set>
-                                  </p:childTnLst>
-                                </p:cTn>
-                              </p:par>
-                              <p:par>
-                                <p:cTn id="19" presetID="1" presetClass="entr" presetSubtype="0" fill="hold" nodeType="withEffect">
-                                  <p:stCondLst>
-                                    <p:cond delay="0"/>
-                                  </p:stCondLst>
-                                  <p:childTnLst>
-                                    <p:set>
-                                      <p:cBhvr>
-                                        <p:cTn id="20" dur="1" fill="hold">
-                                          <p:stCondLst>
-                                            <p:cond delay="0"/>
-                                          </p:stCondLst>
-                                        </p:cTn>
-                                        <p:tgtEl>
-                                          <p:spTgt spid="94"/>
-                                        </p:tgtEl>
-                                        <p:attrNameLst>
-                                          <p:attrName>style.visibility</p:attrName>
-                                        </p:attrNameLst>
-                                      </p:cBhvr>
-                                      <p:to>
-                                        <p:strVal val="visible"/>
-                                      </p:to>
-                                    </p:set>
-                                  </p:childTnLst>
-                                </p:cTn>
-                              </p:par>
-                              <p:par>
-                                <p:cTn id="21" presetID="1" presetClass="entr" presetSubtype="0" fill="hold" nodeType="withEffect">
-                                  <p:stCondLst>
-                                    <p:cond delay="0"/>
-                                  </p:stCondLst>
-                                  <p:childTnLst>
-                                    <p:set>
-                                      <p:cBhvr>
-                                        <p:cTn id="22" dur="1" fill="hold">
-                                          <p:stCondLst>
-                                            <p:cond delay="0"/>
-                                          </p:stCondLst>
-                                        </p:cTn>
-                                        <p:tgtEl>
-                                          <p:spTgt spid="93"/>
-                                        </p:tgtEl>
-                                        <p:attrNameLst>
-                                          <p:attrName>style.visibility</p:attrName>
-                                        </p:attrNameLst>
-                                      </p:cBhvr>
-                                      <p:to>
-                                        <p:strVal val="visible"/>
-                                      </p:to>
-                                    </p:set>
-                                  </p:childTnLst>
-                                </p:cTn>
-                              </p:par>
-                              <p:par>
-                                <p:cTn id="23" presetID="1" presetClass="entr" presetSubtype="0" fill="hold" nodeType="withEffect">
-                                  <p:stCondLst>
-                                    <p:cond delay="0"/>
-                                  </p:stCondLst>
-                                  <p:childTnLst>
-                                    <p:set>
-                                      <p:cBhvr>
-                                        <p:cTn id="24" dur="1" fill="hold">
-                                          <p:stCondLst>
-                                            <p:cond delay="0"/>
-                                          </p:stCondLst>
-                                        </p:cTn>
-                                        <p:tgtEl>
-                                          <p:spTgt spid="90"/>
-                                        </p:tgtEl>
-                                        <p:attrNameLst>
-                                          <p:attrName>style.visibility</p:attrName>
-                                        </p:attrNameLst>
-                                      </p:cBhvr>
-                                      <p:to>
-                                        <p:strVal val="visible"/>
-                                      </p:to>
-                                    </p:set>
-                                  </p:childTnLst>
-                                </p:cTn>
-                              </p:par>
-                              <p:par>
-                                <p:cTn id="25" presetID="1" presetClass="entr" presetSubtype="0" fill="hold" nodeType="withEffect">
-                                  <p:stCondLst>
-                                    <p:cond delay="0"/>
-                                  </p:stCondLst>
-                                  <p:childTnLst>
-                                    <p:set>
-                                      <p:cBhvr>
-                                        <p:cTn id="26" dur="1" fill="hold">
-                                          <p:stCondLst>
-                                            <p:cond delay="0"/>
-                                          </p:stCondLst>
-                                        </p:cTn>
-                                        <p:tgtEl>
-                                          <p:spTgt spid="91"/>
-                                        </p:tgtEl>
-                                        <p:attrNameLst>
-                                          <p:attrName>style.visibility</p:attrName>
-                                        </p:attrNameLst>
-                                      </p:cBhvr>
-                                      <p:to>
-                                        <p:strVal val="visible"/>
-                                      </p:to>
-                                    </p:set>
-                                  </p:childTnLst>
-                                </p:cTn>
-                              </p:par>
-                              <p:par>
-                                <p:cTn id="27" presetID="1" presetClass="entr" presetSubtype="0" fill="hold" nodeType="withEffect">
-                                  <p:stCondLst>
-                                    <p:cond delay="0"/>
-                                  </p:stCondLst>
-                                  <p:childTnLst>
-                                    <p:set>
-                                      <p:cBhvr>
-                                        <p:cTn id="28" dur="1" fill="hold">
-                                          <p:stCondLst>
-                                            <p:cond delay="0"/>
-                                          </p:stCondLst>
-                                        </p:cTn>
-                                        <p:tgtEl>
-                                          <p:spTgt spid="99"/>
-                                        </p:tgtEl>
-                                        <p:attrNameLst>
-                                          <p:attrName>style.visibility</p:attrName>
-                                        </p:attrNameLst>
-                                      </p:cBhvr>
-                                      <p:to>
-                                        <p:strVal val="visible"/>
-                                      </p:to>
-                                    </p:set>
-                                  </p:childTnLst>
-                                </p:cTn>
-                              </p:par>
-                              <p:par>
-                                <p:cTn id="29" presetID="1" presetClass="entr" presetSubtype="0" fill="hold" nodeType="withEffect">
-                                  <p:stCondLst>
-                                    <p:cond delay="0"/>
-                                  </p:stCondLst>
-                                  <p:childTnLst>
-                                    <p:set>
-                                      <p:cBhvr>
-                                        <p:cTn id="30" dur="1" fill="hold">
-                                          <p:stCondLst>
-                                            <p:cond delay="0"/>
-                                          </p:stCondLst>
-                                        </p:cTn>
-                                        <p:tgtEl>
-                                          <p:spTgt spid="98"/>
-                                        </p:tgtEl>
-                                        <p:attrNameLst>
-                                          <p:attrName>style.visibility</p:attrName>
-                                        </p:attrNameLst>
-                                      </p:cBhvr>
-                                      <p:to>
-                                        <p:strVal val="visible"/>
-                                      </p:to>
-                                    </p:set>
-                                  </p:childTnLst>
-                                </p:cTn>
-                              </p:par>
-                              <p:par>
-                                <p:cTn id="31" presetID="1" presetClass="entr" presetSubtype="0" fill="hold" nodeType="withEffect">
-                                  <p:stCondLst>
-                                    <p:cond delay="0"/>
-                                  </p:stCondLst>
-                                  <p:childTnLst>
-                                    <p:set>
-                                      <p:cBhvr>
-                                        <p:cTn id="32" dur="1" fill="hold">
-                                          <p:stCondLst>
-                                            <p:cond delay="0"/>
-                                          </p:stCondLst>
-                                        </p:cTn>
-                                        <p:tgtEl>
-                                          <p:spTgt spid="100"/>
-                                        </p:tgtEl>
-                                        <p:attrNameLst>
-                                          <p:attrName>style.visibility</p:attrName>
-                                        </p:attrNameLst>
-                                      </p:cBhvr>
-                                      <p:to>
-                                        <p:strVal val="visible"/>
-                                      </p:to>
-                                    </p:set>
-                                  </p:childTnLst>
-                                </p:cTn>
-                              </p:par>
-                              <p:par>
-                                <p:cTn id="33" presetID="1" presetClass="entr" presetSubtype="0" fill="hold" nodeType="withEffect">
-                                  <p:stCondLst>
-                                    <p:cond delay="0"/>
-                                  </p:stCondLst>
-                                  <p:childTnLst>
-                                    <p:set>
-                                      <p:cBhvr>
-                                        <p:cTn id="34" dur="1" fill="hold">
-                                          <p:stCondLst>
-                                            <p:cond delay="0"/>
-                                          </p:stCondLst>
-                                        </p:cTn>
-                                        <p:tgtEl>
-                                          <p:spTgt spid="95"/>
-                                        </p:tgtEl>
-                                        <p:attrNameLst>
-                                          <p:attrName>style.visibility</p:attrName>
-                                        </p:attrNameLst>
-                                      </p:cBhvr>
-                                      <p:to>
-                                        <p:strVal val="visible"/>
-                                      </p:to>
-                                    </p:set>
-                                  </p:childTnLst>
-                                </p:cTn>
-                              </p:par>
-                              <p:par>
-                                <p:cTn id="35" presetID="1" presetClass="entr" presetSubtype="0" fill="hold" nodeType="withEffect">
-                                  <p:stCondLst>
-                                    <p:cond delay="0"/>
-                                  </p:stCondLst>
-                                  <p:childTnLst>
-                                    <p:set>
-                                      <p:cBhvr>
-                                        <p:cTn id="36" dur="1" fill="hold">
-                                          <p:stCondLst>
-                                            <p:cond delay="0"/>
-                                          </p:stCondLst>
-                                        </p:cTn>
-                                        <p:tgtEl>
-                                          <p:spTgt spid="96"/>
-                                        </p:tgtEl>
-                                        <p:attrNameLst>
-                                          <p:attrName>style.visibility</p:attrName>
-                                        </p:attrNameLst>
-                                      </p:cBhvr>
-                                      <p:to>
-                                        <p:strVal val="visible"/>
-                                      </p:to>
-                                    </p:set>
-                                  </p:childTnLst>
-                                </p:cTn>
-                              </p:par>
-                              <p:par>
-                                <p:cTn id="37" presetID="1" presetClass="entr" presetSubtype="0" fill="hold" nodeType="withEffect">
-                                  <p:stCondLst>
-                                    <p:cond delay="0"/>
-                                  </p:stCondLst>
-                                  <p:childTnLst>
-                                    <p:set>
-                                      <p:cBhvr>
-                                        <p:cTn id="38" dur="1" fill="hold">
-                                          <p:stCondLst>
-                                            <p:cond delay="0"/>
-                                          </p:stCondLst>
-                                        </p:cTn>
-                                        <p:tgtEl>
-                                          <p:spTgt spid="97"/>
-                                        </p:tgtEl>
-                                        <p:attrNameLst>
-                                          <p:attrName>style.visibility</p:attrName>
-                                        </p:attrNameLst>
-                                      </p:cBhvr>
-                                      <p:to>
-                                        <p:strVal val="visible"/>
-                                      </p:to>
-                                    </p:set>
-                                  </p:childTnLst>
-                                </p:cTn>
-                              </p:par>
-                            </p:childTnLst>
-                          </p:cTn>
-                        </p:par>
-                      </p:childTnLst>
-                    </p:cTn>
-                  </p:par>
-                  <p:par>
-                    <p:cTn id="39" fill="hold">
-                      <p:stCondLst>
-                        <p:cond delay="indefinite"/>
-                      </p:stCondLst>
-                      <p:childTnLst>
-                        <p:par>
-                          <p:cTn id="40" fill="hold">
-                            <p:stCondLst>
-                              <p:cond delay="0"/>
-                            </p:stCondLst>
-                            <p:childTnLst>
-                              <p:par>
-                                <p:cTn id="41" presetID="1" presetClass="entr" presetSubtype="0" fill="hold" grpId="0" nodeType="clickEffect">
-                                  <p:stCondLst>
-                                    <p:cond delay="0"/>
-                                  </p:stCondLst>
-                                  <p:childTnLst>
-                                    <p:set>
-                                      <p:cBhvr>
-                                        <p:cTn id="42" dur="1" fill="hold">
-                                          <p:stCondLst>
-                                            <p:cond delay="0"/>
-                                          </p:stCondLst>
-                                        </p:cTn>
-                                        <p:tgtEl>
-                                          <p:spTgt spid="20"/>
-                                        </p:tgtEl>
-                                        <p:attrNameLst>
-                                          <p:attrName>style.visibility</p:attrName>
-                                        </p:attrNameLst>
-                                      </p:cBhvr>
-                                      <p:to>
-                                        <p:strVal val="visible"/>
-                                      </p:to>
-                                    </p:set>
-                                  </p:childTnLst>
-                                </p:cTn>
-                              </p:par>
-                              <p:par>
-                                <p:cTn id="43" presetID="1" presetClass="entr" presetSubtype="0" fill="hold" grpId="0" nodeType="withEffect">
-                                  <p:stCondLst>
-                                    <p:cond delay="0"/>
-                                  </p:stCondLst>
-                                  <p:childTnLst>
-                                    <p:set>
-                                      <p:cBhvr>
-                                        <p:cTn id="44" dur="1" fill="hold">
-                                          <p:stCondLst>
-                                            <p:cond delay="0"/>
-                                          </p:stCondLst>
-                                        </p:cTn>
-                                        <p:tgtEl>
-                                          <p:spTgt spid="21"/>
-                                        </p:tgtEl>
-                                        <p:attrNameLst>
-                                          <p:attrName>style.visibility</p:attrName>
-                                        </p:attrNameLst>
-                                      </p:cBhvr>
-                                      <p:to>
-                                        <p:strVal val="visible"/>
-                                      </p:to>
-                                    </p:set>
-                                  </p:childTnLst>
-                                </p:cTn>
-                              </p:par>
-                            </p:childTnLst>
-                          </p:cTn>
-                        </p:par>
-                      </p:childTnLst>
-                    </p:cTn>
-                  </p:par>
-                  <p:par>
-                    <p:cTn id="45" fill="hold">
-                      <p:stCondLst>
-                        <p:cond delay="indefinite"/>
-                      </p:stCondLst>
-                      <p:childTnLst>
-                        <p:par>
-                          <p:cTn id="46" fill="hold">
-                            <p:stCondLst>
-                              <p:cond delay="0"/>
-                            </p:stCondLst>
-                            <p:childTnLst>
-                              <p:par>
-                                <p:cTn id="47" presetID="1" presetClass="entr" presetSubtype="0" fill="hold" grpId="0" nodeType="clickEffect">
-                                  <p:stCondLst>
-                                    <p:cond delay="0"/>
-                                  </p:stCondLst>
-                                  <p:childTnLst>
-                                    <p:set>
-                                      <p:cBhvr>
-                                        <p:cTn id="48" dur="1" fill="hold">
-                                          <p:stCondLst>
-                                            <p:cond delay="0"/>
-                                          </p:stCondLst>
-                                        </p:cTn>
-                                        <p:tgtEl>
-                                          <p:spTgt spid="23"/>
-                                        </p:tgtEl>
-                                        <p:attrNameLst>
-                                          <p:attrName>style.visibility</p:attrName>
-                                        </p:attrNameLst>
-                                      </p:cBhvr>
-                                      <p:to>
-                                        <p:strVal val="visible"/>
-                                      </p:to>
-                                    </p:set>
-                                  </p:childTnLst>
-                                </p:cTn>
-                              </p:par>
-                            </p:childTnLst>
-                          </p:cTn>
-                        </p:par>
-                      </p:childTnLst>
-                    </p:cTn>
-                  </p:par>
-                  <p:par>
-                    <p:cTn id="49" fill="hold">
-                      <p:stCondLst>
-                        <p:cond delay="indefinite"/>
-                      </p:stCondLst>
-                      <p:childTnLst>
-                        <p:par>
-                          <p:cTn id="50" fill="hold">
-                            <p:stCondLst>
-                              <p:cond delay="0"/>
-                            </p:stCondLst>
-                            <p:childTnLst>
-                              <p:par>
-                                <p:cTn id="51" presetID="1" presetClass="entr" presetSubtype="0" fill="hold" grpId="0" nodeType="clickEffect">
-                                  <p:stCondLst>
-                                    <p:cond delay="0"/>
-                                  </p:stCondLst>
-                                  <p:childTnLst>
-                                    <p:set>
-                                      <p:cBhvr>
-                                        <p:cTn id="52" dur="1" fill="hold">
-                                          <p:stCondLst>
-                                            <p:cond delay="0"/>
-                                          </p:stCondLst>
-                                        </p:cTn>
-                                        <p:tgtEl>
-                                          <p:spTgt spid="22"/>
-                                        </p:tgtEl>
-                                        <p:attrNameLst>
-                                          <p:attrName>style.visibility</p:attrName>
-                                        </p:attrNameLst>
-                                      </p:cBhvr>
-                                      <p:to>
-                                        <p:strVal val="visible"/>
-                                      </p:to>
-                                    </p:set>
-                                  </p:childTnLst>
-                                </p:cTn>
-                              </p:par>
-                            </p:childTnLst>
-                          </p:cTn>
-                        </p:par>
-                      </p:childTnLst>
-                    </p:cTn>
-                  </p:par>
-                  <p:par>
-                    <p:cTn id="53" fill="hold">
-                      <p:stCondLst>
-                        <p:cond delay="indefinite"/>
-                      </p:stCondLst>
-                      <p:childTnLst>
-                        <p:par>
-                          <p:cTn id="54" fill="hold">
-                            <p:stCondLst>
-                              <p:cond delay="0"/>
-                            </p:stCondLst>
-                            <p:childTnLst>
-                              <p:par>
-                                <p:cTn id="55" presetID="1" presetClass="entr" presetSubtype="0" fill="hold" grpId="0" nodeType="clickEffect">
-                                  <p:stCondLst>
-                                    <p:cond delay="0"/>
-                                  </p:stCondLst>
-                                  <p:childTnLst>
-                                    <p:set>
-                                      <p:cBhvr>
-                                        <p:cTn id="56" dur="1" fill="hold">
-                                          <p:stCondLst>
-                                            <p:cond delay="0"/>
-                                          </p:stCondLst>
-                                        </p:cTn>
-                                        <p:tgtEl>
-                                          <p:spTgt spid="46"/>
-                                        </p:tgtEl>
-                                        <p:attrNameLst>
-                                          <p:attrName>style.visibility</p:attrName>
-                                        </p:attrNameLst>
-                                      </p:cBhvr>
-                                      <p:to>
-                                        <p:strVal val="visible"/>
-                                      </p:to>
-                                    </p:set>
-                                  </p:childTnLst>
-                                </p:cTn>
-                              </p:par>
-                            </p:childTnLst>
-                          </p:cTn>
-                        </p:par>
-                      </p:childTnLst>
-                    </p:cTn>
-                  </p:par>
-                  <p:par>
-                    <p:cTn id="57" fill="hold">
-                      <p:stCondLst>
-                        <p:cond delay="indefinite"/>
-                      </p:stCondLst>
-                      <p:childTnLst>
-                        <p:par>
-                          <p:cTn id="58" fill="hold">
-                            <p:stCondLst>
-                              <p:cond delay="0"/>
-                            </p:stCondLst>
-                            <p:childTnLst>
-                              <p:par>
-                                <p:cTn id="59" presetID="1" presetClass="entr" presetSubtype="0" fill="hold" grpId="0" nodeType="clickEffect">
-                                  <p:stCondLst>
-                                    <p:cond delay="0"/>
-                                  </p:stCondLst>
-                                  <p:childTnLst>
-                                    <p:set>
-                                      <p:cBhvr>
-                                        <p:cTn id="60" dur="1" fill="hold">
-                                          <p:stCondLst>
-                                            <p:cond delay="0"/>
-                                          </p:stCondLst>
-                                        </p:cTn>
-                                        <p:tgtEl>
-                                          <p:spTgt spid="47"/>
-                                        </p:tgtEl>
-                                        <p:attrNameLst>
-                                          <p:attrName>style.visibility</p:attrName>
-                                        </p:attrNameLst>
-                                      </p:cBhvr>
-                                      <p:to>
-                                        <p:strVal val="visible"/>
-                                      </p:to>
-                                    </p:set>
-                                  </p:childTnLst>
-                                </p:cTn>
-                              </p:par>
-                              <p:par>
-                                <p:cTn id="61" presetID="1" presetClass="entr" presetSubtype="0" fill="hold" grpId="0" nodeType="withEffect">
-                                  <p:stCondLst>
-                                    <p:cond delay="0"/>
-                                  </p:stCondLst>
-                                  <p:childTnLst>
-                                    <p:set>
-                                      <p:cBhvr>
-                                        <p:cTn id="62" dur="1" fill="hold">
-                                          <p:stCondLst>
-                                            <p:cond delay="0"/>
-                                          </p:stCondLst>
-                                        </p:cTn>
-                                        <p:tgtEl>
-                                          <p:spTgt spid="49"/>
-                                        </p:tgtEl>
-                                        <p:attrNameLst>
-                                          <p:attrName>style.visibility</p:attrName>
-                                        </p:attrNameLst>
-                                      </p:cBhvr>
-                                      <p:to>
-                                        <p:strVal val="visible"/>
-                                      </p:to>
-                                    </p:set>
-                                  </p:childTnLst>
-                                </p:cTn>
-                              </p:par>
-                            </p:childTnLst>
-                          </p:cTn>
-                        </p:par>
-                      </p:childTnLst>
-                    </p:cTn>
-                  </p:par>
-                  <p:par>
-                    <p:cTn id="63" fill="hold">
-                      <p:stCondLst>
-                        <p:cond delay="indefinite"/>
-                      </p:stCondLst>
-                      <p:childTnLst>
-                        <p:par>
-                          <p:cTn id="64" fill="hold">
-                            <p:stCondLst>
-                              <p:cond delay="0"/>
-                            </p:stCondLst>
-                            <p:childTnLst>
-                              <p:par>
-                                <p:cTn id="65" presetID="1" presetClass="entr" presetSubtype="0" fill="hold" grpId="0" nodeType="clickEffect">
-                                  <p:stCondLst>
-                                    <p:cond delay="0"/>
-                                  </p:stCondLst>
-                                  <p:childTnLst>
-                                    <p:set>
-                                      <p:cBhvr>
-                                        <p:cTn id="66" dur="1" fill="hold">
-                                          <p:stCondLst>
-                                            <p:cond delay="0"/>
-                                          </p:stCondLst>
-                                        </p:cTn>
-                                        <p:tgtEl>
-                                          <p:spTgt spid="48"/>
-                                        </p:tgtEl>
-                                        <p:attrNameLst>
-                                          <p:attrName>style.visibility</p:attrName>
-                                        </p:attrNameLst>
-                                      </p:cBhvr>
-                                      <p:to>
-                                        <p:strVal val="visible"/>
-                                      </p:to>
-                                    </p:set>
-                                  </p:childTnLst>
-                                </p:cTn>
-                              </p:par>
-                            </p:childTnLst>
-                          </p:cTn>
-                        </p:par>
-                      </p:childTnLst>
-                    </p:cTn>
-                  </p:par>
-                </p:childTnLst>
-              </p:cTn>
-              <p:prevCondLst>
-                <p:cond evt="onPrev" delay="0">
-                  <p:tgtEl>
-                    <p:sldTgt/>
-                  </p:tgtEl>
-                </p:cond>
-              </p:prevCondLst>
-              <p:nextCondLst>
-                <p:cond evt="onNext" delay="0">
-                  <p:tgtEl>
-                    <p:sldTgt/>
-                  </p:tgtEl>
-                </p:cond>
-              </p:nextCondLst>
-            </p:seq>
-          </p:childTnLst>
-        </p:cTn>
-      </p:par>
-    </p:tnLst>
-    <p:bldLst>
-      <p:bldP spid="5" grpId="0" animBg="1"/>
-      <p:bldP spid="20" grpId="0"/>
-      <p:bldP spid="21" grpId="0"/>
-      <p:bldP spid="22" grpId="0"/>
-      <p:bldP spid="23" grpId="0"/>
-      <p:bldP spid="26" grpId="0"/>
-      <p:bldP spid="39" grpId="0" animBg="1"/>
-      <p:bldP spid="46" grpId="0"/>
-      <p:bldP spid="47" grpId="0"/>
-      <p:bldP spid="48" grpId="0"/>
-      <p:bldP spid="49" grpId="0"/>
-      <p:bldP spid="50" grpId="0"/>
-    </p:bldLst>
-  </p:timing>
+</p:sld>
+</file>
+
+<file path=ppt/slides/slide3.xml><?xml version="1.0" encoding="utf-8"?>
+<p:sld xmlns:a="http://schemas.openxmlformats.org/drawingml/2006/main" xmlns:r="http://schemas.openxmlformats.org/officeDocument/2006/relationships" xmlns:p="http://schemas.openxmlformats.org/presentationml/2006/main">
+  <p:cSld>
+    <p:spTree>
+      <p:nvGrpSpPr>
+        <p:cNvPr id="1" name=""/>
+        <p:cNvGrpSpPr/>
+        <p:nvPr/>
+      </p:nvGrpSpPr>
+      <p:grpSpPr>
+        <a:xfrm>
+          <a:off x="0" y="0"/>
+          <a:ext cx="0" cy="0"/>
+          <a:chOff x="0" y="0"/>
+          <a:chExt cx="0" cy="0"/>
+        </a:xfrm>
+      </p:grpSpPr>
+      <p:sp>
+        <p:nvSpPr>
+          <p:cNvPr id="2" name="Título 1"/>
+          <p:cNvSpPr>
+            <a:spLocks noGrp="1"/>
+          </p:cNvSpPr>
+          <p:nvPr>
+            <p:ph type="title"/>
+          </p:nvPr>
+        </p:nvSpPr>
+        <p:spPr>
+          <a:xfrm>
+            <a:off x="827584" y="267494"/>
+            <a:ext cx="7704856" cy="1088068"/>
+          </a:xfrm>
+        </p:spPr>
+        <p:txBody>
+          <a:bodyPr/>
+          <a:lstStyle/>
+          <a:p>
+            <a:pPr algn="ctr"/>
+            <a:r>
+              <a:rPr lang="pt-PT" b="1" dirty="0">
+                <a:latin typeface="MS UI Gothic" panose="020B0600070205080204" pitchFamily="34" charset="-128"/>
+                <a:ea typeface="MS UI Gothic" panose="020B0600070205080204" pitchFamily="34" charset="-128"/>
+              </a:rPr>
+              <a:t>Requisitos</a:t>
+            </a:r>
+          </a:p>
+        </p:txBody>
+      </p:sp>
+      <p:sp>
+        <p:nvSpPr>
+          <p:cNvPr id="4" name="CaixaDeTexto 3"/>
+          <p:cNvSpPr txBox="1"/>
+          <p:nvPr/>
+        </p:nvSpPr>
+        <p:spPr>
+          <a:xfrm>
+            <a:off x="0" y="4786444"/>
+            <a:ext cx="4968552" cy="307777"/>
+          </a:xfrm>
+          <a:prstGeom prst="rect">
+            <a:avLst/>
+          </a:prstGeom>
+          <a:noFill/>
+        </p:spPr>
+        <p:txBody>
+          <a:bodyPr wrap="square" rtlCol="0">
+            <a:spAutoFit/>
+          </a:bodyPr>
+          <a:lstStyle/>
+          <a:p>
+            <a:r>
+              <a:rPr lang="pt-PT" sz="1400" dirty="0">
+                <a:latin typeface="MS UI Gothic" panose="020B0600070205080204" pitchFamily="34" charset="-128"/>
+                <a:ea typeface="MS UI Gothic" panose="020B0600070205080204" pitchFamily="34" charset="-128"/>
+              </a:rPr>
+              <a:t>Carlos Pereira, João Barreira, Tiago Bouças e Tiago Duarte</a:t>
+            </a:r>
+          </a:p>
+        </p:txBody>
+      </p:sp>
+      <p:sp>
+        <p:nvSpPr>
+          <p:cNvPr id="6" name="CaixaDeTexto 5"/>
+          <p:cNvSpPr txBox="1"/>
+          <p:nvPr/>
+        </p:nvSpPr>
+        <p:spPr>
+          <a:xfrm>
+            <a:off x="5076056" y="4786443"/>
+            <a:ext cx="4248472" cy="323165"/>
+          </a:xfrm>
+          <a:prstGeom prst="rect">
+            <a:avLst/>
+          </a:prstGeom>
+          <a:noFill/>
+        </p:spPr>
+        <p:txBody>
+          <a:bodyPr wrap="square" rtlCol="0">
+            <a:spAutoFit/>
+          </a:bodyPr>
+          <a:lstStyle/>
+          <a:p>
+            <a:r>
+              <a:rPr lang="pt-PT" sz="1500" dirty="0">
+                <a:latin typeface="MS UI Gothic" panose="020B0600070205080204" pitchFamily="34" charset="-128"/>
+                <a:ea typeface="MS UI Gothic" panose="020B0600070205080204" pitchFamily="34" charset="-128"/>
+              </a:rPr>
+              <a:t>Bases de Dados – MIEI – Universidade do Minho</a:t>
+            </a:r>
+          </a:p>
+        </p:txBody>
+      </p:sp>
+      <p:pic>
+        <p:nvPicPr>
+          <p:cNvPr id="8" name="Imagem 7"/>
+          <p:cNvPicPr>
+            <a:picLocks noChangeAspect="1"/>
+          </p:cNvPicPr>
+          <p:nvPr/>
+        </p:nvPicPr>
+        <p:blipFill>
+          <a:blip r:embed="rId3" cstate="print">
+            <a:extLst>
+              <a:ext uri="{28A0092B-C50C-407E-A947-70E740481C1C}">
+                <a14:useLocalDpi xmlns:a14="http://schemas.microsoft.com/office/drawing/2010/main" val="0"/>
+              </a:ext>
+            </a:extLst>
+          </a:blip>
+          <a:stretch>
+            <a:fillRect/>
+          </a:stretch>
+        </p:blipFill>
+        <p:spPr>
+          <a:xfrm>
+            <a:off x="4753724" y="4811294"/>
+            <a:ext cx="322332" cy="332206"/>
+          </a:xfrm>
+          <a:prstGeom prst="rect">
+            <a:avLst/>
+          </a:prstGeom>
+        </p:spPr>
+      </p:pic>
+      <p:sp>
+        <p:nvSpPr>
+          <p:cNvPr id="7" name="Marcador de Posição de Conteúdo 4"/>
+          <p:cNvSpPr>
+            <a:spLocks noGrp="1"/>
+          </p:cNvSpPr>
+          <p:nvPr>
+            <p:ph idx="1"/>
+          </p:nvPr>
+        </p:nvSpPr>
+        <p:spPr>
+          <a:xfrm>
+            <a:off x="822960" y="1384301"/>
+            <a:ext cx="7543800" cy="3017520"/>
+          </a:xfrm>
+        </p:spPr>
+        <p:txBody>
+          <a:bodyPr>
+            <a:normAutofit/>
+          </a:bodyPr>
+          <a:lstStyle/>
+          <a:p>
+            <a:pPr>
+              <a:buFont typeface="Wingdings" panose="05000000000000000000" pitchFamily="2" charset="2"/>
+              <a:buChar char="Ø"/>
+            </a:pPr>
+            <a:r>
+              <a:rPr lang="pt-PT" dirty="0"/>
+              <a:t>A base de dados deve permitir registar clientes, necessitando para isso do nome e email.</a:t>
+            </a:r>
+          </a:p>
+          <a:p>
+            <a:pPr>
+              <a:buFont typeface="Wingdings" panose="05000000000000000000" pitchFamily="2" charset="2"/>
+              <a:buChar char="Ø"/>
+            </a:pPr>
+            <a:r>
+              <a:rPr lang="pt-PT" dirty="0"/>
+              <a:t>Cada comboio tem um determinado número de lugares, que limitam o número de reservas de uma viagem.</a:t>
+            </a:r>
+          </a:p>
+          <a:p>
+            <a:pPr>
+              <a:buFont typeface="Wingdings" panose="05000000000000000000" pitchFamily="2" charset="2"/>
+              <a:buChar char="Ø"/>
+            </a:pPr>
+            <a:r>
+              <a:rPr lang="pt-PT" dirty="0"/>
+              <a:t>Devem ser aceites diferentes classes, dependendo do estatuto e idade, variando o preço dos bilhetes.</a:t>
+            </a:r>
+          </a:p>
+          <a:p>
+            <a:pPr>
+              <a:buFont typeface="Wingdings" panose="05000000000000000000" pitchFamily="2" charset="2"/>
+              <a:buChar char="Ø"/>
+            </a:pPr>
+            <a:r>
+              <a:rPr lang="pt-PT" dirty="0"/>
+              <a:t> Deve ser informado ao cliente os lugares livres, permitindo ao cliente escolher um lugar livre.</a:t>
+            </a:r>
+          </a:p>
+          <a:p>
+            <a:pPr>
+              <a:buFont typeface="Wingdings" panose="05000000000000000000" pitchFamily="2" charset="2"/>
+              <a:buChar char="Ø"/>
+            </a:pPr>
+            <a:r>
+              <a:rPr lang="pt-PT" dirty="0"/>
+              <a:t>Cada viagem tem associada uma estação de partida, de chegada, uma duração e um comboio.</a:t>
+            </a:r>
+          </a:p>
+          <a:p>
+            <a:pPr>
+              <a:buFont typeface="Wingdings" panose="05000000000000000000" pitchFamily="2" charset="2"/>
+              <a:buChar char="Ø"/>
+            </a:pPr>
+            <a:r>
+              <a:rPr lang="pt-PT" dirty="0"/>
+              <a:t>As reservas podem ter vários bilhetes associados.</a:t>
+            </a:r>
+          </a:p>
+          <a:p>
+            <a:pPr>
+              <a:buFont typeface="Wingdings" panose="05000000000000000000" pitchFamily="2" charset="2"/>
+              <a:buChar char="Ø"/>
+            </a:pPr>
+            <a:r>
+              <a:rPr lang="pt-PT" dirty="0"/>
+              <a:t>O bilhete deve ter associada a classe, a reserva, bem como informações sobre a viagem.     </a:t>
+            </a:r>
+          </a:p>
+          <a:p>
+            <a:pPr>
+              <a:buFont typeface="Wingdings" panose="05000000000000000000" pitchFamily="2" charset="2"/>
+              <a:buChar char="Ø"/>
+            </a:pPr>
+            <a:endParaRPr lang="pt-PT" dirty="0"/>
+          </a:p>
+          <a:p>
+            <a:pPr>
+              <a:buFont typeface="Wingdings" panose="05000000000000000000" pitchFamily="2" charset="2"/>
+              <a:buChar char="Ø"/>
+            </a:pPr>
+            <a:endParaRPr lang="pt-PT" dirty="0"/>
+          </a:p>
+          <a:p>
+            <a:pPr>
+              <a:buFont typeface="Wingdings" panose="05000000000000000000" pitchFamily="2" charset="2"/>
+              <a:buChar char="Ø"/>
+            </a:pPr>
+            <a:endParaRPr lang="pt-PT" dirty="0"/>
+          </a:p>
+        </p:txBody>
+      </p:sp>
+    </p:spTree>
+    <p:extLst>
+      <p:ext uri="{BB962C8B-B14F-4D97-AF65-F5344CB8AC3E}">
+        <p14:creationId xmlns:p14="http://schemas.microsoft.com/office/powerpoint/2010/main" val="3603804409"/>
+      </p:ext>
+    </p:extLst>
+  </p:cSld>
+  <p:clrMapOvr>
+    <a:masterClrMapping/>
+  </p:clrMapOvr>
+</p:sld>
+</file>
+
+<file path=ppt/slides/slide4.xml><?xml version="1.0" encoding="utf-8"?>
+<p:sld xmlns:a="http://schemas.openxmlformats.org/drawingml/2006/main" xmlns:r="http://schemas.openxmlformats.org/officeDocument/2006/relationships" xmlns:p="http://schemas.openxmlformats.org/presentationml/2006/main">
+  <p:cSld>
+    <p:spTree>
+      <p:nvGrpSpPr>
+        <p:cNvPr id="1" name=""/>
+        <p:cNvGrpSpPr/>
+        <p:nvPr/>
+      </p:nvGrpSpPr>
+      <p:grpSpPr>
+        <a:xfrm>
+          <a:off x="0" y="0"/>
+          <a:ext cx="0" cy="0"/>
+          <a:chOff x="0" y="0"/>
+          <a:chExt cx="0" cy="0"/>
+        </a:xfrm>
+      </p:grpSpPr>
+      <p:sp>
+        <p:nvSpPr>
+          <p:cNvPr id="2" name="Título 1"/>
+          <p:cNvSpPr>
+            <a:spLocks noGrp="1"/>
+          </p:cNvSpPr>
+          <p:nvPr>
+            <p:ph type="title"/>
+          </p:nvPr>
+        </p:nvSpPr>
+        <p:spPr>
+          <a:xfrm>
+            <a:off x="827584" y="267494"/>
+            <a:ext cx="7704856" cy="1088068"/>
+          </a:xfrm>
+        </p:spPr>
+        <p:txBody>
+          <a:bodyPr/>
+          <a:lstStyle/>
+          <a:p>
+            <a:pPr algn="ctr"/>
+            <a:r>
+              <a:rPr lang="pt-PT" b="1" dirty="0">
+                <a:latin typeface="MS UI Gothic" panose="020B0600070205080204" pitchFamily="34" charset="-128"/>
+                <a:ea typeface="MS UI Gothic" panose="020B0600070205080204" pitchFamily="34" charset="-128"/>
+              </a:rPr>
+              <a:t>Construção do Modelo Conceptual</a:t>
+            </a:r>
+          </a:p>
+        </p:txBody>
+      </p:sp>
+      <p:sp>
+        <p:nvSpPr>
+          <p:cNvPr id="4" name="CaixaDeTexto 3"/>
+          <p:cNvSpPr txBox="1"/>
+          <p:nvPr/>
+        </p:nvSpPr>
+        <p:spPr>
+          <a:xfrm>
+            <a:off x="0" y="4786444"/>
+            <a:ext cx="4968552" cy="307777"/>
+          </a:xfrm>
+          <a:prstGeom prst="rect">
+            <a:avLst/>
+          </a:prstGeom>
+          <a:noFill/>
+        </p:spPr>
+        <p:txBody>
+          <a:bodyPr wrap="square" rtlCol="0">
+            <a:spAutoFit/>
+          </a:bodyPr>
+          <a:lstStyle/>
+          <a:p>
+            <a:r>
+              <a:rPr lang="pt-PT" sz="1400" dirty="0">
+                <a:latin typeface="MS UI Gothic" panose="020B0600070205080204" pitchFamily="34" charset="-128"/>
+                <a:ea typeface="MS UI Gothic" panose="020B0600070205080204" pitchFamily="34" charset="-128"/>
+              </a:rPr>
+              <a:t>Carlos Pereira, João Barreira, Tiago Bouças e Tiago Duarte</a:t>
+            </a:r>
+          </a:p>
+        </p:txBody>
+      </p:sp>
+      <p:sp>
+        <p:nvSpPr>
+          <p:cNvPr id="6" name="CaixaDeTexto 5"/>
+          <p:cNvSpPr txBox="1"/>
+          <p:nvPr/>
+        </p:nvSpPr>
+        <p:spPr>
+          <a:xfrm>
+            <a:off x="5076056" y="4786443"/>
+            <a:ext cx="4248472" cy="323165"/>
+          </a:xfrm>
+          <a:prstGeom prst="rect">
+            <a:avLst/>
+          </a:prstGeom>
+          <a:noFill/>
+        </p:spPr>
+        <p:txBody>
+          <a:bodyPr wrap="square" rtlCol="0">
+            <a:spAutoFit/>
+          </a:bodyPr>
+          <a:lstStyle/>
+          <a:p>
+            <a:r>
+              <a:rPr lang="pt-PT" sz="1500" dirty="0">
+                <a:latin typeface="MS UI Gothic" panose="020B0600070205080204" pitchFamily="34" charset="-128"/>
+                <a:ea typeface="MS UI Gothic" panose="020B0600070205080204" pitchFamily="34" charset="-128"/>
+              </a:rPr>
+              <a:t>Bases de Dados – MIEI – Universidade do Minho</a:t>
+            </a:r>
+          </a:p>
+        </p:txBody>
+      </p:sp>
+      <p:pic>
+        <p:nvPicPr>
+          <p:cNvPr id="8" name="Imagem 7"/>
+          <p:cNvPicPr>
+            <a:picLocks noChangeAspect="1"/>
+          </p:cNvPicPr>
+          <p:nvPr/>
+        </p:nvPicPr>
+        <p:blipFill>
+          <a:blip r:embed="rId3" cstate="print">
+            <a:extLst>
+              <a:ext uri="{28A0092B-C50C-407E-A947-70E740481C1C}">
+                <a14:useLocalDpi xmlns:a14="http://schemas.microsoft.com/office/drawing/2010/main" val="0"/>
+              </a:ext>
+            </a:extLst>
+          </a:blip>
+          <a:stretch>
+            <a:fillRect/>
+          </a:stretch>
+        </p:blipFill>
+        <p:spPr>
+          <a:xfrm>
+            <a:off x="4753724" y="4811294"/>
+            <a:ext cx="322332" cy="332206"/>
+          </a:xfrm>
+          <a:prstGeom prst="rect">
+            <a:avLst/>
+          </a:prstGeom>
+        </p:spPr>
+      </p:pic>
+      <p:sp>
+        <p:nvSpPr>
+          <p:cNvPr id="7" name="Marcador de Posição de Conteúdo 2"/>
+          <p:cNvSpPr>
+            <a:spLocks noGrp="1"/>
+          </p:cNvSpPr>
+          <p:nvPr>
+            <p:ph idx="1"/>
+          </p:nvPr>
+        </p:nvSpPr>
+        <p:spPr>
+          <a:xfrm>
+            <a:off x="850168" y="1779662"/>
+            <a:ext cx="7543800" cy="3017520"/>
+          </a:xfrm>
+        </p:spPr>
+        <p:txBody>
+          <a:bodyPr/>
+          <a:lstStyle/>
+          <a:p>
+            <a:pPr>
+              <a:buFont typeface="Wingdings" panose="05000000000000000000" pitchFamily="2" charset="2"/>
+              <a:buChar char="Ø"/>
+            </a:pPr>
+            <a:r>
+              <a:rPr lang="pt-PT" dirty="0"/>
+              <a:t>Identificação das identidades</a:t>
+            </a:r>
+          </a:p>
+          <a:p>
+            <a:pPr>
+              <a:buFont typeface="Wingdings" panose="05000000000000000000" pitchFamily="2" charset="2"/>
+              <a:buChar char="Ø"/>
+            </a:pPr>
+            <a:r>
+              <a:rPr lang="pt-PT" dirty="0"/>
+              <a:t>Identificação dos relacionamentos</a:t>
+            </a:r>
+          </a:p>
+          <a:p>
+            <a:pPr>
+              <a:buFont typeface="Wingdings" panose="05000000000000000000" pitchFamily="2" charset="2"/>
+              <a:buChar char="Ø"/>
+            </a:pPr>
+            <a:r>
+              <a:rPr lang="pt-PT" dirty="0"/>
+              <a:t>Determinação das multiplicidades</a:t>
+            </a:r>
+          </a:p>
+          <a:p>
+            <a:pPr>
+              <a:buFont typeface="Wingdings" panose="05000000000000000000" pitchFamily="2" charset="2"/>
+              <a:buChar char="Ø"/>
+            </a:pPr>
+            <a:r>
+              <a:rPr lang="pt-PT" dirty="0"/>
+              <a:t>Identificação dos atributos e definição dos seus domínios</a:t>
+            </a:r>
+          </a:p>
+          <a:p>
+            <a:pPr>
+              <a:buFont typeface="Wingdings" panose="05000000000000000000" pitchFamily="2" charset="2"/>
+              <a:buChar char="Ø"/>
+            </a:pPr>
+            <a:r>
+              <a:rPr lang="pt-PT" dirty="0"/>
+              <a:t>Definição das chaves candidatas, primárias e alternativas</a:t>
+            </a:r>
+          </a:p>
+          <a:p>
+            <a:pPr>
+              <a:buFont typeface="Wingdings" panose="05000000000000000000" pitchFamily="2" charset="2"/>
+              <a:buChar char="Ø"/>
+            </a:pPr>
+            <a:r>
+              <a:rPr lang="pt-PT" dirty="0"/>
+              <a:t>Verificação de redundâncias</a:t>
+            </a:r>
+          </a:p>
+          <a:p>
+            <a:pPr>
+              <a:buFont typeface="Wingdings" panose="05000000000000000000" pitchFamily="2" charset="2"/>
+              <a:buChar char="Ø"/>
+            </a:pPr>
+            <a:r>
+              <a:rPr lang="pt-PT" dirty="0"/>
+              <a:t>Validação do modelo</a:t>
+            </a:r>
+          </a:p>
+          <a:p>
+            <a:pPr>
+              <a:buFont typeface="Wingdings" panose="05000000000000000000" pitchFamily="2" charset="2"/>
+              <a:buChar char="Ø"/>
+            </a:pPr>
+            <a:endParaRPr lang="pt-PT" dirty="0"/>
+          </a:p>
+        </p:txBody>
+      </p:sp>
+    </p:spTree>
+    <p:extLst>
+      <p:ext uri="{BB962C8B-B14F-4D97-AF65-F5344CB8AC3E}">
+        <p14:creationId xmlns:p14="http://schemas.microsoft.com/office/powerpoint/2010/main" val="2189927673"/>
+      </p:ext>
+    </p:extLst>
+  </p:cSld>
+  <p:clrMapOvr>
+    <a:masterClrMapping/>
+  </p:clrMapOvr>
+</p:sld>
+</file>
+
+<file path=ppt/slides/slide5.xml><?xml version="1.0" encoding="utf-8"?>
+<p:sld xmlns:a="http://schemas.openxmlformats.org/drawingml/2006/main" xmlns:r="http://schemas.openxmlformats.org/officeDocument/2006/relationships" xmlns:p="http://schemas.openxmlformats.org/presentationml/2006/main">
+  <p:cSld>
+    <p:spTree>
+      <p:nvGrpSpPr>
+        <p:cNvPr id="1" name=""/>
+        <p:cNvGrpSpPr/>
+        <p:nvPr/>
+      </p:nvGrpSpPr>
+      <p:grpSpPr>
+        <a:xfrm>
+          <a:off x="0" y="0"/>
+          <a:ext cx="0" cy="0"/>
+          <a:chOff x="0" y="0"/>
+          <a:chExt cx="0" cy="0"/>
+        </a:xfrm>
+      </p:grpSpPr>
+      <p:sp>
+        <p:nvSpPr>
+          <p:cNvPr id="4" name="CaixaDeTexto 3"/>
+          <p:cNvSpPr txBox="1"/>
+          <p:nvPr/>
+        </p:nvSpPr>
+        <p:spPr>
+          <a:xfrm>
+            <a:off x="0" y="4786444"/>
+            <a:ext cx="4968552" cy="307777"/>
+          </a:xfrm>
+          <a:prstGeom prst="rect">
+            <a:avLst/>
+          </a:prstGeom>
+          <a:noFill/>
+        </p:spPr>
+        <p:txBody>
+          <a:bodyPr wrap="square" rtlCol="0">
+            <a:spAutoFit/>
+          </a:bodyPr>
+          <a:lstStyle/>
+          <a:p>
+            <a:r>
+              <a:rPr lang="pt-PT" sz="1400" dirty="0">
+                <a:latin typeface="MS UI Gothic" panose="020B0600070205080204" pitchFamily="34" charset="-128"/>
+                <a:ea typeface="MS UI Gothic" panose="020B0600070205080204" pitchFamily="34" charset="-128"/>
+              </a:rPr>
+              <a:t>Carlos Pereira, João Barreira, Tiago Bouças e Tiago Duarte</a:t>
+            </a:r>
+          </a:p>
+        </p:txBody>
+      </p:sp>
+      <p:sp>
+        <p:nvSpPr>
+          <p:cNvPr id="6" name="CaixaDeTexto 5"/>
+          <p:cNvSpPr txBox="1"/>
+          <p:nvPr/>
+        </p:nvSpPr>
+        <p:spPr>
+          <a:xfrm>
+            <a:off x="5076056" y="4786443"/>
+            <a:ext cx="4248472" cy="323165"/>
+          </a:xfrm>
+          <a:prstGeom prst="rect">
+            <a:avLst/>
+          </a:prstGeom>
+          <a:noFill/>
+        </p:spPr>
+        <p:txBody>
+          <a:bodyPr wrap="square" rtlCol="0">
+            <a:spAutoFit/>
+          </a:bodyPr>
+          <a:lstStyle/>
+          <a:p>
+            <a:r>
+              <a:rPr lang="pt-PT" sz="1500" dirty="0">
+                <a:latin typeface="MS UI Gothic" panose="020B0600070205080204" pitchFamily="34" charset="-128"/>
+                <a:ea typeface="MS UI Gothic" panose="020B0600070205080204" pitchFamily="34" charset="-128"/>
+              </a:rPr>
+              <a:t>Bases de Dados – MIEI – Universidade do Minho</a:t>
+            </a:r>
+          </a:p>
+        </p:txBody>
+      </p:sp>
+      <p:pic>
+        <p:nvPicPr>
+          <p:cNvPr id="8" name="Imagem 7"/>
+          <p:cNvPicPr>
+            <a:picLocks noChangeAspect="1"/>
+          </p:cNvPicPr>
+          <p:nvPr/>
+        </p:nvPicPr>
+        <p:blipFill>
+          <a:blip r:embed="rId3" cstate="print">
+            <a:extLst>
+              <a:ext uri="{28A0092B-C50C-407E-A947-70E740481C1C}">
+                <a14:useLocalDpi xmlns:a14="http://schemas.microsoft.com/office/drawing/2010/main" val="0"/>
+              </a:ext>
+            </a:extLst>
+          </a:blip>
+          <a:stretch>
+            <a:fillRect/>
+          </a:stretch>
+        </p:blipFill>
+        <p:spPr>
+          <a:xfrm>
+            <a:off x="4753724" y="4811294"/>
+            <a:ext cx="322332" cy="332206"/>
+          </a:xfrm>
+          <a:prstGeom prst="rect">
+            <a:avLst/>
+          </a:prstGeom>
+        </p:spPr>
+      </p:pic>
+      <p:pic>
+        <p:nvPicPr>
+          <p:cNvPr id="13" name="Marcador de Posição de Conteúdo 3"/>
+          <p:cNvPicPr>
+            <a:picLocks noGrp="1" noChangeAspect="1"/>
+          </p:cNvPicPr>
+          <p:nvPr>
+            <p:ph idx="1"/>
+          </p:nvPr>
+        </p:nvPicPr>
+        <p:blipFill>
+          <a:blip r:embed="rId4"/>
+          <a:stretch>
+            <a:fillRect/>
+          </a:stretch>
+        </p:blipFill>
+        <p:spPr>
+          <a:xfrm>
+            <a:off x="822960" y="555526"/>
+            <a:ext cx="7559685" cy="3647217"/>
+          </a:xfrm>
+          <a:prstGeom prst="rect">
+            <a:avLst/>
+          </a:prstGeom>
+        </p:spPr>
+      </p:pic>
+    </p:spTree>
+    <p:extLst>
+      <p:ext uri="{BB962C8B-B14F-4D97-AF65-F5344CB8AC3E}">
+        <p14:creationId xmlns:p14="http://schemas.microsoft.com/office/powerpoint/2010/main" val="4224231161"/>
+      </p:ext>
+    </p:extLst>
+  </p:cSld>
+  <p:clrMapOvr>
+    <a:masterClrMapping/>
+  </p:clrMapOvr>
+</p:sld>
+</file>
+
+<file path=ppt/slides/slide6.xml><?xml version="1.0" encoding="utf-8"?>
+<p:sld xmlns:a="http://schemas.openxmlformats.org/drawingml/2006/main" xmlns:r="http://schemas.openxmlformats.org/officeDocument/2006/relationships" xmlns:p="http://schemas.openxmlformats.org/presentationml/2006/main">
+  <p:cSld>
+    <p:spTree>
+      <p:nvGrpSpPr>
+        <p:cNvPr id="1" name=""/>
+        <p:cNvGrpSpPr/>
+        <p:nvPr/>
+      </p:nvGrpSpPr>
+      <p:grpSpPr>
+        <a:xfrm>
+          <a:off x="0" y="0"/>
+          <a:ext cx="0" cy="0"/>
+          <a:chOff x="0" y="0"/>
+          <a:chExt cx="0" cy="0"/>
+        </a:xfrm>
+      </p:grpSpPr>
+      <p:sp>
+        <p:nvSpPr>
+          <p:cNvPr id="2" name="Título 1"/>
+          <p:cNvSpPr>
+            <a:spLocks noGrp="1"/>
+          </p:cNvSpPr>
+          <p:nvPr>
+            <p:ph type="title"/>
+          </p:nvPr>
+        </p:nvSpPr>
+        <p:spPr>
+          <a:xfrm>
+            <a:off x="827584" y="267494"/>
+            <a:ext cx="7704856" cy="1088068"/>
+          </a:xfrm>
+        </p:spPr>
+        <p:txBody>
+          <a:bodyPr/>
+          <a:lstStyle/>
+          <a:p>
+            <a:pPr algn="ctr"/>
+            <a:r>
+              <a:rPr lang="pt-PT" b="1" dirty="0">
+                <a:latin typeface="MS UI Gothic" panose="020B0600070205080204" pitchFamily="34" charset="-128"/>
+                <a:ea typeface="MS UI Gothic" panose="020B0600070205080204" pitchFamily="34" charset="-128"/>
+              </a:rPr>
+              <a:t>Construção do Modelo Lógico</a:t>
+            </a:r>
+          </a:p>
+        </p:txBody>
+      </p:sp>
+      <p:sp>
+        <p:nvSpPr>
+          <p:cNvPr id="4" name="CaixaDeTexto 3"/>
+          <p:cNvSpPr txBox="1"/>
+          <p:nvPr/>
+        </p:nvSpPr>
+        <p:spPr>
+          <a:xfrm>
+            <a:off x="0" y="4786444"/>
+            <a:ext cx="4968552" cy="307777"/>
+          </a:xfrm>
+          <a:prstGeom prst="rect">
+            <a:avLst/>
+          </a:prstGeom>
+          <a:noFill/>
+        </p:spPr>
+        <p:txBody>
+          <a:bodyPr wrap="square" rtlCol="0">
+            <a:spAutoFit/>
+          </a:bodyPr>
+          <a:lstStyle/>
+          <a:p>
+            <a:r>
+              <a:rPr lang="pt-PT" sz="1400" dirty="0">
+                <a:latin typeface="MS UI Gothic" panose="020B0600070205080204" pitchFamily="34" charset="-128"/>
+                <a:ea typeface="MS UI Gothic" panose="020B0600070205080204" pitchFamily="34" charset="-128"/>
+              </a:rPr>
+              <a:t>Carlos Pereira, João Barreira, Tiago Bouças e Tiago Duarte</a:t>
+            </a:r>
+          </a:p>
+        </p:txBody>
+      </p:sp>
+      <p:sp>
+        <p:nvSpPr>
+          <p:cNvPr id="6" name="CaixaDeTexto 5"/>
+          <p:cNvSpPr txBox="1"/>
+          <p:nvPr/>
+        </p:nvSpPr>
+        <p:spPr>
+          <a:xfrm>
+            <a:off x="5076056" y="4786443"/>
+            <a:ext cx="4248472" cy="323165"/>
+          </a:xfrm>
+          <a:prstGeom prst="rect">
+            <a:avLst/>
+          </a:prstGeom>
+          <a:noFill/>
+        </p:spPr>
+        <p:txBody>
+          <a:bodyPr wrap="square" rtlCol="0">
+            <a:spAutoFit/>
+          </a:bodyPr>
+          <a:lstStyle/>
+          <a:p>
+            <a:r>
+              <a:rPr lang="pt-PT" sz="1500" dirty="0">
+                <a:latin typeface="MS UI Gothic" panose="020B0600070205080204" pitchFamily="34" charset="-128"/>
+                <a:ea typeface="MS UI Gothic" panose="020B0600070205080204" pitchFamily="34" charset="-128"/>
+              </a:rPr>
+              <a:t>Bases de Dados – MIEI – Universidade do Minho</a:t>
+            </a:r>
+          </a:p>
+        </p:txBody>
+      </p:sp>
+      <p:pic>
+        <p:nvPicPr>
+          <p:cNvPr id="8" name="Imagem 7"/>
+          <p:cNvPicPr>
+            <a:picLocks noChangeAspect="1"/>
+          </p:cNvPicPr>
+          <p:nvPr/>
+        </p:nvPicPr>
+        <p:blipFill>
+          <a:blip r:embed="rId3" cstate="print">
+            <a:extLst>
+              <a:ext uri="{28A0092B-C50C-407E-A947-70E740481C1C}">
+                <a14:useLocalDpi xmlns:a14="http://schemas.microsoft.com/office/drawing/2010/main" val="0"/>
+              </a:ext>
+            </a:extLst>
+          </a:blip>
+          <a:stretch>
+            <a:fillRect/>
+          </a:stretch>
+        </p:blipFill>
+        <p:spPr>
+          <a:xfrm>
+            <a:off x="4753724" y="4811294"/>
+            <a:ext cx="322332" cy="332206"/>
+          </a:xfrm>
+          <a:prstGeom prst="rect">
+            <a:avLst/>
+          </a:prstGeom>
+        </p:spPr>
+      </p:pic>
+      <p:sp>
+        <p:nvSpPr>
+          <p:cNvPr id="7" name="Marcador de Posição de Conteúdo 2"/>
+          <p:cNvSpPr>
+            <a:spLocks noGrp="1"/>
+          </p:cNvSpPr>
+          <p:nvPr>
+            <p:ph idx="1"/>
+          </p:nvPr>
+        </p:nvSpPr>
+        <p:spPr>
+          <a:xfrm>
+            <a:off x="850168" y="1779662"/>
+            <a:ext cx="7543800" cy="3017520"/>
+          </a:xfrm>
+        </p:spPr>
+        <p:txBody>
+          <a:bodyPr/>
+          <a:lstStyle/>
+          <a:p>
+            <a:pPr>
+              <a:buFont typeface="Wingdings" panose="05000000000000000000" pitchFamily="2" charset="2"/>
+              <a:buChar char="Ø"/>
+            </a:pPr>
+            <a:r>
+              <a:rPr lang="pt-PT" dirty="0"/>
+              <a:t>Derivação das relações a partir do Modelo Conceptual</a:t>
+            </a:r>
+          </a:p>
+          <a:p>
+            <a:pPr>
+              <a:buFont typeface="Wingdings" panose="05000000000000000000" pitchFamily="2" charset="2"/>
+              <a:buChar char="Ø"/>
+            </a:pPr>
+            <a:r>
+              <a:rPr lang="pt-PT" dirty="0"/>
+              <a:t>Validar relações usando a normalização</a:t>
+            </a:r>
+          </a:p>
+          <a:p>
+            <a:pPr>
+              <a:buFont typeface="Wingdings" panose="05000000000000000000" pitchFamily="2" charset="2"/>
+              <a:buChar char="Ø"/>
+            </a:pPr>
+            <a:r>
+              <a:rPr lang="pt-PT" dirty="0"/>
+              <a:t>Validar relações de acordo com as transações do utilizador</a:t>
+            </a:r>
+          </a:p>
+          <a:p>
+            <a:pPr>
+              <a:buFont typeface="Wingdings" panose="05000000000000000000" pitchFamily="2" charset="2"/>
+              <a:buChar char="Ø"/>
+            </a:pPr>
+            <a:r>
+              <a:rPr lang="pt-PT" dirty="0"/>
+              <a:t>Verificar integridade das restrições</a:t>
+            </a:r>
+          </a:p>
+          <a:p>
+            <a:pPr>
+              <a:buFont typeface="Wingdings" panose="05000000000000000000" pitchFamily="2" charset="2"/>
+              <a:buChar char="Ø"/>
+            </a:pPr>
+            <a:r>
+              <a:rPr lang="pt-PT" dirty="0"/>
+              <a:t>Rever modelo lógico com o utilizador</a:t>
+            </a:r>
+          </a:p>
+          <a:p>
+            <a:pPr>
+              <a:buFont typeface="Wingdings" panose="05000000000000000000" pitchFamily="2" charset="2"/>
+              <a:buChar char="Ø"/>
+            </a:pPr>
+            <a:r>
+              <a:rPr lang="pt-PT" dirty="0"/>
+              <a:t>Verificar futuro crescimento</a:t>
+            </a:r>
+          </a:p>
+        </p:txBody>
+      </p:sp>
+    </p:spTree>
+    <p:extLst>
+      <p:ext uri="{BB962C8B-B14F-4D97-AF65-F5344CB8AC3E}">
+        <p14:creationId xmlns:p14="http://schemas.microsoft.com/office/powerpoint/2010/main" val="191715248"/>
+      </p:ext>
+    </p:extLst>
+  </p:cSld>
+  <p:clrMapOvr>
+    <a:masterClrMapping/>
+  </p:clrMapOvr>
+</p:sld>
+</file>
+
+<file path=ppt/slides/slide7.xml><?xml version="1.0" encoding="utf-8"?>
+<p:sld xmlns:a="http://schemas.openxmlformats.org/drawingml/2006/main" xmlns:r="http://schemas.openxmlformats.org/officeDocument/2006/relationships" xmlns:p="http://schemas.openxmlformats.org/presentationml/2006/main">
+  <p:cSld>
+    <p:spTree>
+      <p:nvGrpSpPr>
+        <p:cNvPr id="1" name=""/>
+        <p:cNvGrpSpPr/>
+        <p:nvPr/>
+      </p:nvGrpSpPr>
+      <p:grpSpPr>
+        <a:xfrm>
+          <a:off x="0" y="0"/>
+          <a:ext cx="0" cy="0"/>
+          <a:chOff x="0" y="0"/>
+          <a:chExt cx="0" cy="0"/>
+        </a:xfrm>
+      </p:grpSpPr>
+      <p:sp>
+        <p:nvSpPr>
+          <p:cNvPr id="4" name="CaixaDeTexto 3"/>
+          <p:cNvSpPr txBox="1"/>
+          <p:nvPr/>
+        </p:nvSpPr>
+        <p:spPr>
+          <a:xfrm>
+            <a:off x="0" y="4786444"/>
+            <a:ext cx="4968552" cy="307777"/>
+          </a:xfrm>
+          <a:prstGeom prst="rect">
+            <a:avLst/>
+          </a:prstGeom>
+          <a:noFill/>
+        </p:spPr>
+        <p:txBody>
+          <a:bodyPr wrap="square" rtlCol="0">
+            <a:spAutoFit/>
+          </a:bodyPr>
+          <a:lstStyle/>
+          <a:p>
+            <a:r>
+              <a:rPr lang="pt-PT" sz="1400" dirty="0">
+                <a:latin typeface="MS UI Gothic" panose="020B0600070205080204" pitchFamily="34" charset="-128"/>
+                <a:ea typeface="MS UI Gothic" panose="020B0600070205080204" pitchFamily="34" charset="-128"/>
+              </a:rPr>
+              <a:t>Carlos Pereira, João Barreira, Tiago Bouças e Tiago Duarte</a:t>
+            </a:r>
+          </a:p>
+        </p:txBody>
+      </p:sp>
+      <p:sp>
+        <p:nvSpPr>
+          <p:cNvPr id="6" name="CaixaDeTexto 5"/>
+          <p:cNvSpPr txBox="1"/>
+          <p:nvPr/>
+        </p:nvSpPr>
+        <p:spPr>
+          <a:xfrm>
+            <a:off x="5076056" y="4786443"/>
+            <a:ext cx="4248472" cy="323165"/>
+          </a:xfrm>
+          <a:prstGeom prst="rect">
+            <a:avLst/>
+          </a:prstGeom>
+          <a:noFill/>
+        </p:spPr>
+        <p:txBody>
+          <a:bodyPr wrap="square" rtlCol="0">
+            <a:spAutoFit/>
+          </a:bodyPr>
+          <a:lstStyle/>
+          <a:p>
+            <a:r>
+              <a:rPr lang="pt-PT" sz="1500" dirty="0">
+                <a:latin typeface="MS UI Gothic" panose="020B0600070205080204" pitchFamily="34" charset="-128"/>
+                <a:ea typeface="MS UI Gothic" panose="020B0600070205080204" pitchFamily="34" charset="-128"/>
+              </a:rPr>
+              <a:t>Bases de Dados – MIEI – Universidade do Minho</a:t>
+            </a:r>
+          </a:p>
+        </p:txBody>
+      </p:sp>
+      <p:pic>
+        <p:nvPicPr>
+          <p:cNvPr id="8" name="Imagem 7"/>
+          <p:cNvPicPr>
+            <a:picLocks noChangeAspect="1"/>
+          </p:cNvPicPr>
+          <p:nvPr/>
+        </p:nvPicPr>
+        <p:blipFill>
+          <a:blip r:embed="rId3" cstate="print">
+            <a:extLst>
+              <a:ext uri="{28A0092B-C50C-407E-A947-70E740481C1C}">
+                <a14:useLocalDpi xmlns:a14="http://schemas.microsoft.com/office/drawing/2010/main" val="0"/>
+              </a:ext>
+            </a:extLst>
+          </a:blip>
+          <a:stretch>
+            <a:fillRect/>
+          </a:stretch>
+        </p:blipFill>
+        <p:spPr>
+          <a:xfrm>
+            <a:off x="4753724" y="4811294"/>
+            <a:ext cx="322332" cy="332206"/>
+          </a:xfrm>
+          <a:prstGeom prst="rect">
+            <a:avLst/>
+          </a:prstGeom>
+        </p:spPr>
+      </p:pic>
+      <p:pic>
+        <p:nvPicPr>
+          <p:cNvPr id="13" name="Imagem 12"/>
+          <p:cNvPicPr>
+            <a:picLocks noChangeAspect="1"/>
+          </p:cNvPicPr>
+          <p:nvPr/>
+        </p:nvPicPr>
+        <p:blipFill>
+          <a:blip r:embed="rId4">
+            <a:extLst>
+              <a:ext uri="{28A0092B-C50C-407E-A947-70E740481C1C}">
+                <a14:useLocalDpi xmlns:a14="http://schemas.microsoft.com/office/drawing/2010/main" val="0"/>
+              </a:ext>
+            </a:extLst>
+          </a:blip>
+          <a:stretch>
+            <a:fillRect/>
+          </a:stretch>
+        </p:blipFill>
+        <p:spPr>
+          <a:xfrm>
+            <a:off x="539552" y="123478"/>
+            <a:ext cx="7992888" cy="4415551"/>
+          </a:xfrm>
+          <a:prstGeom prst="rect">
+            <a:avLst/>
+          </a:prstGeom>
+        </p:spPr>
+      </p:pic>
+    </p:spTree>
+    <p:extLst>
+      <p:ext uri="{BB962C8B-B14F-4D97-AF65-F5344CB8AC3E}">
+        <p14:creationId xmlns:p14="http://schemas.microsoft.com/office/powerpoint/2010/main" val="2955976015"/>
+      </p:ext>
+    </p:extLst>
+  </p:cSld>
+  <p:clrMapOvr>
+    <a:masterClrMapping/>
+  </p:clrMapOvr>
+</p:sld>
+</file>
+
+<file path=ppt/slides/slide8.xml><?xml version="1.0" encoding="utf-8"?>
+<p:sld xmlns:a="http://schemas.openxmlformats.org/drawingml/2006/main" xmlns:r="http://schemas.openxmlformats.org/officeDocument/2006/relationships" xmlns:p="http://schemas.openxmlformats.org/presentationml/2006/main">
+  <p:cSld>
+    <p:spTree>
+      <p:nvGrpSpPr>
+        <p:cNvPr id="1" name=""/>
+        <p:cNvGrpSpPr/>
+        <p:nvPr/>
+      </p:nvGrpSpPr>
+      <p:grpSpPr>
+        <a:xfrm>
+          <a:off x="0" y="0"/>
+          <a:ext cx="0" cy="0"/>
+          <a:chOff x="0" y="0"/>
+          <a:chExt cx="0" cy="0"/>
+        </a:xfrm>
+      </p:grpSpPr>
+      <p:sp>
+        <p:nvSpPr>
+          <p:cNvPr id="2" name="Título 1"/>
+          <p:cNvSpPr>
+            <a:spLocks noGrp="1"/>
+          </p:cNvSpPr>
+          <p:nvPr>
+            <p:ph type="title"/>
+          </p:nvPr>
+        </p:nvSpPr>
+        <p:spPr>
+          <a:xfrm>
+            <a:off x="827584" y="267494"/>
+            <a:ext cx="7704856" cy="1088068"/>
+          </a:xfrm>
+        </p:spPr>
+        <p:txBody>
+          <a:bodyPr/>
+          <a:lstStyle/>
+          <a:p>
+            <a:pPr algn="ctr"/>
+            <a:r>
+              <a:rPr lang="pt-PT" b="1" dirty="0">
+                <a:latin typeface="MS UI Gothic" panose="020B0600070205080204" pitchFamily="34" charset="-128"/>
+                <a:ea typeface="MS UI Gothic" panose="020B0600070205080204" pitchFamily="34" charset="-128"/>
+              </a:rPr>
+              <a:t>Normalização</a:t>
+            </a:r>
+          </a:p>
+        </p:txBody>
+      </p:sp>
+      <p:sp>
+        <p:nvSpPr>
+          <p:cNvPr id="4" name="CaixaDeTexto 3"/>
+          <p:cNvSpPr txBox="1"/>
+          <p:nvPr/>
+        </p:nvSpPr>
+        <p:spPr>
+          <a:xfrm>
+            <a:off x="0" y="4786444"/>
+            <a:ext cx="4968552" cy="307777"/>
+          </a:xfrm>
+          <a:prstGeom prst="rect">
+            <a:avLst/>
+          </a:prstGeom>
+          <a:noFill/>
+        </p:spPr>
+        <p:txBody>
+          <a:bodyPr wrap="square" rtlCol="0">
+            <a:spAutoFit/>
+          </a:bodyPr>
+          <a:lstStyle/>
+          <a:p>
+            <a:r>
+              <a:rPr lang="pt-PT" sz="1400" dirty="0">
+                <a:latin typeface="MS UI Gothic" panose="020B0600070205080204" pitchFamily="34" charset="-128"/>
+                <a:ea typeface="MS UI Gothic" panose="020B0600070205080204" pitchFamily="34" charset="-128"/>
+              </a:rPr>
+              <a:t>Carlos Pereira, João Barreira, Tiago Bouças e Tiago Duarte</a:t>
+            </a:r>
+          </a:p>
+        </p:txBody>
+      </p:sp>
+      <p:sp>
+        <p:nvSpPr>
+          <p:cNvPr id="6" name="CaixaDeTexto 5"/>
+          <p:cNvSpPr txBox="1"/>
+          <p:nvPr/>
+        </p:nvSpPr>
+        <p:spPr>
+          <a:xfrm>
+            <a:off x="5076056" y="4786443"/>
+            <a:ext cx="4248472" cy="323165"/>
+          </a:xfrm>
+          <a:prstGeom prst="rect">
+            <a:avLst/>
+          </a:prstGeom>
+          <a:noFill/>
+        </p:spPr>
+        <p:txBody>
+          <a:bodyPr wrap="square" rtlCol="0">
+            <a:spAutoFit/>
+          </a:bodyPr>
+          <a:lstStyle/>
+          <a:p>
+            <a:r>
+              <a:rPr lang="pt-PT" sz="1500" dirty="0">
+                <a:latin typeface="MS UI Gothic" panose="020B0600070205080204" pitchFamily="34" charset="-128"/>
+                <a:ea typeface="MS UI Gothic" panose="020B0600070205080204" pitchFamily="34" charset="-128"/>
+              </a:rPr>
+              <a:t>Bases de Dados – MIEI – Universidade do Minho</a:t>
+            </a:r>
+          </a:p>
+        </p:txBody>
+      </p:sp>
+      <p:pic>
+        <p:nvPicPr>
+          <p:cNvPr id="8" name="Imagem 7"/>
+          <p:cNvPicPr>
+            <a:picLocks noChangeAspect="1"/>
+          </p:cNvPicPr>
+          <p:nvPr/>
+        </p:nvPicPr>
+        <p:blipFill>
+          <a:blip r:embed="rId3" cstate="print">
+            <a:extLst>
+              <a:ext uri="{28A0092B-C50C-407E-A947-70E740481C1C}">
+                <a14:useLocalDpi xmlns:a14="http://schemas.microsoft.com/office/drawing/2010/main" val="0"/>
+              </a:ext>
+            </a:extLst>
+          </a:blip>
+          <a:stretch>
+            <a:fillRect/>
+          </a:stretch>
+        </p:blipFill>
+        <p:spPr>
+          <a:xfrm>
+            <a:off x="4753724" y="4811294"/>
+            <a:ext cx="322332" cy="332206"/>
+          </a:xfrm>
+          <a:prstGeom prst="rect">
+            <a:avLst/>
+          </a:prstGeom>
+        </p:spPr>
+      </p:pic>
+      <p:sp>
+        <p:nvSpPr>
+          <p:cNvPr id="7" name="Marcador de Posição de Conteúdo 2"/>
+          <p:cNvSpPr>
+            <a:spLocks noGrp="1"/>
+          </p:cNvSpPr>
+          <p:nvPr>
+            <p:ph idx="1"/>
+          </p:nvPr>
+        </p:nvSpPr>
+        <p:spPr>
+          <a:xfrm>
+            <a:off x="850168" y="1779662"/>
+            <a:ext cx="7543800" cy="3017520"/>
+          </a:xfrm>
+        </p:spPr>
+        <p:txBody>
+          <a:bodyPr/>
+          <a:lstStyle/>
+          <a:p>
+            <a:pPr>
+              <a:buFont typeface="Wingdings" panose="05000000000000000000" pitchFamily="2" charset="2"/>
+              <a:buChar char="Ø"/>
+            </a:pPr>
+            <a:r>
+              <a:rPr lang="pt-PT" sz="1800" dirty="0"/>
+              <a:t>Primeira forma normal (1NF)</a:t>
+            </a:r>
+          </a:p>
+          <a:p>
+            <a:pPr lvl="2">
+              <a:buFont typeface="Wingdings" panose="05000000000000000000" pitchFamily="2" charset="2"/>
+              <a:buChar char="Ø"/>
+            </a:pPr>
+            <a:r>
+              <a:rPr lang="pt-PT" sz="1400" dirty="0"/>
+              <a:t>Atomicidade dos atributos – A interseção entre cada registo e cada atributo (i. e. cada célula) deve conter um e um só valor.</a:t>
+            </a:r>
+          </a:p>
+          <a:p>
+            <a:pPr>
+              <a:buFont typeface="Wingdings" panose="05000000000000000000" pitchFamily="2" charset="2"/>
+              <a:buChar char="Ø"/>
+            </a:pPr>
+            <a:r>
+              <a:rPr lang="pt-PT" sz="1800" dirty="0"/>
+              <a:t>Segunda forma normal (2NF)</a:t>
+            </a:r>
+          </a:p>
+          <a:p>
+            <a:pPr lvl="2">
+              <a:buFont typeface="Wingdings" panose="05000000000000000000" pitchFamily="2" charset="2"/>
+              <a:buChar char="Ø"/>
+            </a:pPr>
+            <a:r>
+              <a:rPr lang="pt-PT" sz="1400" dirty="0"/>
+              <a:t>Dependências parciais	 - Cada atributo não participante na chave primária é totalmente dependente desta.</a:t>
+            </a:r>
+          </a:p>
+          <a:p>
+            <a:pPr>
+              <a:buFont typeface="Wingdings" panose="05000000000000000000" pitchFamily="2" charset="2"/>
+              <a:buChar char="Ø"/>
+            </a:pPr>
+            <a:r>
+              <a:rPr lang="pt-PT" sz="1800" dirty="0"/>
+              <a:t>Terceira forma normal (3NF)</a:t>
+            </a:r>
+          </a:p>
+          <a:p>
+            <a:pPr lvl="2">
+              <a:buFont typeface="Wingdings" panose="05000000000000000000" pitchFamily="2" charset="2"/>
+              <a:buChar char="Ø"/>
+            </a:pPr>
+            <a:r>
+              <a:rPr lang="pt-PT" sz="1400" dirty="0"/>
+              <a:t>Dependências transitivas – Todos os atributos de uma tabela devem apenas poder ser determinados pela chave primária e não por qualquer outra coluna da tabela.</a:t>
+            </a:r>
+          </a:p>
+        </p:txBody>
+      </p:sp>
+    </p:spTree>
+    <p:extLst>
+      <p:ext uri="{BB962C8B-B14F-4D97-AF65-F5344CB8AC3E}">
+        <p14:creationId xmlns:p14="http://schemas.microsoft.com/office/powerpoint/2010/main" val="981392183"/>
+      </p:ext>
+    </p:extLst>
+  </p:cSld>
+  <p:clrMapOvr>
+    <a:masterClrMapping/>
+  </p:clrMapOvr>
+</p:sld>
+</file>
+
+<file path=ppt/slides/slide9.xml><?xml version="1.0" encoding="utf-8"?>
+<p:sld xmlns:a="http://schemas.openxmlformats.org/drawingml/2006/main" xmlns:r="http://schemas.openxmlformats.org/officeDocument/2006/relationships" xmlns:p="http://schemas.openxmlformats.org/presentationml/2006/main">
+  <p:cSld>
+    <p:spTree>
+      <p:nvGrpSpPr>
+        <p:cNvPr id="1" name=""/>
+        <p:cNvGrpSpPr/>
+        <p:nvPr/>
+      </p:nvGrpSpPr>
+      <p:grpSpPr>
+        <a:xfrm>
+          <a:off x="0" y="0"/>
+          <a:ext cx="0" cy="0"/>
+          <a:chOff x="0" y="0"/>
+          <a:chExt cx="0" cy="0"/>
+        </a:xfrm>
+      </p:grpSpPr>
+      <p:sp>
+        <p:nvSpPr>
+          <p:cNvPr id="2" name="Título 1"/>
+          <p:cNvSpPr>
+            <a:spLocks noGrp="1"/>
+          </p:cNvSpPr>
+          <p:nvPr>
+            <p:ph type="title"/>
+          </p:nvPr>
+        </p:nvSpPr>
+        <p:spPr>
+          <a:xfrm>
+            <a:off x="827584" y="267494"/>
+            <a:ext cx="7704856" cy="1088068"/>
+          </a:xfrm>
+        </p:spPr>
+        <p:txBody>
+          <a:bodyPr/>
+          <a:lstStyle/>
+          <a:p>
+            <a:pPr algn="ctr"/>
+            <a:r>
+              <a:rPr lang="pt-PT" b="1" dirty="0" err="1">
+                <a:latin typeface="MS UI Gothic" panose="020B0600070205080204" pitchFamily="34" charset="-128"/>
+                <a:ea typeface="MS UI Gothic" panose="020B0600070205080204" pitchFamily="34" charset="-128"/>
+              </a:rPr>
+              <a:t>MongoDB</a:t>
+            </a:r>
+            <a:endParaRPr lang="pt-PT" b="1" dirty="0">
+              <a:latin typeface="MS UI Gothic" panose="020B0600070205080204" pitchFamily="34" charset="-128"/>
+              <a:ea typeface="MS UI Gothic" panose="020B0600070205080204" pitchFamily="34" charset="-128"/>
+            </a:endParaRPr>
+          </a:p>
+        </p:txBody>
+      </p:sp>
+      <p:sp>
+        <p:nvSpPr>
+          <p:cNvPr id="4" name="CaixaDeTexto 3"/>
+          <p:cNvSpPr txBox="1"/>
+          <p:nvPr/>
+        </p:nvSpPr>
+        <p:spPr>
+          <a:xfrm>
+            <a:off x="0" y="4786444"/>
+            <a:ext cx="4968552" cy="307777"/>
+          </a:xfrm>
+          <a:prstGeom prst="rect">
+            <a:avLst/>
+          </a:prstGeom>
+          <a:noFill/>
+        </p:spPr>
+        <p:txBody>
+          <a:bodyPr wrap="square" rtlCol="0">
+            <a:spAutoFit/>
+          </a:bodyPr>
+          <a:lstStyle/>
+          <a:p>
+            <a:r>
+              <a:rPr lang="pt-PT" sz="1400" dirty="0">
+                <a:latin typeface="MS UI Gothic" panose="020B0600070205080204" pitchFamily="34" charset="-128"/>
+                <a:ea typeface="MS UI Gothic" panose="020B0600070205080204" pitchFamily="34" charset="-128"/>
+              </a:rPr>
+              <a:t>Carlos Pereira, João Barreira, Tiago Bouças e Tiago Duarte</a:t>
+            </a:r>
+          </a:p>
+        </p:txBody>
+      </p:sp>
+      <p:sp>
+        <p:nvSpPr>
+          <p:cNvPr id="6" name="CaixaDeTexto 5"/>
+          <p:cNvSpPr txBox="1"/>
+          <p:nvPr/>
+        </p:nvSpPr>
+        <p:spPr>
+          <a:xfrm>
+            <a:off x="5076056" y="4786443"/>
+            <a:ext cx="4248472" cy="323165"/>
+          </a:xfrm>
+          <a:prstGeom prst="rect">
+            <a:avLst/>
+          </a:prstGeom>
+          <a:noFill/>
+        </p:spPr>
+        <p:txBody>
+          <a:bodyPr wrap="square" rtlCol="0">
+            <a:spAutoFit/>
+          </a:bodyPr>
+          <a:lstStyle/>
+          <a:p>
+            <a:r>
+              <a:rPr lang="pt-PT" sz="1500" dirty="0">
+                <a:latin typeface="MS UI Gothic" panose="020B0600070205080204" pitchFamily="34" charset="-128"/>
+                <a:ea typeface="MS UI Gothic" panose="020B0600070205080204" pitchFamily="34" charset="-128"/>
+              </a:rPr>
+              <a:t>Bases de Dados – MIEI – Universidade do Minho</a:t>
+            </a:r>
+          </a:p>
+        </p:txBody>
+      </p:sp>
+      <p:pic>
+        <p:nvPicPr>
+          <p:cNvPr id="8" name="Imagem 7"/>
+          <p:cNvPicPr>
+            <a:picLocks noChangeAspect="1"/>
+          </p:cNvPicPr>
+          <p:nvPr/>
+        </p:nvPicPr>
+        <p:blipFill>
+          <a:blip r:embed="rId3" cstate="print">
+            <a:extLst>
+              <a:ext uri="{28A0092B-C50C-407E-A947-70E740481C1C}">
+                <a14:useLocalDpi xmlns:a14="http://schemas.microsoft.com/office/drawing/2010/main" val="0"/>
+              </a:ext>
+            </a:extLst>
+          </a:blip>
+          <a:stretch>
+            <a:fillRect/>
+          </a:stretch>
+        </p:blipFill>
+        <p:spPr>
+          <a:xfrm>
+            <a:off x="4753724" y="4811294"/>
+            <a:ext cx="322332" cy="332206"/>
+          </a:xfrm>
+          <a:prstGeom prst="rect">
+            <a:avLst/>
+          </a:prstGeom>
+        </p:spPr>
+      </p:pic>
+      <p:sp>
+        <p:nvSpPr>
+          <p:cNvPr id="7" name="Marcador de Posição de Conteúdo 2"/>
+          <p:cNvSpPr>
+            <a:spLocks noGrp="1"/>
+          </p:cNvSpPr>
+          <p:nvPr>
+            <p:ph idx="1"/>
+          </p:nvPr>
+        </p:nvSpPr>
+        <p:spPr>
+          <a:xfrm>
+            <a:off x="850168" y="1779662"/>
+            <a:ext cx="7543800" cy="3017520"/>
+          </a:xfrm>
+        </p:spPr>
+        <p:txBody>
+          <a:bodyPr/>
+          <a:lstStyle/>
+          <a:p>
+            <a:pPr>
+              <a:buFont typeface="Wingdings" panose="05000000000000000000" pitchFamily="2" charset="2"/>
+              <a:buChar char="Ø"/>
+            </a:pPr>
+            <a:endParaRPr lang="pt-PT" dirty="0"/>
+          </a:p>
+        </p:txBody>
+      </p:sp>
+    </p:spTree>
+    <p:extLst>
+      <p:ext uri="{BB962C8B-B14F-4D97-AF65-F5344CB8AC3E}">
+        <p14:creationId xmlns:p14="http://schemas.microsoft.com/office/powerpoint/2010/main" val="1685181694"/>
+      </p:ext>
+    </p:extLst>
+  </p:cSld>
+  <p:clrMapOvr>
+    <a:masterClrMapping/>
+  </p:clrMapOvr>
 </p:sld>
 </file>
 

--- a/Slides.pptx
+++ b/Slides.pptx
@@ -5,18 +5,21 @@
     <p:sldMasterId id="2147483897" r:id="rId2"/>
   </p:sldMasterIdLst>
   <p:notesMasterIdLst>
-    <p:notesMasterId r:id="rId12"/>
+    <p:notesMasterId r:id="rId15"/>
   </p:notesMasterIdLst>
   <p:sldIdLst>
     <p:sldId id="256" r:id="rId3"/>
-    <p:sldId id="265" r:id="rId4"/>
-    <p:sldId id="270" r:id="rId5"/>
-    <p:sldId id="271" r:id="rId6"/>
-    <p:sldId id="272" r:id="rId7"/>
-    <p:sldId id="274" r:id="rId8"/>
-    <p:sldId id="273" r:id="rId9"/>
-    <p:sldId id="275" r:id="rId10"/>
-    <p:sldId id="276" r:id="rId11"/>
+    <p:sldId id="278" r:id="rId4"/>
+    <p:sldId id="265" r:id="rId5"/>
+    <p:sldId id="270" r:id="rId6"/>
+    <p:sldId id="271" r:id="rId7"/>
+    <p:sldId id="272" r:id="rId8"/>
+    <p:sldId id="274" r:id="rId9"/>
+    <p:sldId id="273" r:id="rId10"/>
+    <p:sldId id="275" r:id="rId11"/>
+    <p:sldId id="280" r:id="rId12"/>
+    <p:sldId id="281" r:id="rId13"/>
+    <p:sldId id="276" r:id="rId14"/>
   </p:sldIdLst>
   <p:sldSz cx="9144000" cy="5143500" type="screen16x9"/>
   <p:notesSz cx="6858000" cy="9144000"/>
@@ -226,7 +229,7 @@
             <a:fld id="{A8ADFD5B-A66C-449C-B6E8-FB716D07777D}" type="datetimeFigureOut">
               <a:rPr lang="pt-PT"/>
               <a:pPr/>
-              <a:t>16/01/2017</a:t>
+              <a:t>17/01/2017</a:t>
             </a:fld>
             <a:endParaRPr lang="pt-PT"/>
           </a:p>
@@ -584,6 +587,176 @@
 </p:notes>
 </file>
 
+<file path=ppt/notesSlides/notesSlide10.xml><?xml version="1.0" encoding="utf-8"?>
+<p:notes xmlns:a="http://schemas.openxmlformats.org/drawingml/2006/main" xmlns:r="http://schemas.openxmlformats.org/officeDocument/2006/relationships" xmlns:p="http://schemas.openxmlformats.org/presentationml/2006/main">
+  <p:cSld>
+    <p:spTree>
+      <p:nvGrpSpPr>
+        <p:cNvPr id="1" name=""/>
+        <p:cNvGrpSpPr/>
+        <p:nvPr/>
+      </p:nvGrpSpPr>
+      <p:grpSpPr>
+        <a:xfrm>
+          <a:off x="0" y="0"/>
+          <a:ext cx="0" cy="0"/>
+          <a:chOff x="0" y="0"/>
+          <a:chExt cx="0" cy="0"/>
+        </a:xfrm>
+      </p:grpSpPr>
+      <p:sp>
+        <p:nvSpPr>
+          <p:cNvPr id="2" name="Marcador de Posição da Imagem do Diapositivo 1"/>
+          <p:cNvSpPr>
+            <a:spLocks noGrp="1" noRot="1" noChangeAspect="1"/>
+          </p:cNvSpPr>
+          <p:nvPr>
+            <p:ph type="sldImg"/>
+          </p:nvPr>
+        </p:nvSpPr>
+        <p:spPr/>
+      </p:sp>
+      <p:sp>
+        <p:nvSpPr>
+          <p:cNvPr id="3" name="Marcador de Posição de Notas 2"/>
+          <p:cNvSpPr>
+            <a:spLocks noGrp="1"/>
+          </p:cNvSpPr>
+          <p:nvPr>
+            <p:ph type="body" idx="1"/>
+          </p:nvPr>
+        </p:nvSpPr>
+        <p:spPr/>
+        <p:txBody>
+          <a:bodyPr/>
+          <a:lstStyle/>
+          <a:p>
+            <a:endParaRPr lang="pt-PT" dirty="0"/>
+          </a:p>
+        </p:txBody>
+      </p:sp>
+      <p:sp>
+        <p:nvSpPr>
+          <p:cNvPr id="4" name="Marcador de Posição do Número do Diapositivo 3"/>
+          <p:cNvSpPr>
+            <a:spLocks noGrp="1"/>
+          </p:cNvSpPr>
+          <p:nvPr>
+            <p:ph type="sldNum" sz="quarter" idx="10"/>
+          </p:nvPr>
+        </p:nvSpPr>
+        <p:spPr/>
+        <p:txBody>
+          <a:bodyPr/>
+          <a:lstStyle/>
+          <a:p>
+            <a:fld id="{CA5D3BF3-D352-46FC-8343-31F56E6730EA}" type="slidenum">
+              <a:rPr lang="pt-PT" smtClean="0"/>
+              <a:pPr/>
+              <a:t>11</a:t>
+            </a:fld>
+            <a:endParaRPr lang="pt-PT"/>
+          </a:p>
+        </p:txBody>
+      </p:sp>
+    </p:spTree>
+    <p:extLst>
+      <p:ext uri="{BB962C8B-B14F-4D97-AF65-F5344CB8AC3E}">
+        <p14:creationId xmlns:p14="http://schemas.microsoft.com/office/powerpoint/2010/main" val="875769614"/>
+      </p:ext>
+    </p:extLst>
+  </p:cSld>
+  <p:clrMapOvr>
+    <a:masterClrMapping/>
+  </p:clrMapOvr>
+</p:notes>
+</file>
+
+<file path=ppt/notesSlides/notesSlide11.xml><?xml version="1.0" encoding="utf-8"?>
+<p:notes xmlns:a="http://schemas.openxmlformats.org/drawingml/2006/main" xmlns:r="http://schemas.openxmlformats.org/officeDocument/2006/relationships" xmlns:p="http://schemas.openxmlformats.org/presentationml/2006/main">
+  <p:cSld>
+    <p:spTree>
+      <p:nvGrpSpPr>
+        <p:cNvPr id="1" name=""/>
+        <p:cNvGrpSpPr/>
+        <p:nvPr/>
+      </p:nvGrpSpPr>
+      <p:grpSpPr>
+        <a:xfrm>
+          <a:off x="0" y="0"/>
+          <a:ext cx="0" cy="0"/>
+          <a:chOff x="0" y="0"/>
+          <a:chExt cx="0" cy="0"/>
+        </a:xfrm>
+      </p:grpSpPr>
+      <p:sp>
+        <p:nvSpPr>
+          <p:cNvPr id="2" name="Marcador de Posição da Imagem do Diapositivo 1"/>
+          <p:cNvSpPr>
+            <a:spLocks noGrp="1" noRot="1" noChangeAspect="1"/>
+          </p:cNvSpPr>
+          <p:nvPr>
+            <p:ph type="sldImg"/>
+          </p:nvPr>
+        </p:nvSpPr>
+        <p:spPr/>
+      </p:sp>
+      <p:sp>
+        <p:nvSpPr>
+          <p:cNvPr id="3" name="Marcador de Posição de Notas 2"/>
+          <p:cNvSpPr>
+            <a:spLocks noGrp="1"/>
+          </p:cNvSpPr>
+          <p:nvPr>
+            <p:ph type="body" idx="1"/>
+          </p:nvPr>
+        </p:nvSpPr>
+        <p:spPr/>
+        <p:txBody>
+          <a:bodyPr/>
+          <a:lstStyle/>
+          <a:p>
+            <a:endParaRPr lang="pt-PT" dirty="0"/>
+          </a:p>
+        </p:txBody>
+      </p:sp>
+      <p:sp>
+        <p:nvSpPr>
+          <p:cNvPr id="4" name="Marcador de Posição do Número do Diapositivo 3"/>
+          <p:cNvSpPr>
+            <a:spLocks noGrp="1"/>
+          </p:cNvSpPr>
+          <p:nvPr>
+            <p:ph type="sldNum" sz="quarter" idx="10"/>
+          </p:nvPr>
+        </p:nvSpPr>
+        <p:spPr/>
+        <p:txBody>
+          <a:bodyPr/>
+          <a:lstStyle/>
+          <a:p>
+            <a:fld id="{CA5D3BF3-D352-46FC-8343-31F56E6730EA}" type="slidenum">
+              <a:rPr lang="pt-PT" smtClean="0"/>
+              <a:pPr/>
+              <a:t>12</a:t>
+            </a:fld>
+            <a:endParaRPr lang="pt-PT"/>
+          </a:p>
+        </p:txBody>
+      </p:sp>
+    </p:spTree>
+    <p:extLst>
+      <p:ext uri="{BB962C8B-B14F-4D97-AF65-F5344CB8AC3E}">
+        <p14:creationId xmlns:p14="http://schemas.microsoft.com/office/powerpoint/2010/main" val="423311255"/>
+      </p:ext>
+    </p:extLst>
+  </p:cSld>
+  <p:clrMapOvr>
+    <a:masterClrMapping/>
+  </p:clrMapOvr>
+</p:notes>
+</file>
+
 <file path=ppt/notesSlides/notesSlide2.xml><?xml version="1.0" encoding="utf-8"?>
 <p:notes xmlns:a="http://schemas.openxmlformats.org/drawingml/2006/main" xmlns:r="http://schemas.openxmlformats.org/officeDocument/2006/relationships" xmlns:p="http://schemas.openxmlformats.org/presentationml/2006/main">
   <p:cSld>
@@ -650,7 +823,7 @@
             <a:fld id="{CA5D3BF3-D352-46FC-8343-31F56E6730EA}" type="slidenum">
               <a:rPr lang="pt-PT" smtClean="0"/>
               <a:pPr/>
-              <a:t>2</a:t>
+              <a:t>3</a:t>
             </a:fld>
             <a:endParaRPr lang="pt-PT"/>
           </a:p>
@@ -735,7 +908,7 @@
             <a:fld id="{CA5D3BF3-D352-46FC-8343-31F56E6730EA}" type="slidenum">
               <a:rPr lang="pt-PT" smtClean="0"/>
               <a:pPr/>
-              <a:t>3</a:t>
+              <a:t>4</a:t>
             </a:fld>
             <a:endParaRPr lang="pt-PT"/>
           </a:p>
@@ -820,7 +993,7 @@
             <a:fld id="{CA5D3BF3-D352-46FC-8343-31F56E6730EA}" type="slidenum">
               <a:rPr lang="pt-PT" smtClean="0"/>
               <a:pPr/>
-              <a:t>4</a:t>
+              <a:t>5</a:t>
             </a:fld>
             <a:endParaRPr lang="pt-PT"/>
           </a:p>
@@ -905,7 +1078,7 @@
             <a:fld id="{CA5D3BF3-D352-46FC-8343-31F56E6730EA}" type="slidenum">
               <a:rPr lang="pt-PT" smtClean="0"/>
               <a:pPr/>
-              <a:t>5</a:t>
+              <a:t>6</a:t>
             </a:fld>
             <a:endParaRPr lang="pt-PT"/>
           </a:p>
@@ -990,7 +1163,7 @@
             <a:fld id="{CA5D3BF3-D352-46FC-8343-31F56E6730EA}" type="slidenum">
               <a:rPr lang="pt-PT" smtClean="0"/>
               <a:pPr/>
-              <a:t>6</a:t>
+              <a:t>7</a:t>
             </a:fld>
             <a:endParaRPr lang="pt-PT"/>
           </a:p>
@@ -1075,7 +1248,7 @@
             <a:fld id="{CA5D3BF3-D352-46FC-8343-31F56E6730EA}" type="slidenum">
               <a:rPr lang="pt-PT" smtClean="0"/>
               <a:pPr/>
-              <a:t>7</a:t>
+              <a:t>8</a:t>
             </a:fld>
             <a:endParaRPr lang="pt-PT"/>
           </a:p>
@@ -1160,7 +1333,7 @@
             <a:fld id="{CA5D3BF3-D352-46FC-8343-31F56E6730EA}" type="slidenum">
               <a:rPr lang="pt-PT" smtClean="0"/>
               <a:pPr/>
-              <a:t>8</a:t>
+              <a:t>9</a:t>
             </a:fld>
             <a:endParaRPr lang="pt-PT"/>
           </a:p>
@@ -1245,7 +1418,7 @@
             <a:fld id="{CA5D3BF3-D352-46FC-8343-31F56E6730EA}" type="slidenum">
               <a:rPr lang="pt-PT" smtClean="0"/>
               <a:pPr/>
-              <a:t>9</a:t>
+              <a:t>10</a:t>
             </a:fld>
             <a:endParaRPr lang="pt-PT"/>
           </a:p>
@@ -1254,7 +1427,7 @@
     </p:spTree>
     <p:extLst>
       <p:ext uri="{BB962C8B-B14F-4D97-AF65-F5344CB8AC3E}">
-        <p14:creationId xmlns:p14="http://schemas.microsoft.com/office/powerpoint/2010/main" val="423311255"/>
+        <p14:creationId xmlns:p14="http://schemas.microsoft.com/office/powerpoint/2010/main" val="271530531"/>
       </p:ext>
     </p:extLst>
   </p:cSld>
@@ -1491,7 +1664,7 @@
             <a:fld id="{E4606EA6-EFEA-4C30-9264-4F9291A5780D}" type="datetime1">
               <a:rPr lang="pt-PT" smtClean="0"/>
               <a:pPr/>
-              <a:t>16/01/2017</a:t>
+              <a:t>17/01/2017</a:t>
             </a:fld>
             <a:endParaRPr kumimoji="0" lang="pt-PT" sz="1400">
               <a:solidFill>
@@ -1719,7 +1892,7 @@
             <a:fld id="{E4606EA6-EFEA-4C30-9264-4F9291A5780D}" type="datetime1">
               <a:rPr lang="pt-PT" smtClean="0"/>
               <a:pPr/>
-              <a:t>16/01/2017</a:t>
+              <a:t>17/01/2017</a:t>
             </a:fld>
             <a:endParaRPr kumimoji="0" lang="pt-PT" sz="1400">
               <a:solidFill>
@@ -1995,7 +2168,7 @@
             <a:fld id="{E4606EA6-EFEA-4C30-9264-4F9291A5780D}" type="datetime1">
               <a:rPr lang="pt-PT" smtClean="0"/>
               <a:pPr/>
-              <a:t>16/01/2017</a:t>
+              <a:t>17/01/2017</a:t>
             </a:fld>
             <a:endParaRPr kumimoji="0" lang="pt-PT" sz="1400">
               <a:solidFill>
@@ -2189,7 +2362,7 @@
             <a:fld id="{E4606EA6-EFEA-4C30-9264-4F9291A5780D}" type="datetime1">
               <a:rPr lang="pt-PT" smtClean="0"/>
               <a:pPr/>
-              <a:t>16/01/2017</a:t>
+              <a:t>17/01/2017</a:t>
             </a:fld>
             <a:endParaRPr kumimoji="0" lang="pt-PT" sz="1400">
               <a:solidFill>
@@ -2544,7 +2717,7 @@
             <a:fld id="{6FCF9F07-3BC7-4570-B054-79111B0A380C}" type="datetime1">
               <a:rPr lang="pt-PT" smtClean="0"/>
               <a:pPr/>
-              <a:t>16/01/2017</a:t>
+              <a:t>17/01/2017</a:t>
             </a:fld>
             <a:endParaRPr kumimoji="0" lang="pt-PT"/>
           </a:p>
@@ -2830,7 +3003,7 @@
             <a:fld id="{E4606EA6-EFEA-4C30-9264-4F9291A5780D}" type="datetime1">
               <a:rPr lang="pt-PT" smtClean="0"/>
               <a:pPr/>
-              <a:t>16/01/2017</a:t>
+              <a:t>17/01/2017</a:t>
             </a:fld>
             <a:endParaRPr kumimoji="0" lang="pt-PT"/>
           </a:p>
@@ -3216,7 +3389,7 @@
             <a:fld id="{E4606EA6-EFEA-4C30-9264-4F9291A5780D}" type="datetime1">
               <a:rPr lang="pt-PT" smtClean="0"/>
               <a:pPr/>
-              <a:t>16/01/2017</a:t>
+              <a:t>17/01/2017</a:t>
             </a:fld>
             <a:endParaRPr kumimoji="0" lang="pt-PT"/>
           </a:p>
@@ -3341,7 +3514,7 @@
             <a:fld id="{E4606EA6-EFEA-4C30-9264-4F9291A5780D}" type="datetime1">
               <a:rPr lang="pt-PT" smtClean="0"/>
               <a:pPr/>
-              <a:t>16/01/2017</a:t>
+              <a:t>17/01/2017</a:t>
             </a:fld>
             <a:endParaRPr kumimoji="0" lang="pt-PT" sz="1400">
               <a:solidFill>
@@ -3532,7 +3705,7 @@
             <a:fld id="{E4606EA6-EFEA-4C30-9264-4F9291A5780D}" type="datetime1">
               <a:rPr lang="pt-PT" smtClean="0"/>
               <a:pPr/>
-              <a:t>16/01/2017</a:t>
+              <a:t>17/01/2017</a:t>
             </a:fld>
             <a:endParaRPr kumimoji="0" lang="pt-PT" sz="1400">
               <a:solidFill>
@@ -3906,7 +4079,7 @@
             <a:fld id="{F49A8198-4617-485E-9585-4840B69DBBA6}" type="datetime1">
               <a:rPr lang="pt-PT" smtClean="0"/>
               <a:pPr/>
-              <a:t>16/01/2017</a:t>
+              <a:t>17/01/2017</a:t>
             </a:fld>
             <a:endParaRPr kumimoji="0" lang="pt-PT"/>
           </a:p>
@@ -4298,7 +4471,7 @@
             <a:fld id="{E4606EA6-EFEA-4C30-9264-4F9291A5780D}" type="datetime1">
               <a:rPr lang="pt-PT" smtClean="0"/>
               <a:pPr/>
-              <a:t>16/01/2017</a:t>
+              <a:t>17/01/2017</a:t>
             </a:fld>
             <a:endParaRPr kumimoji="0" lang="pt-PT"/>
           </a:p>
@@ -4597,7 +4770,7 @@
             <a:fld id="{E4606EA6-EFEA-4C30-9264-4F9291A5780D}" type="datetime1">
               <a:rPr lang="pt-PT" smtClean="0"/>
               <a:pPr/>
-              <a:t>16/01/2017</a:t>
+              <a:t>17/01/2017</a:t>
             </a:fld>
             <a:endParaRPr kumimoji="0" lang="pt-PT" sz="1400">
               <a:solidFill>
@@ -5168,7 +5341,7 @@
                 <a:ea typeface="MS UI Gothic" panose="020B0600070205080204" pitchFamily="34" charset="-128"/>
                 <a:cs typeface="Arial Unicode MS" panose="020B0604020202020204" pitchFamily="34" charset="-128"/>
               </a:rPr>
-              <a:t>SISTEMA DE RESERVAS DE VIAGENS EM COMBOIOS</a:t>
+              <a:t>RESERVAS DE VIAGENS EM COMBOIOS</a:t>
             </a:r>
             <a:endParaRPr lang="pt-PT" dirty="0">
               <a:latin typeface="MS UI Gothic" panose="020B0600070205080204" pitchFamily="34" charset="-128"/>
@@ -5252,6 +5425,1010 @@
         </p:spPr>
       </p:pic>
     </p:spTree>
+  </p:cSld>
+  <p:clrMapOvr>
+    <a:masterClrMapping/>
+  </p:clrMapOvr>
+</p:sld>
+</file>
+
+<file path=ppt/slides/slide10.xml><?xml version="1.0" encoding="utf-8"?>
+<p:sld xmlns:a="http://schemas.openxmlformats.org/drawingml/2006/main" xmlns:r="http://schemas.openxmlformats.org/officeDocument/2006/relationships" xmlns:p="http://schemas.openxmlformats.org/presentationml/2006/main">
+  <p:cSld>
+    <p:spTree>
+      <p:nvGrpSpPr>
+        <p:cNvPr id="1" name=""/>
+        <p:cNvGrpSpPr/>
+        <p:nvPr/>
+      </p:nvGrpSpPr>
+      <p:grpSpPr>
+        <a:xfrm>
+          <a:off x="0" y="0"/>
+          <a:ext cx="0" cy="0"/>
+          <a:chOff x="0" y="0"/>
+          <a:chExt cx="0" cy="0"/>
+        </a:xfrm>
+      </p:grpSpPr>
+      <p:sp>
+        <p:nvSpPr>
+          <p:cNvPr id="2" name="Título 1"/>
+          <p:cNvSpPr>
+            <a:spLocks noGrp="1"/>
+          </p:cNvSpPr>
+          <p:nvPr>
+            <p:ph type="title"/>
+          </p:nvPr>
+        </p:nvSpPr>
+        <p:spPr>
+          <a:xfrm>
+            <a:off x="827584" y="267494"/>
+            <a:ext cx="7704856" cy="1088068"/>
+          </a:xfrm>
+        </p:spPr>
+        <p:txBody>
+          <a:bodyPr/>
+          <a:lstStyle/>
+          <a:p>
+            <a:pPr algn="ctr"/>
+            <a:r>
+              <a:rPr lang="pt-PT" b="1" dirty="0">
+                <a:latin typeface="MS UI Gothic" panose="020B0600070205080204" pitchFamily="34" charset="-128"/>
+                <a:ea typeface="MS UI Gothic" panose="020B0600070205080204" pitchFamily="34" charset="-128"/>
+              </a:rPr>
+              <a:t>Construção do Modelo Físico</a:t>
+            </a:r>
+            <a:endParaRPr lang="pt-PT" b="1" dirty="0">
+              <a:latin typeface="MS UI Gothic" panose="020B0600070205080204" pitchFamily="34" charset="-128"/>
+              <a:ea typeface="MS UI Gothic" panose="020B0600070205080204" pitchFamily="34" charset="-128"/>
+            </a:endParaRPr>
+          </a:p>
+        </p:txBody>
+      </p:sp>
+      <p:sp>
+        <p:nvSpPr>
+          <p:cNvPr id="4" name="CaixaDeTexto 3"/>
+          <p:cNvSpPr txBox="1"/>
+          <p:nvPr/>
+        </p:nvSpPr>
+        <p:spPr>
+          <a:xfrm>
+            <a:off x="0" y="4786444"/>
+            <a:ext cx="4968552" cy="307777"/>
+          </a:xfrm>
+          <a:prstGeom prst="rect">
+            <a:avLst/>
+          </a:prstGeom>
+          <a:noFill/>
+        </p:spPr>
+        <p:txBody>
+          <a:bodyPr wrap="square" rtlCol="0">
+            <a:spAutoFit/>
+          </a:bodyPr>
+          <a:lstStyle/>
+          <a:p>
+            <a:r>
+              <a:rPr lang="pt-PT" sz="1400" dirty="0">
+                <a:latin typeface="MS UI Gothic" panose="020B0600070205080204" pitchFamily="34" charset="-128"/>
+                <a:ea typeface="MS UI Gothic" panose="020B0600070205080204" pitchFamily="34" charset="-128"/>
+              </a:rPr>
+              <a:t>Carlos Pereira, João Barreira, Tiago Bouças e Tiago Duarte</a:t>
+            </a:r>
+          </a:p>
+        </p:txBody>
+      </p:sp>
+      <p:sp>
+        <p:nvSpPr>
+          <p:cNvPr id="6" name="CaixaDeTexto 5"/>
+          <p:cNvSpPr txBox="1"/>
+          <p:nvPr/>
+        </p:nvSpPr>
+        <p:spPr>
+          <a:xfrm>
+            <a:off x="5076056" y="4786443"/>
+            <a:ext cx="4248472" cy="323165"/>
+          </a:xfrm>
+          <a:prstGeom prst="rect">
+            <a:avLst/>
+          </a:prstGeom>
+          <a:noFill/>
+        </p:spPr>
+        <p:txBody>
+          <a:bodyPr wrap="square" rtlCol="0">
+            <a:spAutoFit/>
+          </a:bodyPr>
+          <a:lstStyle/>
+          <a:p>
+            <a:r>
+              <a:rPr lang="pt-PT" sz="1500" dirty="0">
+                <a:latin typeface="MS UI Gothic" panose="020B0600070205080204" pitchFamily="34" charset="-128"/>
+                <a:ea typeface="MS UI Gothic" panose="020B0600070205080204" pitchFamily="34" charset="-128"/>
+              </a:rPr>
+              <a:t>Bases de Dados – MIEI – Universidade do Minho</a:t>
+            </a:r>
+          </a:p>
+        </p:txBody>
+      </p:sp>
+      <p:pic>
+        <p:nvPicPr>
+          <p:cNvPr id="8" name="Imagem 7"/>
+          <p:cNvPicPr>
+            <a:picLocks noChangeAspect="1"/>
+          </p:cNvPicPr>
+          <p:nvPr/>
+        </p:nvPicPr>
+        <p:blipFill>
+          <a:blip r:embed="rId3" cstate="print">
+            <a:extLst>
+              <a:ext uri="{28A0092B-C50C-407E-A947-70E740481C1C}">
+                <a14:useLocalDpi xmlns:a14="http://schemas.microsoft.com/office/drawing/2010/main" val="0"/>
+              </a:ext>
+            </a:extLst>
+          </a:blip>
+          <a:stretch>
+            <a:fillRect/>
+          </a:stretch>
+        </p:blipFill>
+        <p:spPr>
+          <a:xfrm>
+            <a:off x="4753724" y="4811294"/>
+            <a:ext cx="322332" cy="332206"/>
+          </a:xfrm>
+          <a:prstGeom prst="rect">
+            <a:avLst/>
+          </a:prstGeom>
+        </p:spPr>
+      </p:pic>
+      <p:sp>
+        <p:nvSpPr>
+          <p:cNvPr id="9" name="Marcador de Posição de Conteúdo 2"/>
+          <p:cNvSpPr txBox="1">
+            <a:spLocks/>
+          </p:cNvSpPr>
+          <p:nvPr/>
+        </p:nvSpPr>
+        <p:spPr>
+          <a:xfrm>
+            <a:off x="822960" y="1779662"/>
+            <a:ext cx="7543800" cy="3017520"/>
+          </a:xfrm>
+          <a:prstGeom prst="rect">
+            <a:avLst/>
+          </a:prstGeom>
+        </p:spPr>
+        <p:txBody>
+          <a:bodyPr vert="horz" lIns="0" tIns="45720" rIns="0" bIns="45720" rtlCol="0">
+            <a:normAutofit/>
+          </a:bodyPr>
+          <a:lstStyle>
+            <a:lvl1pPr marL="68580" indent="-68580" algn="l" defTabSz="685800" rtl="0" eaLnBrk="1" latinLnBrk="0" hangingPunct="1">
+              <a:lnSpc>
+                <a:spcPct val="90000"/>
+              </a:lnSpc>
+              <a:spcBef>
+                <a:spcPts val="900"/>
+              </a:spcBef>
+              <a:spcAft>
+                <a:spcPts val="150"/>
+              </a:spcAft>
+              <a:buClr>
+                <a:schemeClr val="accent1"/>
+              </a:buClr>
+              <a:buSzPct val="100000"/>
+              <a:buFont typeface="Calibri" panose="020F0502020204030204" pitchFamily="34" charset="0"/>
+              <a:buChar char=" "/>
+              <a:defRPr sz="1500" kern="1200">
+                <a:solidFill>
+                  <a:schemeClr val="tx1">
+                    <a:lumMod val="75000"/>
+                    <a:lumOff val="25000"/>
+                  </a:schemeClr>
+                </a:solidFill>
+                <a:latin typeface="+mn-lt"/>
+                <a:ea typeface="+mn-ea"/>
+                <a:cs typeface="+mn-cs"/>
+              </a:defRPr>
+            </a:lvl1pPr>
+            <a:lvl2pPr marL="288036" indent="-137160" algn="l" defTabSz="685800" rtl="0" eaLnBrk="1" latinLnBrk="0" hangingPunct="1">
+              <a:lnSpc>
+                <a:spcPct val="90000"/>
+              </a:lnSpc>
+              <a:spcBef>
+                <a:spcPts val="150"/>
+              </a:spcBef>
+              <a:spcAft>
+                <a:spcPts val="300"/>
+              </a:spcAft>
+              <a:buClr>
+                <a:schemeClr val="accent1"/>
+              </a:buClr>
+              <a:buFont typeface="Calibri" pitchFamily="34" charset="0"/>
+              <a:buChar char="◦"/>
+              <a:defRPr sz="1350" kern="1200">
+                <a:solidFill>
+                  <a:schemeClr val="tx1">
+                    <a:lumMod val="75000"/>
+                    <a:lumOff val="25000"/>
+                  </a:schemeClr>
+                </a:solidFill>
+                <a:latin typeface="+mn-lt"/>
+                <a:ea typeface="+mn-ea"/>
+                <a:cs typeface="+mn-cs"/>
+              </a:defRPr>
+            </a:lvl2pPr>
+            <a:lvl3pPr marL="425196" indent="-137160" algn="l" defTabSz="685800" rtl="0" eaLnBrk="1" latinLnBrk="0" hangingPunct="1">
+              <a:lnSpc>
+                <a:spcPct val="90000"/>
+              </a:lnSpc>
+              <a:spcBef>
+                <a:spcPts val="150"/>
+              </a:spcBef>
+              <a:spcAft>
+                <a:spcPts val="300"/>
+              </a:spcAft>
+              <a:buClr>
+                <a:schemeClr val="accent1"/>
+              </a:buClr>
+              <a:buFont typeface="Calibri" pitchFamily="34" charset="0"/>
+              <a:buChar char="◦"/>
+              <a:defRPr sz="1050" kern="1200">
+                <a:solidFill>
+                  <a:schemeClr val="tx1">
+                    <a:lumMod val="75000"/>
+                    <a:lumOff val="25000"/>
+                  </a:schemeClr>
+                </a:solidFill>
+                <a:latin typeface="+mn-lt"/>
+                <a:ea typeface="+mn-ea"/>
+                <a:cs typeface="+mn-cs"/>
+              </a:defRPr>
+            </a:lvl3pPr>
+            <a:lvl4pPr marL="562356" indent="-137160" algn="l" defTabSz="685800" rtl="0" eaLnBrk="1" latinLnBrk="0" hangingPunct="1">
+              <a:lnSpc>
+                <a:spcPct val="90000"/>
+              </a:lnSpc>
+              <a:spcBef>
+                <a:spcPts val="150"/>
+              </a:spcBef>
+              <a:spcAft>
+                <a:spcPts val="300"/>
+              </a:spcAft>
+              <a:buClr>
+                <a:schemeClr val="accent1"/>
+              </a:buClr>
+              <a:buFont typeface="Calibri" pitchFamily="34" charset="0"/>
+              <a:buChar char="◦"/>
+              <a:defRPr sz="1050" kern="1200">
+                <a:solidFill>
+                  <a:schemeClr val="tx1">
+                    <a:lumMod val="75000"/>
+                    <a:lumOff val="25000"/>
+                  </a:schemeClr>
+                </a:solidFill>
+                <a:latin typeface="+mn-lt"/>
+                <a:ea typeface="+mn-ea"/>
+                <a:cs typeface="+mn-cs"/>
+              </a:defRPr>
+            </a:lvl4pPr>
+            <a:lvl5pPr marL="699516" indent="-137160" algn="l" defTabSz="685800" rtl="0" eaLnBrk="1" latinLnBrk="0" hangingPunct="1">
+              <a:lnSpc>
+                <a:spcPct val="90000"/>
+              </a:lnSpc>
+              <a:spcBef>
+                <a:spcPts val="150"/>
+              </a:spcBef>
+              <a:spcAft>
+                <a:spcPts val="300"/>
+              </a:spcAft>
+              <a:buClr>
+                <a:schemeClr val="accent1"/>
+              </a:buClr>
+              <a:buFont typeface="Calibri" pitchFamily="34" charset="0"/>
+              <a:buChar char="◦"/>
+              <a:defRPr sz="1050" kern="1200">
+                <a:solidFill>
+                  <a:schemeClr val="tx1">
+                    <a:lumMod val="75000"/>
+                    <a:lumOff val="25000"/>
+                  </a:schemeClr>
+                </a:solidFill>
+                <a:latin typeface="+mn-lt"/>
+                <a:ea typeface="+mn-ea"/>
+                <a:cs typeface="+mn-cs"/>
+              </a:defRPr>
+            </a:lvl5pPr>
+            <a:lvl6pPr marL="825000" indent="-171450" algn="l" defTabSz="685800" rtl="0" eaLnBrk="1" latinLnBrk="0" hangingPunct="1">
+              <a:lnSpc>
+                <a:spcPct val="90000"/>
+              </a:lnSpc>
+              <a:spcBef>
+                <a:spcPts val="150"/>
+              </a:spcBef>
+              <a:spcAft>
+                <a:spcPts val="300"/>
+              </a:spcAft>
+              <a:buClr>
+                <a:schemeClr val="accent1"/>
+              </a:buClr>
+              <a:buFont typeface="Calibri" pitchFamily="34" charset="0"/>
+              <a:buChar char="◦"/>
+              <a:defRPr sz="1050" kern="1200">
+                <a:solidFill>
+                  <a:schemeClr val="tx1">
+                    <a:lumMod val="75000"/>
+                    <a:lumOff val="25000"/>
+                  </a:schemeClr>
+                </a:solidFill>
+                <a:latin typeface="+mn-lt"/>
+                <a:ea typeface="+mn-ea"/>
+                <a:cs typeface="+mn-cs"/>
+              </a:defRPr>
+            </a:lvl6pPr>
+            <a:lvl7pPr marL="975000" indent="-171450" algn="l" defTabSz="685800" rtl="0" eaLnBrk="1" latinLnBrk="0" hangingPunct="1">
+              <a:lnSpc>
+                <a:spcPct val="90000"/>
+              </a:lnSpc>
+              <a:spcBef>
+                <a:spcPts val="150"/>
+              </a:spcBef>
+              <a:spcAft>
+                <a:spcPts val="300"/>
+              </a:spcAft>
+              <a:buClr>
+                <a:schemeClr val="accent1"/>
+              </a:buClr>
+              <a:buFont typeface="Calibri" pitchFamily="34" charset="0"/>
+              <a:buChar char="◦"/>
+              <a:defRPr sz="1050" kern="1200">
+                <a:solidFill>
+                  <a:schemeClr val="tx1">
+                    <a:lumMod val="75000"/>
+                    <a:lumOff val="25000"/>
+                  </a:schemeClr>
+                </a:solidFill>
+                <a:latin typeface="+mn-lt"/>
+                <a:ea typeface="+mn-ea"/>
+                <a:cs typeface="+mn-cs"/>
+              </a:defRPr>
+            </a:lvl7pPr>
+            <a:lvl8pPr marL="1125000" indent="-171450" algn="l" defTabSz="685800" rtl="0" eaLnBrk="1" latinLnBrk="0" hangingPunct="1">
+              <a:lnSpc>
+                <a:spcPct val="90000"/>
+              </a:lnSpc>
+              <a:spcBef>
+                <a:spcPts val="150"/>
+              </a:spcBef>
+              <a:spcAft>
+                <a:spcPts val="300"/>
+              </a:spcAft>
+              <a:buClr>
+                <a:schemeClr val="accent1"/>
+              </a:buClr>
+              <a:buFont typeface="Calibri" pitchFamily="34" charset="0"/>
+              <a:buChar char="◦"/>
+              <a:defRPr sz="1050" kern="1200">
+                <a:solidFill>
+                  <a:schemeClr val="tx1">
+                    <a:lumMod val="75000"/>
+                    <a:lumOff val="25000"/>
+                  </a:schemeClr>
+                </a:solidFill>
+                <a:latin typeface="+mn-lt"/>
+                <a:ea typeface="+mn-ea"/>
+                <a:cs typeface="+mn-cs"/>
+              </a:defRPr>
+            </a:lvl8pPr>
+            <a:lvl9pPr marL="1275000" indent="-171450" algn="l" defTabSz="685800" rtl="0" eaLnBrk="1" latinLnBrk="0" hangingPunct="1">
+              <a:lnSpc>
+                <a:spcPct val="90000"/>
+              </a:lnSpc>
+              <a:spcBef>
+                <a:spcPts val="150"/>
+              </a:spcBef>
+              <a:spcAft>
+                <a:spcPts val="300"/>
+              </a:spcAft>
+              <a:buClr>
+                <a:schemeClr val="accent1"/>
+              </a:buClr>
+              <a:buFont typeface="Calibri" pitchFamily="34" charset="0"/>
+              <a:buChar char="◦"/>
+              <a:defRPr sz="1050" kern="1200">
+                <a:solidFill>
+                  <a:schemeClr val="tx1">
+                    <a:lumMod val="75000"/>
+                    <a:lumOff val="25000"/>
+                  </a:schemeClr>
+                </a:solidFill>
+                <a:latin typeface="+mn-lt"/>
+                <a:ea typeface="+mn-ea"/>
+                <a:cs typeface="+mn-cs"/>
+              </a:defRPr>
+            </a:lvl9pPr>
+          </a:lstStyle>
+          <a:p>
+            <a:pPr>
+              <a:buFont typeface="Wingdings" panose="05000000000000000000" pitchFamily="2" charset="2"/>
+              <a:buChar char="Ø"/>
+            </a:pPr>
+            <a:r>
+              <a:rPr lang="pt-PT"/>
+              <a:t>Relações</a:t>
+            </a:r>
+          </a:p>
+          <a:p>
+            <a:pPr>
+              <a:buFont typeface="Wingdings" panose="05000000000000000000" pitchFamily="2" charset="2"/>
+              <a:buChar char="Ø"/>
+            </a:pPr>
+            <a:r>
+              <a:rPr lang="pt-PT"/>
+              <a:t>Representação dos atributos derivados</a:t>
+            </a:r>
+          </a:p>
+          <a:p>
+            <a:pPr>
+              <a:buFont typeface="Wingdings" panose="05000000000000000000" pitchFamily="2" charset="2"/>
+              <a:buChar char="Ø"/>
+            </a:pPr>
+            <a:r>
+              <a:rPr lang="pt-PT"/>
+              <a:t>Restrições gerais</a:t>
+            </a:r>
+          </a:p>
+          <a:p>
+            <a:pPr>
+              <a:buFont typeface="Wingdings" panose="05000000000000000000" pitchFamily="2" charset="2"/>
+              <a:buChar char="Ø"/>
+            </a:pPr>
+            <a:r>
+              <a:rPr lang="pt-PT"/>
+              <a:t>Análise de transações gerais</a:t>
+            </a:r>
+          </a:p>
+          <a:p>
+            <a:pPr>
+              <a:buFont typeface="Wingdings" panose="05000000000000000000" pitchFamily="2" charset="2"/>
+              <a:buChar char="Ø"/>
+            </a:pPr>
+            <a:r>
+              <a:rPr lang="pt-PT"/>
+              <a:t>Escolha dos índices</a:t>
+            </a:r>
+          </a:p>
+          <a:p>
+            <a:pPr>
+              <a:buFont typeface="Wingdings" panose="05000000000000000000" pitchFamily="2" charset="2"/>
+              <a:buChar char="Ø"/>
+            </a:pPr>
+            <a:r>
+              <a:rPr lang="pt-PT"/>
+              <a:t>Vistas</a:t>
+            </a:r>
+          </a:p>
+          <a:p>
+            <a:pPr>
+              <a:buFont typeface="Wingdings" panose="05000000000000000000" pitchFamily="2" charset="2"/>
+              <a:buChar char="Ø"/>
+            </a:pPr>
+            <a:endParaRPr lang="pt-PT" dirty="0"/>
+          </a:p>
+        </p:txBody>
+      </p:sp>
+      <p:pic>
+        <p:nvPicPr>
+          <p:cNvPr id="10" name="Picture 2" descr="v_cli"/>
+          <p:cNvPicPr>
+            <a:picLocks noChangeAspect="1" noChangeArrowheads="1"/>
+          </p:cNvPicPr>
+          <p:nvPr/>
+        </p:nvPicPr>
+        <p:blipFill>
+          <a:blip r:embed="rId4">
+            <a:extLst>
+              <a:ext uri="{28A0092B-C50C-407E-A947-70E740481C1C}">
+                <a14:useLocalDpi xmlns:a14="http://schemas.microsoft.com/office/drawing/2010/main" val="0"/>
+              </a:ext>
+            </a:extLst>
+          </a:blip>
+          <a:srcRect/>
+          <a:stretch>
+            <a:fillRect/>
+          </a:stretch>
+        </p:blipFill>
+        <p:spPr bwMode="auto">
+          <a:xfrm>
+            <a:off x="4932040" y="1491630"/>
+            <a:ext cx="3314700" cy="1028700"/>
+          </a:xfrm>
+          <a:prstGeom prst="rect">
+            <a:avLst/>
+          </a:prstGeom>
+          <a:noFill/>
+          <a:ln>
+            <a:noFill/>
+          </a:ln>
+          <a:extLst>
+            <a:ext uri="{909E8E84-426E-40DD-AFC4-6F175D3DCCD1}">
+              <a14:hiddenFill xmlns:a14="http://schemas.microsoft.com/office/drawing/2010/main">
+                <a:solidFill>
+                  <a:srgbClr val="FFFFFF"/>
+                </a:solidFill>
+              </a14:hiddenFill>
+            </a:ext>
+            <a:ext uri="{91240B29-F687-4F45-9708-019B960494DF}">
+              <a14:hiddenLine xmlns:a14="http://schemas.microsoft.com/office/drawing/2010/main" w="9525">
+                <a:solidFill>
+                  <a:srgbClr val="000000"/>
+                </a:solidFill>
+                <a:miter lim="800000"/>
+                <a:headEnd/>
+                <a:tailEnd/>
+              </a14:hiddenLine>
+            </a:ext>
+          </a:extLst>
+        </p:spPr>
+      </p:pic>
+      <p:pic>
+        <p:nvPicPr>
+          <p:cNvPr id="11" name="Picture 3" descr="lug_Ocupados"/>
+          <p:cNvPicPr>
+            <a:picLocks noChangeAspect="1" noChangeArrowheads="1"/>
+          </p:cNvPicPr>
+          <p:nvPr/>
+        </p:nvPicPr>
+        <p:blipFill>
+          <a:blip r:embed="rId5">
+            <a:extLst>
+              <a:ext uri="{28A0092B-C50C-407E-A947-70E740481C1C}">
+                <a14:useLocalDpi xmlns:a14="http://schemas.microsoft.com/office/drawing/2010/main" val="0"/>
+              </a:ext>
+            </a:extLst>
+          </a:blip>
+          <a:srcRect/>
+          <a:stretch>
+            <a:fillRect/>
+          </a:stretch>
+        </p:blipFill>
+        <p:spPr bwMode="auto">
+          <a:xfrm>
+            <a:off x="3707904" y="2925331"/>
+            <a:ext cx="3886200" cy="1466850"/>
+          </a:xfrm>
+          <a:prstGeom prst="rect">
+            <a:avLst/>
+          </a:prstGeom>
+          <a:noFill/>
+          <a:ln>
+            <a:noFill/>
+          </a:ln>
+          <a:extLst>
+            <a:ext uri="{909E8E84-426E-40DD-AFC4-6F175D3DCCD1}">
+              <a14:hiddenFill xmlns:a14="http://schemas.microsoft.com/office/drawing/2010/main">
+                <a:solidFill>
+                  <a:srgbClr val="FFFFFF"/>
+                </a:solidFill>
+              </a14:hiddenFill>
+            </a:ext>
+            <a:ext uri="{91240B29-F687-4F45-9708-019B960494DF}">
+              <a14:hiddenLine xmlns:a14="http://schemas.microsoft.com/office/drawing/2010/main" w="9525">
+                <a:solidFill>
+                  <a:srgbClr val="000000"/>
+                </a:solidFill>
+                <a:miter lim="800000"/>
+                <a:headEnd/>
+                <a:tailEnd/>
+              </a14:hiddenLine>
+            </a:ext>
+          </a:extLst>
+        </p:spPr>
+      </p:pic>
+    </p:spTree>
+    <p:extLst>
+      <p:ext uri="{BB962C8B-B14F-4D97-AF65-F5344CB8AC3E}">
+        <p14:creationId xmlns:p14="http://schemas.microsoft.com/office/powerpoint/2010/main" val="3712138822"/>
+      </p:ext>
+    </p:extLst>
+  </p:cSld>
+  <p:clrMapOvr>
+    <a:masterClrMapping/>
+  </p:clrMapOvr>
+</p:sld>
+</file>
+
+<file path=ppt/slides/slide11.xml><?xml version="1.0" encoding="utf-8"?>
+<p:sld xmlns:a="http://schemas.openxmlformats.org/drawingml/2006/main" xmlns:r="http://schemas.openxmlformats.org/officeDocument/2006/relationships" xmlns:p="http://schemas.openxmlformats.org/presentationml/2006/main">
+  <p:cSld>
+    <p:spTree>
+      <p:nvGrpSpPr>
+        <p:cNvPr id="1" name=""/>
+        <p:cNvGrpSpPr/>
+        <p:nvPr/>
+      </p:nvGrpSpPr>
+      <p:grpSpPr>
+        <a:xfrm>
+          <a:off x="0" y="0"/>
+          <a:ext cx="0" cy="0"/>
+          <a:chOff x="0" y="0"/>
+          <a:chExt cx="0" cy="0"/>
+        </a:xfrm>
+      </p:grpSpPr>
+      <p:sp>
+        <p:nvSpPr>
+          <p:cNvPr id="2" name="Título 1"/>
+          <p:cNvSpPr>
+            <a:spLocks noGrp="1"/>
+          </p:cNvSpPr>
+          <p:nvPr>
+            <p:ph type="title"/>
+          </p:nvPr>
+        </p:nvSpPr>
+        <p:spPr>
+          <a:xfrm>
+            <a:off x="827584" y="267494"/>
+            <a:ext cx="7704856" cy="1088068"/>
+          </a:xfrm>
+        </p:spPr>
+        <p:txBody>
+          <a:bodyPr/>
+          <a:lstStyle/>
+          <a:p>
+            <a:pPr algn="ctr"/>
+            <a:r>
+              <a:rPr lang="pt-PT" b="1" dirty="0">
+                <a:latin typeface="MS UI Gothic" panose="020B0600070205080204" pitchFamily="34" charset="-128"/>
+                <a:ea typeface="MS UI Gothic" panose="020B0600070205080204" pitchFamily="34" charset="-128"/>
+              </a:rPr>
+              <a:t>Transação – Adicionar Bilhete</a:t>
+            </a:r>
+          </a:p>
+        </p:txBody>
+      </p:sp>
+      <p:sp>
+        <p:nvSpPr>
+          <p:cNvPr id="4" name="CaixaDeTexto 3"/>
+          <p:cNvSpPr txBox="1"/>
+          <p:nvPr/>
+        </p:nvSpPr>
+        <p:spPr>
+          <a:xfrm>
+            <a:off x="0" y="4786444"/>
+            <a:ext cx="4968552" cy="307777"/>
+          </a:xfrm>
+          <a:prstGeom prst="rect">
+            <a:avLst/>
+          </a:prstGeom>
+          <a:noFill/>
+        </p:spPr>
+        <p:txBody>
+          <a:bodyPr wrap="square" rtlCol="0">
+            <a:spAutoFit/>
+          </a:bodyPr>
+          <a:lstStyle/>
+          <a:p>
+            <a:r>
+              <a:rPr lang="pt-PT" sz="1400" dirty="0">
+                <a:latin typeface="MS UI Gothic" panose="020B0600070205080204" pitchFamily="34" charset="-128"/>
+                <a:ea typeface="MS UI Gothic" panose="020B0600070205080204" pitchFamily="34" charset="-128"/>
+              </a:rPr>
+              <a:t>Carlos Pereira, João Barreira, Tiago Bouças e Tiago Duarte</a:t>
+            </a:r>
+          </a:p>
+        </p:txBody>
+      </p:sp>
+      <p:sp>
+        <p:nvSpPr>
+          <p:cNvPr id="6" name="CaixaDeTexto 5"/>
+          <p:cNvSpPr txBox="1"/>
+          <p:nvPr/>
+        </p:nvSpPr>
+        <p:spPr>
+          <a:xfrm>
+            <a:off x="5076056" y="4786443"/>
+            <a:ext cx="4248472" cy="323165"/>
+          </a:xfrm>
+          <a:prstGeom prst="rect">
+            <a:avLst/>
+          </a:prstGeom>
+          <a:noFill/>
+        </p:spPr>
+        <p:txBody>
+          <a:bodyPr wrap="square" rtlCol="0">
+            <a:spAutoFit/>
+          </a:bodyPr>
+          <a:lstStyle/>
+          <a:p>
+            <a:r>
+              <a:rPr lang="pt-PT" sz="1500" dirty="0">
+                <a:latin typeface="MS UI Gothic" panose="020B0600070205080204" pitchFamily="34" charset="-128"/>
+                <a:ea typeface="MS UI Gothic" panose="020B0600070205080204" pitchFamily="34" charset="-128"/>
+              </a:rPr>
+              <a:t>Bases de Dados – MIEI – Universidade do Minho</a:t>
+            </a:r>
+          </a:p>
+        </p:txBody>
+      </p:sp>
+      <p:pic>
+        <p:nvPicPr>
+          <p:cNvPr id="8" name="Imagem 7"/>
+          <p:cNvPicPr>
+            <a:picLocks noChangeAspect="1"/>
+          </p:cNvPicPr>
+          <p:nvPr/>
+        </p:nvPicPr>
+        <p:blipFill>
+          <a:blip r:embed="rId3" cstate="print">
+            <a:extLst>
+              <a:ext uri="{28A0092B-C50C-407E-A947-70E740481C1C}">
+                <a14:useLocalDpi xmlns:a14="http://schemas.microsoft.com/office/drawing/2010/main" val="0"/>
+              </a:ext>
+            </a:extLst>
+          </a:blip>
+          <a:stretch>
+            <a:fillRect/>
+          </a:stretch>
+        </p:blipFill>
+        <p:spPr>
+          <a:xfrm>
+            <a:off x="4753724" y="4811294"/>
+            <a:ext cx="322332" cy="332206"/>
+          </a:xfrm>
+          <a:prstGeom prst="rect">
+            <a:avLst/>
+          </a:prstGeom>
+        </p:spPr>
+      </p:pic>
+      <p:pic>
+        <p:nvPicPr>
+          <p:cNvPr id="12" name="Marcador de Posição de Conteúdo 3"/>
+          <p:cNvPicPr>
+            <a:picLocks noGrp="1" noChangeAspect="1"/>
+          </p:cNvPicPr>
+          <p:nvPr>
+            <p:ph idx="1"/>
+          </p:nvPr>
+        </p:nvPicPr>
+        <p:blipFill>
+          <a:blip r:embed="rId4">
+            <a:extLst>
+              <a:ext uri="{28A0092B-C50C-407E-A947-70E740481C1C}">
+                <a14:useLocalDpi xmlns:a14="http://schemas.microsoft.com/office/drawing/2010/main" val="0"/>
+              </a:ext>
+            </a:extLst>
+          </a:blip>
+          <a:stretch>
+            <a:fillRect/>
+          </a:stretch>
+        </p:blipFill>
+        <p:spPr>
+          <a:xfrm>
+            <a:off x="323528" y="1603002"/>
+            <a:ext cx="4113698" cy="3017838"/>
+          </a:xfrm>
+        </p:spPr>
+      </p:pic>
+      <p:pic>
+        <p:nvPicPr>
+          <p:cNvPr id="13" name="Imagem 12"/>
+          <p:cNvPicPr>
+            <a:picLocks noChangeAspect="1"/>
+          </p:cNvPicPr>
+          <p:nvPr/>
+        </p:nvPicPr>
+        <p:blipFill>
+          <a:blip r:embed="rId5">
+            <a:extLst>
+              <a:ext uri="{28A0092B-C50C-407E-A947-70E740481C1C}">
+                <a14:useLocalDpi xmlns:a14="http://schemas.microsoft.com/office/drawing/2010/main" val="0"/>
+              </a:ext>
+            </a:extLst>
+          </a:blip>
+          <a:stretch>
+            <a:fillRect/>
+          </a:stretch>
+        </p:blipFill>
+        <p:spPr>
+          <a:xfrm>
+            <a:off x="4666191" y="1603002"/>
+            <a:ext cx="4145749" cy="3134162"/>
+          </a:xfrm>
+          <a:prstGeom prst="rect">
+            <a:avLst/>
+          </a:prstGeom>
+        </p:spPr>
+      </p:pic>
+    </p:spTree>
+    <p:extLst>
+      <p:ext uri="{BB962C8B-B14F-4D97-AF65-F5344CB8AC3E}">
+        <p14:creationId xmlns:p14="http://schemas.microsoft.com/office/powerpoint/2010/main" val="4043336539"/>
+      </p:ext>
+    </p:extLst>
+  </p:cSld>
+  <p:clrMapOvr>
+    <a:masterClrMapping/>
+  </p:clrMapOvr>
+</p:sld>
+</file>
+
+<file path=ppt/slides/slide12.xml><?xml version="1.0" encoding="utf-8"?>
+<p:sld xmlns:a="http://schemas.openxmlformats.org/drawingml/2006/main" xmlns:r="http://schemas.openxmlformats.org/officeDocument/2006/relationships" xmlns:p="http://schemas.openxmlformats.org/presentationml/2006/main">
+  <p:cSld>
+    <p:spTree>
+      <p:nvGrpSpPr>
+        <p:cNvPr id="1" name=""/>
+        <p:cNvGrpSpPr/>
+        <p:nvPr/>
+      </p:nvGrpSpPr>
+      <p:grpSpPr>
+        <a:xfrm>
+          <a:off x="0" y="0"/>
+          <a:ext cx="0" cy="0"/>
+          <a:chOff x="0" y="0"/>
+          <a:chExt cx="0" cy="0"/>
+        </a:xfrm>
+      </p:grpSpPr>
+      <p:sp>
+        <p:nvSpPr>
+          <p:cNvPr id="2" name="Título 1"/>
+          <p:cNvSpPr>
+            <a:spLocks noGrp="1"/>
+          </p:cNvSpPr>
+          <p:nvPr>
+            <p:ph type="title"/>
+          </p:nvPr>
+        </p:nvSpPr>
+        <p:spPr>
+          <a:xfrm>
+            <a:off x="827584" y="267494"/>
+            <a:ext cx="7704856" cy="1088068"/>
+          </a:xfrm>
+        </p:spPr>
+        <p:txBody>
+          <a:bodyPr/>
+          <a:lstStyle/>
+          <a:p>
+            <a:pPr algn="ctr"/>
+            <a:r>
+              <a:rPr lang="pt-PT" b="1" dirty="0" err="1">
+                <a:latin typeface="MS UI Gothic" panose="020B0600070205080204" pitchFamily="34" charset="-128"/>
+                <a:ea typeface="MS UI Gothic" panose="020B0600070205080204" pitchFamily="34" charset="-128"/>
+              </a:rPr>
+              <a:t>MongoDB</a:t>
+            </a:r>
+            <a:endParaRPr lang="pt-PT" b="1" dirty="0">
+              <a:latin typeface="MS UI Gothic" panose="020B0600070205080204" pitchFamily="34" charset="-128"/>
+              <a:ea typeface="MS UI Gothic" panose="020B0600070205080204" pitchFamily="34" charset="-128"/>
+            </a:endParaRPr>
+          </a:p>
+        </p:txBody>
+      </p:sp>
+      <p:sp>
+        <p:nvSpPr>
+          <p:cNvPr id="4" name="CaixaDeTexto 3"/>
+          <p:cNvSpPr txBox="1"/>
+          <p:nvPr/>
+        </p:nvSpPr>
+        <p:spPr>
+          <a:xfrm>
+            <a:off x="0" y="4786444"/>
+            <a:ext cx="4968552" cy="307777"/>
+          </a:xfrm>
+          <a:prstGeom prst="rect">
+            <a:avLst/>
+          </a:prstGeom>
+          <a:noFill/>
+        </p:spPr>
+        <p:txBody>
+          <a:bodyPr wrap="square" rtlCol="0">
+            <a:spAutoFit/>
+          </a:bodyPr>
+          <a:lstStyle/>
+          <a:p>
+            <a:r>
+              <a:rPr lang="pt-PT" sz="1400" dirty="0">
+                <a:latin typeface="MS UI Gothic" panose="020B0600070205080204" pitchFamily="34" charset="-128"/>
+                <a:ea typeface="MS UI Gothic" panose="020B0600070205080204" pitchFamily="34" charset="-128"/>
+              </a:rPr>
+              <a:t>Carlos Pereira, João Barreira, Tiago Bouças e Tiago Duarte</a:t>
+            </a:r>
+          </a:p>
+        </p:txBody>
+      </p:sp>
+      <p:sp>
+        <p:nvSpPr>
+          <p:cNvPr id="6" name="CaixaDeTexto 5"/>
+          <p:cNvSpPr txBox="1"/>
+          <p:nvPr/>
+        </p:nvSpPr>
+        <p:spPr>
+          <a:xfrm>
+            <a:off x="5076056" y="4786443"/>
+            <a:ext cx="4248472" cy="323165"/>
+          </a:xfrm>
+          <a:prstGeom prst="rect">
+            <a:avLst/>
+          </a:prstGeom>
+          <a:noFill/>
+        </p:spPr>
+        <p:txBody>
+          <a:bodyPr wrap="square" rtlCol="0">
+            <a:spAutoFit/>
+          </a:bodyPr>
+          <a:lstStyle/>
+          <a:p>
+            <a:r>
+              <a:rPr lang="pt-PT" sz="1500" dirty="0">
+                <a:latin typeface="MS UI Gothic" panose="020B0600070205080204" pitchFamily="34" charset="-128"/>
+                <a:ea typeface="MS UI Gothic" panose="020B0600070205080204" pitchFamily="34" charset="-128"/>
+              </a:rPr>
+              <a:t>Bases de Dados – MIEI – Universidade do Minho</a:t>
+            </a:r>
+          </a:p>
+        </p:txBody>
+      </p:sp>
+      <p:pic>
+        <p:nvPicPr>
+          <p:cNvPr id="8" name="Imagem 7"/>
+          <p:cNvPicPr>
+            <a:picLocks noChangeAspect="1"/>
+          </p:cNvPicPr>
+          <p:nvPr/>
+        </p:nvPicPr>
+        <p:blipFill>
+          <a:blip r:embed="rId3" cstate="print">
+            <a:extLst>
+              <a:ext uri="{28A0092B-C50C-407E-A947-70E740481C1C}">
+                <a14:useLocalDpi xmlns:a14="http://schemas.microsoft.com/office/drawing/2010/main" val="0"/>
+              </a:ext>
+            </a:extLst>
+          </a:blip>
+          <a:stretch>
+            <a:fillRect/>
+          </a:stretch>
+        </p:blipFill>
+        <p:spPr>
+          <a:xfrm>
+            <a:off x="4753724" y="4811294"/>
+            <a:ext cx="322332" cy="332206"/>
+          </a:xfrm>
+          <a:prstGeom prst="rect">
+            <a:avLst/>
+          </a:prstGeom>
+        </p:spPr>
+      </p:pic>
+      <p:sp>
+        <p:nvSpPr>
+          <p:cNvPr id="7" name="Marcador de Posição de Conteúdo 2"/>
+          <p:cNvSpPr>
+            <a:spLocks noGrp="1"/>
+          </p:cNvSpPr>
+          <p:nvPr>
+            <p:ph idx="1"/>
+          </p:nvPr>
+        </p:nvSpPr>
+        <p:spPr>
+          <a:xfrm>
+            <a:off x="850168" y="1779662"/>
+            <a:ext cx="7543800" cy="3017520"/>
+          </a:xfrm>
+        </p:spPr>
+        <p:txBody>
+          <a:bodyPr/>
+          <a:lstStyle/>
+          <a:p>
+            <a:pPr>
+              <a:buFont typeface="Wingdings" panose="05000000000000000000" pitchFamily="2" charset="2"/>
+              <a:buChar char="Ø"/>
+            </a:pPr>
+            <a:endParaRPr lang="pt-PT" dirty="0"/>
+          </a:p>
+        </p:txBody>
+      </p:sp>
+    </p:spTree>
+    <p:extLst>
+      <p:ext uri="{BB962C8B-B14F-4D97-AF65-F5344CB8AC3E}">
+        <p14:creationId xmlns:p14="http://schemas.microsoft.com/office/powerpoint/2010/main" val="1685181694"/>
+      </p:ext>
+    </p:extLst>
   </p:cSld>
   <p:clrMapOvr>
     <a:masterClrMapping/>
@@ -5286,176 +6463,142 @@
             <p:ph type="title"/>
           </p:nvPr>
         </p:nvSpPr>
-        <p:spPr>
-          <a:xfrm>
-            <a:off x="827584" y="267494"/>
-            <a:ext cx="7704856" cy="1088068"/>
-          </a:xfrm>
-        </p:spPr>
+        <p:spPr/>
         <p:txBody>
           <a:bodyPr/>
           <a:lstStyle/>
           <a:p>
-            <a:pPr algn="ctr"/>
             <a:r>
               <a:rPr lang="pt-PT" b="1" dirty="0">
                 <a:latin typeface="MS UI Gothic" panose="020B0600070205080204" pitchFamily="34" charset="-128"/>
                 <a:ea typeface="MS UI Gothic" panose="020B0600070205080204" pitchFamily="34" charset="-128"/>
               </a:rPr>
-              <a:t>Caso de estudo</a:t>
-            </a:r>
-          </a:p>
-        </p:txBody>
-      </p:sp>
-      <p:sp>
-        <p:nvSpPr>
-          <p:cNvPr id="4" name="CaixaDeTexto 3"/>
-          <p:cNvSpPr txBox="1"/>
-          <p:nvPr/>
-        </p:nvSpPr>
-        <p:spPr>
-          <a:xfrm>
-            <a:off x="0" y="4786444"/>
-            <a:ext cx="4968552" cy="307777"/>
-          </a:xfrm>
-          <a:prstGeom prst="rect">
-            <a:avLst/>
-          </a:prstGeom>
-          <a:noFill/>
-        </p:spPr>
-        <p:txBody>
-          <a:bodyPr wrap="square" rtlCol="0">
-            <a:spAutoFit/>
-          </a:bodyPr>
-          <a:lstStyle/>
-          <a:p>
-            <a:r>
-              <a:rPr lang="pt-PT" sz="1400" dirty="0">
-                <a:latin typeface="MS UI Gothic" panose="020B0600070205080204" pitchFamily="34" charset="-128"/>
-                <a:ea typeface="MS UI Gothic" panose="020B0600070205080204" pitchFamily="34" charset="-128"/>
-              </a:rPr>
-              <a:t>Carlos Pereira, João Barreira, Tiago Bouças e Tiago Duarte</a:t>
-            </a:r>
-          </a:p>
-        </p:txBody>
-      </p:sp>
-      <p:sp>
-        <p:nvSpPr>
-          <p:cNvPr id="6" name="CaixaDeTexto 5"/>
-          <p:cNvSpPr txBox="1"/>
-          <p:nvPr/>
-        </p:nvSpPr>
-        <p:spPr>
-          <a:xfrm>
-            <a:off x="5076056" y="4786443"/>
-            <a:ext cx="4248472" cy="323165"/>
-          </a:xfrm>
-          <a:prstGeom prst="rect">
-            <a:avLst/>
-          </a:prstGeom>
-          <a:noFill/>
-        </p:spPr>
-        <p:txBody>
-          <a:bodyPr wrap="square" rtlCol="0">
-            <a:spAutoFit/>
-          </a:bodyPr>
-          <a:lstStyle/>
-          <a:p>
-            <a:r>
-              <a:rPr lang="pt-PT" sz="1500" dirty="0">
-                <a:latin typeface="MS UI Gothic" panose="020B0600070205080204" pitchFamily="34" charset="-128"/>
-                <a:ea typeface="MS UI Gothic" panose="020B0600070205080204" pitchFamily="34" charset="-128"/>
-              </a:rPr>
-              <a:t>Bases de Dados – MIEI – Universidade do Minho</a:t>
-            </a:r>
-          </a:p>
-        </p:txBody>
-      </p:sp>
-      <p:pic>
-        <p:nvPicPr>
-          <p:cNvPr id="8" name="Imagem 7"/>
-          <p:cNvPicPr>
-            <a:picLocks noChangeAspect="1"/>
-          </p:cNvPicPr>
-          <p:nvPr/>
-        </p:nvPicPr>
-        <p:blipFill>
-          <a:blip r:embed="rId3" cstate="print">
-            <a:extLst>
-              <a:ext uri="{28A0092B-C50C-407E-A947-70E740481C1C}">
-                <a14:useLocalDpi xmlns:a14="http://schemas.microsoft.com/office/drawing/2010/main" val="0"/>
-              </a:ext>
-            </a:extLst>
-          </a:blip>
-          <a:stretch>
-            <a:fillRect/>
-          </a:stretch>
-        </p:blipFill>
-        <p:spPr>
-          <a:xfrm>
-            <a:off x="4753724" y="4811294"/>
-            <a:ext cx="322332" cy="332206"/>
-          </a:xfrm>
-          <a:prstGeom prst="rect">
-            <a:avLst/>
-          </a:prstGeom>
-        </p:spPr>
-      </p:pic>
-      <p:sp>
-        <p:nvSpPr>
-          <p:cNvPr id="3" name="CaixaDeTexto 2"/>
-          <p:cNvSpPr txBox="1"/>
-          <p:nvPr/>
-        </p:nvSpPr>
-        <p:spPr>
-          <a:xfrm>
-            <a:off x="230790" y="1419622"/>
-            <a:ext cx="8737387" cy="2631490"/>
-          </a:xfrm>
-          <a:prstGeom prst="rect">
-            <a:avLst/>
-          </a:prstGeom>
-          <a:noFill/>
-        </p:spPr>
-        <p:txBody>
-          <a:bodyPr wrap="square" rtlCol="0">
-            <a:spAutoFit/>
-          </a:bodyPr>
-          <a:lstStyle/>
-          <a:p>
-            <a:pPr algn="just"/>
-            <a:r>
-              <a:rPr lang="pt-PT" sz="1500" dirty="0"/>
-              <a:t>	A administração da companhia de comboios X decidiu implementar um sistema de base de dados para gerir reservas.</a:t>
-            </a:r>
-          </a:p>
-          <a:p>
-            <a:pPr algn="just"/>
-            <a:r>
-              <a:rPr lang="pt-PT" sz="1500" dirty="0"/>
-              <a:t>	A empresa organiza viagens nacionais e internacionais, onde cada viagem tem uma capacidade máxima de passageiros, dependente do comboio onde vai ser realizada, e uma duração conforme a sua origem e destino.</a:t>
-            </a:r>
-          </a:p>
-          <a:p>
-            <a:pPr algn="just"/>
-            <a:r>
-              <a:rPr lang="pt-PT" sz="1500" dirty="0"/>
-              <a:t>	Para poder viajar, o passageiro deve adquirir um bilhete. Os bilhetes estão divididos em diferentes classes, conforme a faixa etária do passageiro: Júnior Estudante, Sénior ou Normal. Mediante a classe existem diferentes descontos.</a:t>
-            </a:r>
-          </a:p>
-          <a:p>
-            <a:pPr algn="just"/>
-            <a:r>
-              <a:rPr lang="pt-PT" sz="1500" dirty="0"/>
-              <a:t>	Para efetuar uma reserva, o cliente deve efetuar um registo, deixando o seu nome e o seu e-mail para eventual contacto, caso já não o tenha anteriormente. Para fins estatísticos, deverá ser guardada a data em que cada reserva foi efetuada.</a:t>
-            </a:r>
+              <a:t>Estrutura da Apresentação</a:t>
+            </a:r>
+            <a:endParaRPr lang="pt-PT" dirty="0"/>
+          </a:p>
+        </p:txBody>
+      </p:sp>
+      <p:sp>
+        <p:nvSpPr>
+          <p:cNvPr id="3" name="Marcador de Posição de Conteúdo 2"/>
+          <p:cNvSpPr>
+            <a:spLocks noGrp="1"/>
+          </p:cNvSpPr>
+          <p:nvPr>
+            <p:ph idx="1"/>
+          </p:nvPr>
+        </p:nvSpPr>
+        <p:spPr>
+          <a:xfrm>
+            <a:off x="822960" y="1635646"/>
+            <a:ext cx="7543800" cy="3017520"/>
+          </a:xfrm>
+        </p:spPr>
+        <p:txBody>
+          <a:bodyPr/>
+          <a:lstStyle/>
+          <a:p>
+            <a:pPr>
+              <a:buFont typeface="Wingdings" panose="05000000000000000000" pitchFamily="2" charset="2"/>
+              <a:buChar char="Ø"/>
+            </a:pPr>
+            <a:r>
+              <a:rPr lang="pt-PT" dirty="0"/>
+              <a:t>Apresentação do caso de estudo</a:t>
+            </a:r>
+          </a:p>
+          <a:p>
+            <a:pPr>
+              <a:buFont typeface="Wingdings" panose="05000000000000000000" pitchFamily="2" charset="2"/>
+              <a:buChar char="Ø"/>
+            </a:pPr>
+            <a:r>
+              <a:rPr lang="pt-PT" dirty="0"/>
+              <a:t>Requisitos</a:t>
+            </a:r>
+          </a:p>
+          <a:p>
+            <a:pPr>
+              <a:buFont typeface="Wingdings" panose="05000000000000000000" pitchFamily="2" charset="2"/>
+              <a:buChar char="Ø"/>
+            </a:pPr>
+            <a:r>
+              <a:rPr lang="pt-PT" dirty="0"/>
+              <a:t>Modelo Conceptual</a:t>
+            </a:r>
+          </a:p>
+          <a:p>
+            <a:pPr>
+              <a:buFont typeface="Wingdings" panose="05000000000000000000" pitchFamily="2" charset="2"/>
+              <a:buChar char="Ø"/>
+            </a:pPr>
+            <a:r>
+              <a:rPr lang="pt-PT" dirty="0"/>
+              <a:t>Modelo Lógico</a:t>
+            </a:r>
+          </a:p>
+          <a:p>
+            <a:pPr lvl="1">
+              <a:buFont typeface="Wingdings" panose="05000000000000000000" pitchFamily="2" charset="2"/>
+              <a:buChar char="Ø"/>
+            </a:pPr>
+            <a:r>
+              <a:rPr lang="pt-PT" dirty="0"/>
+              <a:t>Normalização</a:t>
+            </a:r>
+          </a:p>
+          <a:p>
+            <a:pPr>
+              <a:buFont typeface="Wingdings" panose="05000000000000000000" pitchFamily="2" charset="2"/>
+              <a:buChar char="Ø"/>
+            </a:pPr>
+            <a:r>
+              <a:rPr lang="pt-PT" dirty="0"/>
+              <a:t>Modelo Físico</a:t>
+            </a:r>
+          </a:p>
+          <a:p>
+            <a:pPr>
+              <a:buFont typeface="Wingdings" panose="05000000000000000000" pitchFamily="2" charset="2"/>
+              <a:buChar char="Ø"/>
+            </a:pPr>
+            <a:r>
+              <a:rPr lang="pt-PT" dirty="0" err="1"/>
+              <a:t>MongoDB</a:t>
+            </a:r>
+            <a:r>
+              <a:rPr lang="pt-PT" dirty="0"/>
+              <a:t> (TP2)</a:t>
+            </a:r>
+          </a:p>
+          <a:p>
+            <a:pPr>
+              <a:buFont typeface="Wingdings" panose="05000000000000000000" pitchFamily="2" charset="2"/>
+              <a:buChar char="Ø"/>
+            </a:pPr>
+            <a:endParaRPr lang="pt-PT" dirty="0"/>
+          </a:p>
+          <a:p>
+            <a:pPr>
+              <a:buFont typeface="Wingdings" panose="05000000000000000000" pitchFamily="2" charset="2"/>
+              <a:buChar char="Ø"/>
+            </a:pPr>
+            <a:endParaRPr lang="pt-PT" dirty="0"/>
+          </a:p>
+          <a:p>
+            <a:pPr>
+              <a:buFont typeface="Wingdings" panose="05000000000000000000" pitchFamily="2" charset="2"/>
+              <a:buChar char="Ø"/>
+            </a:pPr>
+            <a:endParaRPr lang="pt-PT" dirty="0"/>
           </a:p>
         </p:txBody>
       </p:sp>
     </p:spTree>
     <p:extLst>
       <p:ext uri="{BB962C8B-B14F-4D97-AF65-F5344CB8AC3E}">
-        <p14:creationId xmlns:p14="http://schemas.microsoft.com/office/powerpoint/2010/main" val="1886588512"/>
+        <p14:creationId xmlns:p14="http://schemas.microsoft.com/office/powerpoint/2010/main" val="362446010"/>
       </p:ext>
     </p:extLst>
   </p:cSld>
@@ -5508,7 +6651,7 @@
                 <a:latin typeface="MS UI Gothic" panose="020B0600070205080204" pitchFamily="34" charset="-128"/>
                 <a:ea typeface="MS UI Gothic" panose="020B0600070205080204" pitchFamily="34" charset="-128"/>
               </a:rPr>
-              <a:t>Requisitos</a:t>
+              <a:t>Caso de estudo</a:t>
             </a:r>
           </a:p>
         </p:txBody>
@@ -5609,122 +6752,59 @@
       </p:pic>
       <p:sp>
         <p:nvSpPr>
-          <p:cNvPr id="7" name="Marcador de Posição de Conteúdo 4"/>
-          <p:cNvSpPr>
-            <a:spLocks noGrp="1"/>
-          </p:cNvSpPr>
-          <p:nvPr>
-            <p:ph idx="1"/>
-          </p:nvPr>
-        </p:nvSpPr>
-        <p:spPr>
-          <a:xfrm>
-            <a:off x="822960" y="1384301"/>
-            <a:ext cx="7543800" cy="3017520"/>
-          </a:xfrm>
-        </p:spPr>
-        <p:txBody>
-          <a:bodyPr>
-            <a:normAutofit/>
+          <p:cNvPr id="3" name="CaixaDeTexto 2"/>
+          <p:cNvSpPr txBox="1"/>
+          <p:nvPr/>
+        </p:nvSpPr>
+        <p:spPr>
+          <a:xfrm>
+            <a:off x="230790" y="1419622"/>
+            <a:ext cx="8737387" cy="2631490"/>
+          </a:xfrm>
+          <a:prstGeom prst="rect">
+            <a:avLst/>
+          </a:prstGeom>
+          <a:noFill/>
+        </p:spPr>
+        <p:txBody>
+          <a:bodyPr wrap="square" rtlCol="0">
+            <a:spAutoFit/>
           </a:bodyPr>
           <a:lstStyle/>
           <a:p>
-            <a:pPr>
-              <a:buFont typeface="Wingdings" panose="05000000000000000000" pitchFamily="2" charset="2"/>
-              <a:buChar char="Ø"/>
-            </a:pPr>
-            <a:r>
-              <a:rPr lang="pt-PT" dirty="0"/>
-              <a:t>A base de dados deve permitir registar clientes, necessitando para isso do nome e email.</a:t>
-            </a:r>
-          </a:p>
-          <a:p>
-            <a:pPr>
-              <a:buFont typeface="Wingdings" panose="05000000000000000000" pitchFamily="2" charset="2"/>
-              <a:buChar char="Ø"/>
-            </a:pPr>
-            <a:r>
-              <a:rPr lang="pt-PT" dirty="0"/>
-              <a:t>Cada comboio tem um determinado número de lugares, que limitam o número de reservas de uma viagem.</a:t>
-            </a:r>
-          </a:p>
-          <a:p>
-            <a:pPr>
-              <a:buFont typeface="Wingdings" panose="05000000000000000000" pitchFamily="2" charset="2"/>
-              <a:buChar char="Ø"/>
-            </a:pPr>
-            <a:r>
-              <a:rPr lang="pt-PT" dirty="0"/>
-              <a:t>Devem ser aceites diferentes classes, dependendo do estatuto e idade, variando o preço dos bilhetes.</a:t>
-            </a:r>
-          </a:p>
-          <a:p>
-            <a:pPr>
-              <a:buFont typeface="Wingdings" panose="05000000000000000000" pitchFamily="2" charset="2"/>
-              <a:buChar char="Ø"/>
-            </a:pPr>
-            <a:r>
-              <a:rPr lang="pt-PT" dirty="0"/>
-              <a:t> Deve ser informado ao cliente os lugares livres, permitindo ao cliente escolher um lugar livre.</a:t>
-            </a:r>
-          </a:p>
-          <a:p>
-            <a:pPr>
-              <a:buFont typeface="Wingdings" panose="05000000000000000000" pitchFamily="2" charset="2"/>
-              <a:buChar char="Ø"/>
-            </a:pPr>
-            <a:r>
-              <a:rPr lang="pt-PT" dirty="0"/>
-              <a:t>Cada viagem tem associada uma estação de partida, de chegada, uma duração e um comboio.</a:t>
-            </a:r>
-          </a:p>
-          <a:p>
-            <a:pPr>
-              <a:buFont typeface="Wingdings" panose="05000000000000000000" pitchFamily="2" charset="2"/>
-              <a:buChar char="Ø"/>
-            </a:pPr>
-            <a:r>
-              <a:rPr lang="pt-PT" dirty="0"/>
-              <a:t>As reservas podem ter vários bilhetes associados.</a:t>
-            </a:r>
-          </a:p>
-          <a:p>
-            <a:pPr>
-              <a:buFont typeface="Wingdings" panose="05000000000000000000" pitchFamily="2" charset="2"/>
-              <a:buChar char="Ø"/>
-            </a:pPr>
-            <a:r>
-              <a:rPr lang="pt-PT" dirty="0"/>
-              <a:t>O bilhete deve ter associada a classe, a reserva, bem como informações sobre a viagem.     </a:t>
-            </a:r>
-          </a:p>
-          <a:p>
-            <a:pPr>
-              <a:buFont typeface="Wingdings" panose="05000000000000000000" pitchFamily="2" charset="2"/>
-              <a:buChar char="Ø"/>
-            </a:pPr>
-            <a:endParaRPr lang="pt-PT" dirty="0"/>
-          </a:p>
-          <a:p>
-            <a:pPr>
-              <a:buFont typeface="Wingdings" panose="05000000000000000000" pitchFamily="2" charset="2"/>
-              <a:buChar char="Ø"/>
-            </a:pPr>
-            <a:endParaRPr lang="pt-PT" dirty="0"/>
-          </a:p>
-          <a:p>
-            <a:pPr>
-              <a:buFont typeface="Wingdings" panose="05000000000000000000" pitchFamily="2" charset="2"/>
-              <a:buChar char="Ø"/>
-            </a:pPr>
-            <a:endParaRPr lang="pt-PT" dirty="0"/>
+            <a:pPr algn="just"/>
+            <a:r>
+              <a:rPr lang="pt-PT" sz="1500" dirty="0"/>
+              <a:t>	A administração da companhia de comboios X decidiu implementar um sistema de base de dados para gerir reservas.</a:t>
+            </a:r>
+          </a:p>
+          <a:p>
+            <a:pPr algn="just"/>
+            <a:r>
+              <a:rPr lang="pt-PT" sz="1500" dirty="0"/>
+              <a:t>	A empresa organiza viagens nacionais e internacionais, onde cada viagem tem uma capacidade máxima de passageiros, dependente do comboio onde vai ser realizada, e uma duração conforme a sua origem e destino.</a:t>
+            </a:r>
+          </a:p>
+          <a:p>
+            <a:pPr algn="just"/>
+            <a:r>
+              <a:rPr lang="pt-PT" sz="1500" dirty="0"/>
+              <a:t>	Para poder viajar, o passageiro deve adquirir um bilhete. Os bilhetes estão divididos em diferentes classes, conforme a faixa etária do passageiro: Júnior Estudante, Sénior ou Normal. Mediante a classe existem diferentes descontos.</a:t>
+            </a:r>
+          </a:p>
+          <a:p>
+            <a:pPr algn="just"/>
+            <a:r>
+              <a:rPr lang="pt-PT" sz="1500" dirty="0"/>
+              <a:t>	Para efetuar uma reserva, o cliente deve efetuar um registo, deixando o seu nome e o seu e-mail para eventual contacto, caso já não o tenha anteriormente. Para fins estatísticos, deverá ser guardada a data em que cada reserva foi efetuada.</a:t>
+            </a:r>
           </a:p>
         </p:txBody>
       </p:sp>
     </p:spTree>
     <p:extLst>
       <p:ext uri="{BB962C8B-B14F-4D97-AF65-F5344CB8AC3E}">
-        <p14:creationId xmlns:p14="http://schemas.microsoft.com/office/powerpoint/2010/main" val="3603804409"/>
+        <p14:creationId xmlns:p14="http://schemas.microsoft.com/office/powerpoint/2010/main" val="1886588512"/>
       </p:ext>
     </p:extLst>
   </p:cSld>
@@ -5777,7 +6857,7 @@
                 <a:latin typeface="MS UI Gothic" panose="020B0600070205080204" pitchFamily="34" charset="-128"/>
                 <a:ea typeface="MS UI Gothic" panose="020B0600070205080204" pitchFamily="34" charset="-128"/>
               </a:rPr>
-              <a:t>Construção do Modelo Conceptual</a:t>
+              <a:t>Requisitos</a:t>
             </a:r>
           </a:p>
         </p:txBody>
@@ -5878,7 +6958,7 @@
       </p:pic>
       <p:sp>
         <p:nvSpPr>
-          <p:cNvPr id="7" name="Marcador de Posição de Conteúdo 2"/>
+          <p:cNvPr id="7" name="Marcador de Posição de Conteúdo 4"/>
           <p:cNvSpPr>
             <a:spLocks noGrp="1"/>
           </p:cNvSpPr>
@@ -5888,12 +6968,14 @@
         </p:nvSpPr>
         <p:spPr>
           <a:xfrm>
-            <a:off x="850168" y="1779662"/>
+            <a:off x="822960" y="1384301"/>
             <a:ext cx="7543800" cy="3017520"/>
           </a:xfrm>
         </p:spPr>
         <p:txBody>
-          <a:bodyPr/>
+          <a:bodyPr>
+            <a:normAutofit/>
+          </a:bodyPr>
           <a:lstStyle/>
           <a:p>
             <a:pPr>
@@ -5902,7 +6984,7 @@
             </a:pPr>
             <a:r>
               <a:rPr lang="pt-PT" dirty="0"/>
-              <a:t>Identificação das identidades</a:t>
+              <a:t>A base de dados deve permitir registar clientes, necessitando para isso do nome e email.</a:t>
             </a:r>
           </a:p>
           <a:p>
@@ -5912,7 +6994,7 @@
             </a:pPr>
             <a:r>
               <a:rPr lang="pt-PT" dirty="0"/>
-              <a:t>Identificação dos relacionamentos</a:t>
+              <a:t>Cada comboio tem um determinado número de lugares, que limitam o número de reservas de uma viagem.</a:t>
             </a:r>
           </a:p>
           <a:p>
@@ -5922,7 +7004,7 @@
             </a:pPr>
             <a:r>
               <a:rPr lang="pt-PT" dirty="0"/>
-              <a:t>Determinação das multiplicidades</a:t>
+              <a:t>Devem ser aceites diferentes classes, dependendo do estatuto e idade, variando o preço dos bilhetes.</a:t>
             </a:r>
           </a:p>
           <a:p>
@@ -5932,7 +7014,7 @@
             </a:pPr>
             <a:r>
               <a:rPr lang="pt-PT" dirty="0"/>
-              <a:t>Identificação dos atributos e definição dos seus domínios</a:t>
+              <a:t> Deve ser informado ao cliente os lugares livres, permitindo ao cliente escolher um lugar livre.</a:t>
             </a:r>
           </a:p>
           <a:p>
@@ -5942,7 +7024,7 @@
             </a:pPr>
             <a:r>
               <a:rPr lang="pt-PT" dirty="0"/>
-              <a:t>Definição das chaves candidatas, primárias e alternativas</a:t>
+              <a:t>Cada viagem tem associada uma estação de partida, de chegada, uma duração e um comboio.</a:t>
             </a:r>
           </a:p>
           <a:p>
@@ -5952,7 +7034,7 @@
             </a:pPr>
             <a:r>
               <a:rPr lang="pt-PT" dirty="0"/>
-              <a:t>Verificação de redundâncias</a:t>
+              <a:t>As reservas podem ter vários bilhetes associados.</a:t>
             </a:r>
           </a:p>
           <a:p>
@@ -5962,7 +7044,7 @@
             </a:pPr>
             <a:r>
               <a:rPr lang="pt-PT" dirty="0"/>
-              <a:t>Validação do modelo</a:t>
+              <a:t>O bilhete deve ter associada a classe, a reserva, bem como informações sobre a viagem.     </a:t>
             </a:r>
           </a:p>
           <a:p>
@@ -5972,12 +7054,26 @@
             </a:pPr>
             <a:endParaRPr lang="pt-PT" dirty="0"/>
           </a:p>
+          <a:p>
+            <a:pPr>
+              <a:buFont typeface="Wingdings" panose="05000000000000000000" pitchFamily="2" charset="2"/>
+              <a:buChar char="Ø"/>
+            </a:pPr>
+            <a:endParaRPr lang="pt-PT" dirty="0"/>
+          </a:p>
+          <a:p>
+            <a:pPr>
+              <a:buFont typeface="Wingdings" panose="05000000000000000000" pitchFamily="2" charset="2"/>
+              <a:buChar char="Ø"/>
+            </a:pPr>
+            <a:endParaRPr lang="pt-PT" dirty="0"/>
+          </a:p>
         </p:txBody>
       </p:sp>
     </p:spTree>
     <p:extLst>
       <p:ext uri="{BB962C8B-B14F-4D97-AF65-F5344CB8AC3E}">
-        <p14:creationId xmlns:p14="http://schemas.microsoft.com/office/powerpoint/2010/main" val="2189927673"/>
+        <p14:creationId xmlns:p14="http://schemas.microsoft.com/office/powerpoint/2010/main" val="3603804409"/>
       </p:ext>
     </p:extLst>
   </p:cSld>
@@ -6006,6 +7102,37 @@
       </p:grpSpPr>
       <p:sp>
         <p:nvSpPr>
+          <p:cNvPr id="2" name="Título 1"/>
+          <p:cNvSpPr>
+            <a:spLocks noGrp="1"/>
+          </p:cNvSpPr>
+          <p:nvPr>
+            <p:ph type="title"/>
+          </p:nvPr>
+        </p:nvSpPr>
+        <p:spPr>
+          <a:xfrm>
+            <a:off x="827584" y="267494"/>
+            <a:ext cx="7704856" cy="1088068"/>
+          </a:xfrm>
+        </p:spPr>
+        <p:txBody>
+          <a:bodyPr/>
+          <a:lstStyle/>
+          <a:p>
+            <a:pPr algn="ctr"/>
+            <a:r>
+              <a:rPr lang="pt-PT" b="1" dirty="0">
+                <a:latin typeface="MS UI Gothic" panose="020B0600070205080204" pitchFamily="34" charset="-128"/>
+                <a:ea typeface="MS UI Gothic" panose="020B0600070205080204" pitchFamily="34" charset="-128"/>
+              </a:rPr>
+              <a:t>Construção do Modelo Conceptual</a:t>
+            </a:r>
+          </a:p>
+        </p:txBody>
+      </p:sp>
+      <p:sp>
+        <p:nvSpPr>
           <p:cNvPr id="4" name="CaixaDeTexto 3"/>
           <p:cNvSpPr txBox="1"/>
           <p:nvPr/>
@@ -6098,36 +7225,108 @@
           </a:prstGeom>
         </p:spPr>
       </p:pic>
-      <p:pic>
-        <p:nvPicPr>
-          <p:cNvPr id="13" name="Marcador de Posição de Conteúdo 3"/>
-          <p:cNvPicPr>
-            <a:picLocks noGrp="1" noChangeAspect="1"/>
-          </p:cNvPicPr>
+      <p:sp>
+        <p:nvSpPr>
+          <p:cNvPr id="7" name="Marcador de Posição de Conteúdo 2"/>
+          <p:cNvSpPr>
+            <a:spLocks noGrp="1"/>
+          </p:cNvSpPr>
           <p:nvPr>
             <p:ph idx="1"/>
           </p:nvPr>
-        </p:nvPicPr>
-        <p:blipFill>
-          <a:blip r:embed="rId4"/>
-          <a:stretch>
-            <a:fillRect/>
-          </a:stretch>
-        </p:blipFill>
-        <p:spPr>
-          <a:xfrm>
-            <a:off x="822960" y="555526"/>
-            <a:ext cx="7559685" cy="3647217"/>
-          </a:xfrm>
-          <a:prstGeom prst="rect">
-            <a:avLst/>
-          </a:prstGeom>
-        </p:spPr>
-      </p:pic>
+        </p:nvSpPr>
+        <p:spPr>
+          <a:xfrm>
+            <a:off x="850168" y="1779662"/>
+            <a:ext cx="7543800" cy="3017520"/>
+          </a:xfrm>
+        </p:spPr>
+        <p:txBody>
+          <a:bodyPr/>
+          <a:lstStyle/>
+          <a:p>
+            <a:pPr>
+              <a:buFont typeface="Wingdings" panose="05000000000000000000" pitchFamily="2" charset="2"/>
+              <a:buChar char="Ø"/>
+            </a:pPr>
+            <a:r>
+              <a:rPr lang="pt-PT" dirty="0"/>
+              <a:t>Identificação das identidades</a:t>
+            </a:r>
+          </a:p>
+          <a:p>
+            <a:pPr>
+              <a:buFont typeface="Wingdings" panose="05000000000000000000" pitchFamily="2" charset="2"/>
+              <a:buChar char="Ø"/>
+            </a:pPr>
+            <a:r>
+              <a:rPr lang="pt-PT" dirty="0"/>
+              <a:t>Identificação dos relacionamentos</a:t>
+            </a:r>
+          </a:p>
+          <a:p>
+            <a:pPr>
+              <a:buFont typeface="Wingdings" panose="05000000000000000000" pitchFamily="2" charset="2"/>
+              <a:buChar char="Ø"/>
+            </a:pPr>
+            <a:r>
+              <a:rPr lang="pt-PT" dirty="0"/>
+              <a:t>Determinação das multiplicidades</a:t>
+            </a:r>
+          </a:p>
+          <a:p>
+            <a:pPr>
+              <a:buFont typeface="Wingdings" panose="05000000000000000000" pitchFamily="2" charset="2"/>
+              <a:buChar char="Ø"/>
+            </a:pPr>
+            <a:r>
+              <a:rPr lang="pt-PT" dirty="0"/>
+              <a:t>Identificação dos atributos e definição dos seus domínios</a:t>
+            </a:r>
+          </a:p>
+          <a:p>
+            <a:pPr>
+              <a:buFont typeface="Wingdings" panose="05000000000000000000" pitchFamily="2" charset="2"/>
+              <a:buChar char="Ø"/>
+            </a:pPr>
+            <a:r>
+              <a:rPr lang="pt-PT" dirty="0"/>
+              <a:t>Definição das chaves candidatas, primárias e alternativas</a:t>
+            </a:r>
+          </a:p>
+          <a:p>
+            <a:pPr>
+              <a:buFont typeface="Wingdings" panose="05000000000000000000" pitchFamily="2" charset="2"/>
+              <a:buChar char="Ø"/>
+            </a:pPr>
+            <a:r>
+              <a:rPr lang="pt-PT" dirty="0"/>
+              <a:t>Verificação de redundâncias</a:t>
+            </a:r>
+          </a:p>
+          <a:p>
+            <a:pPr>
+              <a:buFont typeface="Wingdings" panose="05000000000000000000" pitchFamily="2" charset="2"/>
+              <a:buChar char="Ø"/>
+            </a:pPr>
+            <a:r>
+              <a:rPr lang="pt-PT" dirty="0"/>
+              <a:t>Validação do modelo</a:t>
+            </a:r>
+          </a:p>
+          <a:p>
+            <a:pPr>
+              <a:buFont typeface="Wingdings" panose="05000000000000000000" pitchFamily="2" charset="2"/>
+              <a:buChar char="Ø"/>
+            </a:pPr>
+            <a:endParaRPr lang="pt-PT" dirty="0"/>
+          </a:p>
+        </p:txBody>
+      </p:sp>
     </p:spTree>
     <p:extLst>
       <p:ext uri="{BB962C8B-B14F-4D97-AF65-F5344CB8AC3E}">
-        <p14:creationId xmlns:p14="http://schemas.microsoft.com/office/powerpoint/2010/main" val="4224231161"/>
+        <p14:creationId xmlns:p14="http://schemas.microsoft.com/office/powerpoint/2010/main" val="2189927673"/>
       </p:ext>
     </p:extLst>
   </p:cSld>
@@ -6156,37 +7355,6 @@
       </p:grpSpPr>
       <p:sp>
         <p:nvSpPr>
-          <p:cNvPr id="2" name="Título 1"/>
-          <p:cNvSpPr>
-            <a:spLocks noGrp="1"/>
-          </p:cNvSpPr>
-          <p:nvPr>
-            <p:ph type="title"/>
-          </p:nvPr>
-        </p:nvSpPr>
-        <p:spPr>
-          <a:xfrm>
-            <a:off x="827584" y="267494"/>
-            <a:ext cx="7704856" cy="1088068"/>
-          </a:xfrm>
-        </p:spPr>
-        <p:txBody>
-          <a:bodyPr/>
-          <a:lstStyle/>
-          <a:p>
-            <a:pPr algn="ctr"/>
-            <a:r>
-              <a:rPr lang="pt-PT" b="1" dirty="0">
-                <a:latin typeface="MS UI Gothic" panose="020B0600070205080204" pitchFamily="34" charset="-128"/>
-                <a:ea typeface="MS UI Gothic" panose="020B0600070205080204" pitchFamily="34" charset="-128"/>
-              </a:rPr>
-              <a:t>Construção do Modelo Lógico</a:t>
-            </a:r>
-          </a:p>
-        </p:txBody>
-      </p:sp>
-      <p:sp>
-        <p:nvSpPr>
           <p:cNvPr id="4" name="CaixaDeTexto 3"/>
           <p:cNvSpPr txBox="1"/>
           <p:nvPr/>
@@ -6279,91 +7447,36 @@
           </a:prstGeom>
         </p:spPr>
       </p:pic>
-      <p:sp>
-        <p:nvSpPr>
-          <p:cNvPr id="7" name="Marcador de Posição de Conteúdo 2"/>
-          <p:cNvSpPr>
-            <a:spLocks noGrp="1"/>
-          </p:cNvSpPr>
+      <p:pic>
+        <p:nvPicPr>
+          <p:cNvPr id="13" name="Marcador de Posição de Conteúdo 3"/>
+          <p:cNvPicPr>
+            <a:picLocks noGrp="1" noChangeAspect="1"/>
+          </p:cNvPicPr>
           <p:nvPr>
             <p:ph idx="1"/>
           </p:nvPr>
-        </p:nvSpPr>
-        <p:spPr>
-          <a:xfrm>
-            <a:off x="850168" y="1779662"/>
-            <a:ext cx="7543800" cy="3017520"/>
-          </a:xfrm>
-        </p:spPr>
-        <p:txBody>
-          <a:bodyPr/>
-          <a:lstStyle/>
-          <a:p>
-            <a:pPr>
-              <a:buFont typeface="Wingdings" panose="05000000000000000000" pitchFamily="2" charset="2"/>
-              <a:buChar char="Ø"/>
-            </a:pPr>
-            <a:r>
-              <a:rPr lang="pt-PT" dirty="0"/>
-              <a:t>Derivação das relações a partir do Modelo Conceptual</a:t>
-            </a:r>
-          </a:p>
-          <a:p>
-            <a:pPr>
-              <a:buFont typeface="Wingdings" panose="05000000000000000000" pitchFamily="2" charset="2"/>
-              <a:buChar char="Ø"/>
-            </a:pPr>
-            <a:r>
-              <a:rPr lang="pt-PT" dirty="0"/>
-              <a:t>Validar relações usando a normalização</a:t>
-            </a:r>
-          </a:p>
-          <a:p>
-            <a:pPr>
-              <a:buFont typeface="Wingdings" panose="05000000000000000000" pitchFamily="2" charset="2"/>
-              <a:buChar char="Ø"/>
-            </a:pPr>
-            <a:r>
-              <a:rPr lang="pt-PT" dirty="0"/>
-              <a:t>Validar relações de acordo com as transações do utilizador</a:t>
-            </a:r>
-          </a:p>
-          <a:p>
-            <a:pPr>
-              <a:buFont typeface="Wingdings" panose="05000000000000000000" pitchFamily="2" charset="2"/>
-              <a:buChar char="Ø"/>
-            </a:pPr>
-            <a:r>
-              <a:rPr lang="pt-PT" dirty="0"/>
-              <a:t>Verificar integridade das restrições</a:t>
-            </a:r>
-          </a:p>
-          <a:p>
-            <a:pPr>
-              <a:buFont typeface="Wingdings" panose="05000000000000000000" pitchFamily="2" charset="2"/>
-              <a:buChar char="Ø"/>
-            </a:pPr>
-            <a:r>
-              <a:rPr lang="pt-PT" dirty="0"/>
-              <a:t>Rever modelo lógico com o utilizador</a:t>
-            </a:r>
-          </a:p>
-          <a:p>
-            <a:pPr>
-              <a:buFont typeface="Wingdings" panose="05000000000000000000" pitchFamily="2" charset="2"/>
-              <a:buChar char="Ø"/>
-            </a:pPr>
-            <a:r>
-              <a:rPr lang="pt-PT" dirty="0"/>
-              <a:t>Verificar futuro crescimento</a:t>
-            </a:r>
-          </a:p>
-        </p:txBody>
-      </p:sp>
+        </p:nvPicPr>
+        <p:blipFill>
+          <a:blip r:embed="rId4"/>
+          <a:stretch>
+            <a:fillRect/>
+          </a:stretch>
+        </p:blipFill>
+        <p:spPr>
+          <a:xfrm>
+            <a:off x="395536" y="411510"/>
+            <a:ext cx="8280920" cy="4104456"/>
+          </a:xfrm>
+          <a:prstGeom prst="rect">
+            <a:avLst/>
+          </a:prstGeom>
+        </p:spPr>
+      </p:pic>
     </p:spTree>
     <p:extLst>
       <p:ext uri="{BB962C8B-B14F-4D97-AF65-F5344CB8AC3E}">
-        <p14:creationId xmlns:p14="http://schemas.microsoft.com/office/powerpoint/2010/main" val="191715248"/>
+        <p14:creationId xmlns:p14="http://schemas.microsoft.com/office/powerpoint/2010/main" val="4224231161"/>
       </p:ext>
     </p:extLst>
   </p:cSld>
@@ -6392,6 +7505,37 @@
       </p:grpSpPr>
       <p:sp>
         <p:nvSpPr>
+          <p:cNvPr id="2" name="Título 1"/>
+          <p:cNvSpPr>
+            <a:spLocks noGrp="1"/>
+          </p:cNvSpPr>
+          <p:nvPr>
+            <p:ph type="title"/>
+          </p:nvPr>
+        </p:nvSpPr>
+        <p:spPr>
+          <a:xfrm>
+            <a:off x="827584" y="267494"/>
+            <a:ext cx="7704856" cy="1088068"/>
+          </a:xfrm>
+        </p:spPr>
+        <p:txBody>
+          <a:bodyPr/>
+          <a:lstStyle/>
+          <a:p>
+            <a:pPr algn="ctr"/>
+            <a:r>
+              <a:rPr lang="pt-PT" b="1" dirty="0">
+                <a:latin typeface="MS UI Gothic" panose="020B0600070205080204" pitchFamily="34" charset="-128"/>
+                <a:ea typeface="MS UI Gothic" panose="020B0600070205080204" pitchFamily="34" charset="-128"/>
+              </a:rPr>
+              <a:t>Construção do Modelo Lógico</a:t>
+            </a:r>
+          </a:p>
+        </p:txBody>
+      </p:sp>
+      <p:sp>
+        <p:nvSpPr>
           <p:cNvPr id="4" name="CaixaDeTexto 3"/>
           <p:cNvSpPr txBox="1"/>
           <p:nvPr/>
@@ -6484,40 +7628,91 @@
           </a:prstGeom>
         </p:spPr>
       </p:pic>
-      <p:pic>
-        <p:nvPicPr>
-          <p:cNvPr id="13" name="Imagem 12"/>
-          <p:cNvPicPr>
-            <a:picLocks noChangeAspect="1"/>
-          </p:cNvPicPr>
-          <p:nvPr/>
-        </p:nvPicPr>
-        <p:blipFill>
-          <a:blip r:embed="rId4">
-            <a:extLst>
-              <a:ext uri="{28A0092B-C50C-407E-A947-70E740481C1C}">
-                <a14:useLocalDpi xmlns:a14="http://schemas.microsoft.com/office/drawing/2010/main" val="0"/>
-              </a:ext>
-            </a:extLst>
-          </a:blip>
-          <a:stretch>
-            <a:fillRect/>
-          </a:stretch>
-        </p:blipFill>
-        <p:spPr>
-          <a:xfrm>
-            <a:off x="539552" y="123478"/>
-            <a:ext cx="7992888" cy="4415551"/>
-          </a:xfrm>
-          <a:prstGeom prst="rect">
-            <a:avLst/>
-          </a:prstGeom>
-        </p:spPr>
-      </p:pic>
+      <p:sp>
+        <p:nvSpPr>
+          <p:cNvPr id="7" name="Marcador de Posição de Conteúdo 2"/>
+          <p:cNvSpPr>
+            <a:spLocks noGrp="1"/>
+          </p:cNvSpPr>
+          <p:nvPr>
+            <p:ph idx="1"/>
+          </p:nvPr>
+        </p:nvSpPr>
+        <p:spPr>
+          <a:xfrm>
+            <a:off x="850168" y="1779662"/>
+            <a:ext cx="7543800" cy="3017520"/>
+          </a:xfrm>
+        </p:spPr>
+        <p:txBody>
+          <a:bodyPr/>
+          <a:lstStyle/>
+          <a:p>
+            <a:pPr>
+              <a:buFont typeface="Wingdings" panose="05000000000000000000" pitchFamily="2" charset="2"/>
+              <a:buChar char="Ø"/>
+            </a:pPr>
+            <a:r>
+              <a:rPr lang="pt-PT" dirty="0"/>
+              <a:t>Derivação das relações a partir do Modelo Conceptual</a:t>
+            </a:r>
+          </a:p>
+          <a:p>
+            <a:pPr>
+              <a:buFont typeface="Wingdings" panose="05000000000000000000" pitchFamily="2" charset="2"/>
+              <a:buChar char="Ø"/>
+            </a:pPr>
+            <a:r>
+              <a:rPr lang="pt-PT" dirty="0"/>
+              <a:t>Validar relações usando a normalização</a:t>
+            </a:r>
+          </a:p>
+          <a:p>
+            <a:pPr>
+              <a:buFont typeface="Wingdings" panose="05000000000000000000" pitchFamily="2" charset="2"/>
+              <a:buChar char="Ø"/>
+            </a:pPr>
+            <a:r>
+              <a:rPr lang="pt-PT" dirty="0"/>
+              <a:t>Validar relações de acordo com as transações do utilizador</a:t>
+            </a:r>
+          </a:p>
+          <a:p>
+            <a:pPr>
+              <a:buFont typeface="Wingdings" panose="05000000000000000000" pitchFamily="2" charset="2"/>
+              <a:buChar char="Ø"/>
+            </a:pPr>
+            <a:r>
+              <a:rPr lang="pt-PT" dirty="0"/>
+              <a:t>Verificar integridade das restrições</a:t>
+            </a:r>
+          </a:p>
+          <a:p>
+            <a:pPr>
+              <a:buFont typeface="Wingdings" panose="05000000000000000000" pitchFamily="2" charset="2"/>
+              <a:buChar char="Ø"/>
+            </a:pPr>
+            <a:r>
+              <a:rPr lang="pt-PT" dirty="0"/>
+              <a:t>Rever modelo lógico com o utilizador</a:t>
+            </a:r>
+          </a:p>
+          <a:p>
+            <a:pPr>
+              <a:buFont typeface="Wingdings" panose="05000000000000000000" pitchFamily="2" charset="2"/>
+              <a:buChar char="Ø"/>
+            </a:pPr>
+            <a:r>
+              <a:rPr lang="pt-PT" dirty="0"/>
+              <a:t>Verificar futuro crescimento</a:t>
+            </a:r>
+          </a:p>
+        </p:txBody>
+      </p:sp>
     </p:spTree>
     <p:extLst>
       <p:ext uri="{BB962C8B-B14F-4D97-AF65-F5344CB8AC3E}">
-        <p14:creationId xmlns:p14="http://schemas.microsoft.com/office/powerpoint/2010/main" val="2955976015"/>
+        <p14:creationId xmlns:p14="http://schemas.microsoft.com/office/powerpoint/2010/main" val="191715248"/>
       </p:ext>
     </p:extLst>
   </p:cSld>
@@ -6546,37 +7741,6 @@
       </p:grpSpPr>
       <p:sp>
         <p:nvSpPr>
-          <p:cNvPr id="2" name="Título 1"/>
-          <p:cNvSpPr>
-            <a:spLocks noGrp="1"/>
-          </p:cNvSpPr>
-          <p:nvPr>
-            <p:ph type="title"/>
-          </p:nvPr>
-        </p:nvSpPr>
-        <p:spPr>
-          <a:xfrm>
-            <a:off x="827584" y="267494"/>
-            <a:ext cx="7704856" cy="1088068"/>
-          </a:xfrm>
-        </p:spPr>
-        <p:txBody>
-          <a:bodyPr/>
-          <a:lstStyle/>
-          <a:p>
-            <a:pPr algn="ctr"/>
-            <a:r>
-              <a:rPr lang="pt-PT" b="1" dirty="0">
-                <a:latin typeface="MS UI Gothic" panose="020B0600070205080204" pitchFamily="34" charset="-128"/>
-                <a:ea typeface="MS UI Gothic" panose="020B0600070205080204" pitchFamily="34" charset="-128"/>
-              </a:rPr>
-              <a:t>Normalização</a:t>
-            </a:r>
-          </a:p>
-        </p:txBody>
-      </p:sp>
-      <p:sp>
-        <p:nvSpPr>
           <p:cNvPr id="4" name="CaixaDeTexto 3"/>
           <p:cNvSpPr txBox="1"/>
           <p:nvPr/>
@@ -6669,91 +7833,40 @@
           </a:prstGeom>
         </p:spPr>
       </p:pic>
-      <p:sp>
-        <p:nvSpPr>
-          <p:cNvPr id="7" name="Marcador de Posição de Conteúdo 2"/>
-          <p:cNvSpPr>
-            <a:spLocks noGrp="1"/>
-          </p:cNvSpPr>
-          <p:nvPr>
-            <p:ph idx="1"/>
-          </p:nvPr>
-        </p:nvSpPr>
-        <p:spPr>
-          <a:xfrm>
-            <a:off x="850168" y="1779662"/>
-            <a:ext cx="7543800" cy="3017520"/>
-          </a:xfrm>
-        </p:spPr>
-        <p:txBody>
-          <a:bodyPr/>
-          <a:lstStyle/>
-          <a:p>
-            <a:pPr>
-              <a:buFont typeface="Wingdings" panose="05000000000000000000" pitchFamily="2" charset="2"/>
-              <a:buChar char="Ø"/>
-            </a:pPr>
-            <a:r>
-              <a:rPr lang="pt-PT" sz="1800" dirty="0"/>
-              <a:t>Primeira forma normal (1NF)</a:t>
-            </a:r>
-          </a:p>
-          <a:p>
-            <a:pPr lvl="2">
-              <a:buFont typeface="Wingdings" panose="05000000000000000000" pitchFamily="2" charset="2"/>
-              <a:buChar char="Ø"/>
-            </a:pPr>
-            <a:r>
-              <a:rPr lang="pt-PT" sz="1400" dirty="0"/>
-              <a:t>Atomicidade dos atributos – A interseção entre cada registo e cada atributo (i. e. cada célula) deve conter um e um só valor.</a:t>
-            </a:r>
-          </a:p>
-          <a:p>
-            <a:pPr>
-              <a:buFont typeface="Wingdings" panose="05000000000000000000" pitchFamily="2" charset="2"/>
-              <a:buChar char="Ø"/>
-            </a:pPr>
-            <a:r>
-              <a:rPr lang="pt-PT" sz="1800" dirty="0"/>
-              <a:t>Segunda forma normal (2NF)</a:t>
-            </a:r>
-          </a:p>
-          <a:p>
-            <a:pPr lvl="2">
-              <a:buFont typeface="Wingdings" panose="05000000000000000000" pitchFamily="2" charset="2"/>
-              <a:buChar char="Ø"/>
-            </a:pPr>
-            <a:r>
-              <a:rPr lang="pt-PT" sz="1400" dirty="0"/>
-              <a:t>Dependências parciais	 - Cada atributo não participante na chave primária é totalmente dependente desta.</a:t>
-            </a:r>
-          </a:p>
-          <a:p>
-            <a:pPr>
-              <a:buFont typeface="Wingdings" panose="05000000000000000000" pitchFamily="2" charset="2"/>
-              <a:buChar char="Ø"/>
-            </a:pPr>
-            <a:r>
-              <a:rPr lang="pt-PT" sz="1800" dirty="0"/>
-              <a:t>Terceira forma normal (3NF)</a:t>
-            </a:r>
-          </a:p>
-          <a:p>
-            <a:pPr lvl="2">
-              <a:buFont typeface="Wingdings" panose="05000000000000000000" pitchFamily="2" charset="2"/>
-              <a:buChar char="Ø"/>
-            </a:pPr>
-            <a:r>
-              <a:rPr lang="pt-PT" sz="1400" dirty="0"/>
-              <a:t>Dependências transitivas – Todos os atributos de uma tabela devem apenas poder ser determinados pela chave primária e não por qualquer outra coluna da tabela.</a:t>
-            </a:r>
-          </a:p>
-        </p:txBody>
-      </p:sp>
+      <p:pic>
+        <p:nvPicPr>
+          <p:cNvPr id="13" name="Imagem 12"/>
+          <p:cNvPicPr>
+            <a:picLocks noChangeAspect="1"/>
+          </p:cNvPicPr>
+          <p:nvPr/>
+        </p:nvPicPr>
+        <p:blipFill>
+          <a:blip r:embed="rId4">
+            <a:extLst>
+              <a:ext uri="{28A0092B-C50C-407E-A947-70E740481C1C}">
+                <a14:useLocalDpi xmlns:a14="http://schemas.microsoft.com/office/drawing/2010/main" val="0"/>
+              </a:ext>
+            </a:extLst>
+          </a:blip>
+          <a:stretch>
+            <a:fillRect/>
+          </a:stretch>
+        </p:blipFill>
+        <p:spPr>
+          <a:xfrm>
+            <a:off x="539552" y="123478"/>
+            <a:ext cx="7992888" cy="4415551"/>
+          </a:xfrm>
+          <a:prstGeom prst="rect">
+            <a:avLst/>
+          </a:prstGeom>
+        </p:spPr>
+      </p:pic>
     </p:spTree>
     <p:extLst>
       <p:ext uri="{BB962C8B-B14F-4D97-AF65-F5344CB8AC3E}">
-        <p14:creationId xmlns:p14="http://schemas.microsoft.com/office/powerpoint/2010/main" val="981392183"/>
+        <p14:creationId xmlns:p14="http://schemas.microsoft.com/office/powerpoint/2010/main" val="2955976015"/>
       </p:ext>
     </p:extLst>
   </p:cSld>
@@ -6802,16 +7915,12 @@
           <a:p>
             <a:pPr algn="ctr"/>
             <a:r>
-              <a:rPr lang="pt-PT" b="1" dirty="0" err="1">
+              <a:rPr lang="pt-PT" b="1" dirty="0">
                 <a:latin typeface="MS UI Gothic" panose="020B0600070205080204" pitchFamily="34" charset="-128"/>
                 <a:ea typeface="MS UI Gothic" panose="020B0600070205080204" pitchFamily="34" charset="-128"/>
               </a:rPr>
-              <a:t>MongoDB</a:t>
-            </a:r>
-            <a:endParaRPr lang="pt-PT" b="1" dirty="0">
-              <a:latin typeface="MS UI Gothic" panose="020B0600070205080204" pitchFamily="34" charset="-128"/>
-              <a:ea typeface="MS UI Gothic" panose="020B0600070205080204" pitchFamily="34" charset="-128"/>
-            </a:endParaRPr>
+              <a:t>Normalização</a:t>
+            </a:r>
           </a:p>
         </p:txBody>
       </p:sp>
@@ -6933,14 +8042,67 @@
               <a:buFont typeface="Wingdings" panose="05000000000000000000" pitchFamily="2" charset="2"/>
               <a:buChar char="Ø"/>
             </a:pPr>
-            <a:endParaRPr lang="pt-PT" dirty="0"/>
+            <a:r>
+              <a:rPr lang="pt-PT" sz="1800" dirty="0"/>
+              <a:t>Primeira forma normal (1NF)</a:t>
+            </a:r>
+          </a:p>
+          <a:p>
+            <a:pPr lvl="2">
+              <a:buFont typeface="Wingdings" panose="05000000000000000000" pitchFamily="2" charset="2"/>
+              <a:buChar char="Ø"/>
+            </a:pPr>
+            <a:r>
+              <a:rPr lang="pt-PT" sz="1400" dirty="0"/>
+              <a:t>Atomicidade dos atributos – A interseção entre cada registo e cada atributo (i. e. cada célula) deve conter um e um só valor.</a:t>
+            </a:r>
+          </a:p>
+          <a:p>
+            <a:pPr>
+              <a:buFont typeface="Wingdings" panose="05000000000000000000" pitchFamily="2" charset="2"/>
+              <a:buChar char="Ø"/>
+            </a:pPr>
+            <a:r>
+              <a:rPr lang="pt-PT" sz="1800" dirty="0"/>
+              <a:t>Segunda forma normal (2NF)</a:t>
+            </a:r>
+          </a:p>
+          <a:p>
+            <a:pPr lvl="2">
+              <a:buFont typeface="Wingdings" panose="05000000000000000000" pitchFamily="2" charset="2"/>
+              <a:buChar char="Ø"/>
+            </a:pPr>
+            <a:r>
+              <a:rPr lang="pt-PT" sz="1400" dirty="0"/>
+              <a:t>Dependências parciais	 - Cada atributo não participante na chave primária é totalmente dependente desta.</a:t>
+            </a:r>
+          </a:p>
+          <a:p>
+            <a:pPr>
+              <a:buFont typeface="Wingdings" panose="05000000000000000000" pitchFamily="2" charset="2"/>
+              <a:buChar char="Ø"/>
+            </a:pPr>
+            <a:r>
+              <a:rPr lang="pt-PT" sz="1800" dirty="0"/>
+              <a:t>Terceira forma normal (3NF)</a:t>
+            </a:r>
+          </a:p>
+          <a:p>
+            <a:pPr lvl="2">
+              <a:buFont typeface="Wingdings" panose="05000000000000000000" pitchFamily="2" charset="2"/>
+              <a:buChar char="Ø"/>
+            </a:pPr>
+            <a:r>
+              <a:rPr lang="pt-PT" sz="1400" dirty="0"/>
+              <a:t>Dependências transitivas – Todos os atributos de uma tabela devem apenas poder ser determinados pela chave primária e não por qualquer outra coluna da tabela.</a:t>
+            </a:r>
           </a:p>
         </p:txBody>
       </p:sp>
     </p:spTree>
     <p:extLst>
       <p:ext uri="{BB962C8B-B14F-4D97-AF65-F5344CB8AC3E}">
-        <p14:creationId xmlns:p14="http://schemas.microsoft.com/office/powerpoint/2010/main" val="1685181694"/>
+        <p14:creationId xmlns:p14="http://schemas.microsoft.com/office/powerpoint/2010/main" val="981392183"/>
       </p:ext>
     </p:extLst>
   </p:cSld>
